--- a/trunk/MISC/Final Presentation.pptx
+++ b/trunk/MISC/Final Presentation.pptx
@@ -304,7 +304,8 @@
           <a:p>
             <a:fld id="{B0FCC290-3B41-4531-9606-9105D6C109F0}" type="datetimeFigureOut">
               <a:rPr lang="en-US" smtClean="0"/>
-              <a:t>4/27/2008</a:t>
+              <a:pPr/>
+              <a:t>04/29/2008</a:t>
             </a:fld>
             <a:endParaRPr lang="en-US"/>
           </a:p>
@@ -346,6 +347,7 @@
           <a:p>
             <a:fld id="{3FFFD530-F9B3-460D-9797-D5B8A8B16484}" type="slidenum">
               <a:rPr lang="en-US" smtClean="0"/>
+              <a:pPr/>
               <a:t>‹#›</a:t>
             </a:fld>
             <a:endParaRPr lang="en-US"/>
@@ -469,7 +471,8 @@
           <a:p>
             <a:fld id="{B0FCC290-3B41-4531-9606-9105D6C109F0}" type="datetimeFigureOut">
               <a:rPr lang="en-US" smtClean="0"/>
-              <a:t>4/27/2008</a:t>
+              <a:pPr/>
+              <a:t>04/29/2008</a:t>
             </a:fld>
             <a:endParaRPr lang="en-US"/>
           </a:p>
@@ -511,6 +514,7 @@
           <a:p>
             <a:fld id="{3FFFD530-F9B3-460D-9797-D5B8A8B16484}" type="slidenum">
               <a:rPr lang="en-US" smtClean="0"/>
+              <a:pPr/>
               <a:t>‹#›</a:t>
             </a:fld>
             <a:endParaRPr lang="en-US"/>
@@ -644,7 +648,8 @@
           <a:p>
             <a:fld id="{B0FCC290-3B41-4531-9606-9105D6C109F0}" type="datetimeFigureOut">
               <a:rPr lang="en-US" smtClean="0"/>
-              <a:t>4/27/2008</a:t>
+              <a:pPr/>
+              <a:t>04/29/2008</a:t>
             </a:fld>
             <a:endParaRPr lang="en-US"/>
           </a:p>
@@ -686,6 +691,7 @@
           <a:p>
             <a:fld id="{3FFFD530-F9B3-460D-9797-D5B8A8B16484}" type="slidenum">
               <a:rPr lang="en-US" smtClean="0"/>
+              <a:pPr/>
               <a:t>‹#›</a:t>
             </a:fld>
             <a:endParaRPr lang="en-US"/>
@@ -809,7 +815,8 @@
           <a:p>
             <a:fld id="{B0FCC290-3B41-4531-9606-9105D6C109F0}" type="datetimeFigureOut">
               <a:rPr lang="en-US" smtClean="0"/>
-              <a:t>4/27/2008</a:t>
+              <a:pPr/>
+              <a:t>04/29/2008</a:t>
             </a:fld>
             <a:endParaRPr lang="en-US"/>
           </a:p>
@@ -851,6 +858,7 @@
           <a:p>
             <a:fld id="{3FFFD530-F9B3-460D-9797-D5B8A8B16484}" type="slidenum">
               <a:rPr lang="en-US" smtClean="0"/>
+              <a:pPr/>
               <a:t>‹#›</a:t>
             </a:fld>
             <a:endParaRPr lang="en-US"/>
@@ -1051,7 +1059,8 @@
           <a:p>
             <a:fld id="{B0FCC290-3B41-4531-9606-9105D6C109F0}" type="datetimeFigureOut">
               <a:rPr lang="en-US" smtClean="0"/>
-              <a:t>4/27/2008</a:t>
+              <a:pPr/>
+              <a:t>04/29/2008</a:t>
             </a:fld>
             <a:endParaRPr lang="en-US"/>
           </a:p>
@@ -1093,6 +1102,7 @@
           <a:p>
             <a:fld id="{3FFFD530-F9B3-460D-9797-D5B8A8B16484}" type="slidenum">
               <a:rPr lang="en-US" smtClean="0"/>
+              <a:pPr/>
               <a:t>‹#›</a:t>
             </a:fld>
             <a:endParaRPr lang="en-US"/>
@@ -1315,7 +1325,8 @@
           <a:p>
             <a:fld id="{B0FCC290-3B41-4531-9606-9105D6C109F0}" type="datetimeFigureOut">
               <a:rPr lang="en-US" smtClean="0"/>
-              <a:t>4/27/2008</a:t>
+              <a:pPr/>
+              <a:t>04/29/2008</a:t>
             </a:fld>
             <a:endParaRPr lang="en-US"/>
           </a:p>
@@ -1357,6 +1368,7 @@
           <a:p>
             <a:fld id="{3FFFD530-F9B3-460D-9797-D5B8A8B16484}" type="slidenum">
               <a:rPr lang="en-US" smtClean="0"/>
+              <a:pPr/>
               <a:t>‹#›</a:t>
             </a:fld>
             <a:endParaRPr lang="en-US"/>
@@ -1693,7 +1705,8 @@
           <a:p>
             <a:fld id="{B0FCC290-3B41-4531-9606-9105D6C109F0}" type="datetimeFigureOut">
               <a:rPr lang="en-US" smtClean="0"/>
-              <a:t>4/27/2008</a:t>
+              <a:pPr/>
+              <a:t>04/29/2008</a:t>
             </a:fld>
             <a:endParaRPr lang="en-US"/>
           </a:p>
@@ -1735,6 +1748,7 @@
           <a:p>
             <a:fld id="{3FFFD530-F9B3-460D-9797-D5B8A8B16484}" type="slidenum">
               <a:rPr lang="en-US" smtClean="0"/>
+              <a:pPr/>
               <a:t>‹#›</a:t>
             </a:fld>
             <a:endParaRPr lang="en-US"/>
@@ -1843,7 +1857,8 @@
           <a:p>
             <a:fld id="{B0FCC290-3B41-4531-9606-9105D6C109F0}" type="datetimeFigureOut">
               <a:rPr lang="en-US" smtClean="0"/>
-              <a:t>4/27/2008</a:t>
+              <a:pPr/>
+              <a:t>04/29/2008</a:t>
             </a:fld>
             <a:endParaRPr lang="en-US"/>
           </a:p>
@@ -1885,6 +1900,7 @@
           <a:p>
             <a:fld id="{3FFFD530-F9B3-460D-9797-D5B8A8B16484}" type="slidenum">
               <a:rPr lang="en-US" smtClean="0"/>
+              <a:pPr/>
               <a:t>‹#›</a:t>
             </a:fld>
             <a:endParaRPr lang="en-US"/>
@@ -1933,7 +1949,8 @@
           <a:p>
             <a:fld id="{B0FCC290-3B41-4531-9606-9105D6C109F0}" type="datetimeFigureOut">
               <a:rPr lang="en-US" smtClean="0"/>
-              <a:t>4/27/2008</a:t>
+              <a:pPr/>
+              <a:t>04/29/2008</a:t>
             </a:fld>
             <a:endParaRPr lang="en-US"/>
           </a:p>
@@ -1975,6 +1992,7 @@
           <a:p>
             <a:fld id="{3FFFD530-F9B3-460D-9797-D5B8A8B16484}" type="slidenum">
               <a:rPr lang="en-US" smtClean="0"/>
+              <a:pPr/>
               <a:t>‹#›</a:t>
             </a:fld>
             <a:endParaRPr lang="en-US"/>
@@ -2194,7 +2212,8 @@
           <a:p>
             <a:fld id="{B0FCC290-3B41-4531-9606-9105D6C109F0}" type="datetimeFigureOut">
               <a:rPr lang="en-US" smtClean="0"/>
-              <a:t>4/27/2008</a:t>
+              <a:pPr/>
+              <a:t>04/29/2008</a:t>
             </a:fld>
             <a:endParaRPr lang="en-US"/>
           </a:p>
@@ -2236,6 +2255,7 @@
           <a:p>
             <a:fld id="{3FFFD530-F9B3-460D-9797-D5B8A8B16484}" type="slidenum">
               <a:rPr lang="en-US" smtClean="0"/>
+              <a:pPr/>
               <a:t>‹#›</a:t>
             </a:fld>
             <a:endParaRPr lang="en-US"/>
@@ -2482,7 +2502,8 @@
           <a:p>
             <a:fld id="{B0FCC290-3B41-4531-9606-9105D6C109F0}" type="datetimeFigureOut">
               <a:rPr lang="en-US" smtClean="0"/>
-              <a:t>4/27/2008</a:t>
+              <a:pPr/>
+              <a:t>04/29/2008</a:t>
             </a:fld>
             <a:endParaRPr lang="en-US"/>
           </a:p>
@@ -2529,6 +2550,7 @@
           <a:p>
             <a:fld id="{3FFFD530-F9B3-460D-9797-D5B8A8B16484}" type="slidenum">
               <a:rPr lang="en-US" smtClean="0"/>
+              <a:pPr/>
               <a:t>‹#›</a:t>
             </a:fld>
             <a:endParaRPr lang="en-US"/>
@@ -3253,7 +3275,8 @@
           <a:p>
             <a:fld id="{B0FCC290-3B41-4531-9606-9105D6C109F0}" type="datetimeFigureOut">
               <a:rPr lang="en-US" smtClean="0"/>
-              <a:t>4/27/2008</a:t>
+              <a:pPr/>
+              <a:t>04/29/2008</a:t>
             </a:fld>
             <a:endParaRPr lang="en-US"/>
           </a:p>
@@ -3331,6 +3354,7 @@
           <a:p>
             <a:fld id="{3FFFD530-F9B3-460D-9797-D5B8A8B16484}" type="slidenum">
               <a:rPr lang="en-US" smtClean="0"/>
+              <a:pPr/>
               <a:t>‹#›</a:t>
             </a:fld>
             <a:endParaRPr lang="en-US"/>
@@ -4607,30 +4631,14 @@
           <a:p>
             <a:r>
               <a:rPr lang="en-US" dirty="0" smtClean="0"/>
-              <a:t>David </a:t>
-            </a:r>
+              <a:t>David Moreno</a:t>
+            </a:r>
+          </a:p>
+          <a:p>
+            <a:pPr lvl="1"/>
             <a:r>
               <a:rPr lang="en-US" dirty="0" smtClean="0"/>
-              <a:t>Moreno</a:t>
-            </a:r>
-          </a:p>
-          <a:p>
-            <a:pPr lvl="1"/>
-            <a:r>
-              <a:rPr lang="en-US" dirty="0" smtClean="0"/>
-              <a:t>H</a:t>
-            </a:r>
-            <a:r>
-              <a:rPr lang="en-US" dirty="0" smtClean="0"/>
-              <a:t>ardware </a:t>
-            </a:r>
-            <a:r>
-              <a:rPr lang="en-US" dirty="0" smtClean="0"/>
-              <a:t>and CMUCam3 </a:t>
-            </a:r>
-            <a:r>
-              <a:rPr lang="en-US" dirty="0" smtClean="0"/>
-              <a:t>operations</a:t>
+              <a:t>Hardware and CMUCam3 operations</a:t>
             </a:r>
           </a:p>
           <a:p>
@@ -4639,42 +4647,24 @@
               <a:rPr lang="en-US" dirty="0" smtClean="0"/>
               <a:t>Purchasing</a:t>
             </a:r>
-            <a:endParaRPr lang="en-US" dirty="0" smtClean="0"/>
           </a:p>
           <a:p>
             <a:r>
               <a:rPr lang="en-US" dirty="0" smtClean="0"/>
-              <a:t>Mario </a:t>
-            </a:r>
+              <a:t>Mario Raushel</a:t>
+            </a:r>
+          </a:p>
+          <a:p>
+            <a:pPr lvl="1"/>
             <a:r>
               <a:rPr lang="en-US" dirty="0" smtClean="0"/>
-              <a:t>Raushel</a:t>
-            </a:r>
-          </a:p>
-          <a:p>
-            <a:pPr lvl="1"/>
+              <a:t>Software design and implementation</a:t>
+            </a:r>
+          </a:p>
+          <a:p>
             <a:r>
               <a:rPr lang="en-US" dirty="0" smtClean="0"/>
-              <a:t>Software design </a:t>
-            </a:r>
-            <a:r>
-              <a:rPr lang="en-US" dirty="0" smtClean="0"/>
-              <a:t>and </a:t>
-            </a:r>
-            <a:r>
-              <a:rPr lang="en-US" dirty="0" smtClean="0"/>
-              <a:t>implementation</a:t>
-            </a:r>
-            <a:endParaRPr lang="en-US" dirty="0" smtClean="0"/>
-          </a:p>
-          <a:p>
-            <a:r>
-              <a:rPr lang="en-US" dirty="0" smtClean="0"/>
-              <a:t>Terence </a:t>
-            </a:r>
-            <a:r>
-              <a:rPr lang="en-US" dirty="0" smtClean="0"/>
-              <a:t>Sin</a:t>
+              <a:t>Terence Sin</a:t>
             </a:r>
           </a:p>
           <a:p>
@@ -4683,16 +4673,11 @@
               <a:rPr lang="en-US" dirty="0" smtClean="0"/>
               <a:t>Software and hardware interaction design</a:t>
             </a:r>
-            <a:endParaRPr lang="en-US" dirty="0" smtClean="0"/>
           </a:p>
           <a:p>
             <a:r>
               <a:rPr lang="en-US" dirty="0" smtClean="0"/>
-              <a:t>Caleb </a:t>
-            </a:r>
-            <a:r>
-              <a:rPr lang="en-US" dirty="0" smtClean="0"/>
-              <a:t>Wells</a:t>
+              <a:t>Caleb Wells</a:t>
             </a:r>
           </a:p>
           <a:p>
@@ -4708,7 +4693,6 @@
               <a:rPr lang="en-US" dirty="0" smtClean="0"/>
               <a:t>Hardware and GPS operations</a:t>
             </a:r>
-            <a:endParaRPr lang="en-US" dirty="0" smtClean="0"/>
           </a:p>
           <a:p>
             <a:endParaRPr lang="en-US" dirty="0"/>
@@ -4762,13 +4746,8 @@
           <a:p>
             <a:r>
               <a:rPr lang="en-US" dirty="0" smtClean="0"/>
-              <a:t>Effective </a:t>
-            </a:r>
-            <a:r>
-              <a:rPr lang="en-US" dirty="0" smtClean="0"/>
-              <a:t>Teamwork</a:t>
-            </a:r>
-            <a:endParaRPr lang="en-US" dirty="0" smtClean="0"/>
+              <a:t>Effective Teamwork</a:t>
+            </a:r>
           </a:p>
         </p:txBody>
       </p:sp>
@@ -6060,30 +6039,13 @@
           <a:p>
             <a:r>
               <a:rPr lang="en-US" dirty="0" smtClean="0"/>
-              <a:t>Create </a:t>
-            </a:r>
+              <a:t>Create log of your daily movement</a:t>
+            </a:r>
+          </a:p>
+          <a:p>
             <a:r>
               <a:rPr lang="en-US" dirty="0" smtClean="0"/>
-              <a:t>log </a:t>
-            </a:r>
-            <a:r>
-              <a:rPr lang="en-US" dirty="0" smtClean="0"/>
-              <a:t>of your daily </a:t>
-            </a:r>
-            <a:r>
-              <a:rPr lang="en-US" dirty="0" smtClean="0"/>
-              <a:t>movement</a:t>
-            </a:r>
-            <a:endParaRPr lang="en-US" dirty="0" smtClean="0"/>
-          </a:p>
-          <a:p>
-            <a:r>
-              <a:rPr lang="en-US" dirty="0" smtClean="0"/>
-              <a:t>Visualize </a:t>
-            </a:r>
-            <a:r>
-              <a:rPr lang="en-US" dirty="0" smtClean="0"/>
-              <a:t>day through captured images</a:t>
+              <a:t>Visualize day through captured images</a:t>
             </a:r>
           </a:p>
           <a:p>
@@ -6317,37 +6279,30 @@
           <a:p>
             <a:r>
               <a:rPr lang="en-US" dirty="0" smtClean="0"/>
-              <a:t>The prototype design should cost no more than $</a:t>
-            </a:r>
+              <a:t>The prototype design should cost no more than $500</a:t>
+            </a:r>
+          </a:p>
+          <a:p>
+            <a:endParaRPr lang="en-US" dirty="0" smtClean="0"/>
+          </a:p>
+          <a:p>
             <a:r>
               <a:rPr lang="en-US" dirty="0" smtClean="0"/>
-              <a:t>500</a:t>
-            </a:r>
-          </a:p>
-          <a:p>
+              <a:t>The prototype must be battery powered and capable of logging at least </a:t>
+            </a:r>
+            <a:r>
+              <a:rPr lang="en-US" dirty="0" smtClean="0"/>
+              <a:t>a full day</a:t>
+            </a:r>
             <a:endParaRPr lang="en-US" dirty="0" smtClean="0"/>
           </a:p>
           <a:p>
+            <a:endParaRPr lang="en-US" dirty="0" smtClean="0"/>
+          </a:p>
+          <a:p>
             <a:r>
               <a:rPr lang="en-US" dirty="0" smtClean="0"/>
-              <a:t>The prototype must be battery powered and capable of logging at </a:t>
-            </a:r>
-            <a:r>
-              <a:rPr lang="en-US" dirty="0" smtClean="0"/>
-              <a:t>least a full day</a:t>
-            </a:r>
-          </a:p>
-          <a:p>
-            <a:endParaRPr lang="en-US" dirty="0" smtClean="0"/>
-          </a:p>
-          <a:p>
-            <a:r>
-              <a:rPr lang="en-US" dirty="0" smtClean="0"/>
-              <a:t>The camera unit should not cause any harm to the </a:t>
-            </a:r>
-            <a:r>
-              <a:rPr lang="en-US" dirty="0" smtClean="0"/>
-              <a:t>user or others</a:t>
+              <a:t>The camera unit should not cause any harm to the user or others</a:t>
             </a:r>
           </a:p>
           <a:p>
@@ -6424,7 +6379,9 @@
         </p:nvSpPr>
         <p:spPr/>
         <p:txBody>
-          <a:bodyPr/>
+          <a:bodyPr>
+            <a:normAutofit fontScale="92500" lnSpcReduction="10000"/>
+          </a:bodyPr>
           <a:lstStyle/>
           <a:p>
             <a:r>
@@ -6438,16 +6395,35 @@
           <a:p>
             <a:r>
               <a:rPr lang="en-US" dirty="0" smtClean="0"/>
-              <a:t>The design must be comfortable to wear and lightweight</a:t>
-            </a:r>
-          </a:p>
-          <a:p>
+              <a:t>The design must be comfortable to wear and </a:t>
+            </a:r>
+            <a:r>
+              <a:rPr lang="en-US" dirty="0" smtClean="0"/>
+              <a:t>lightweight (&lt; 1 lb)</a:t>
+            </a:r>
             <a:endParaRPr lang="en-US" dirty="0" smtClean="0"/>
           </a:p>
           <a:p>
+            <a:endParaRPr lang="en-US" dirty="0" smtClean="0"/>
+          </a:p>
+          <a:p>
             <a:r>
               <a:rPr lang="en-US" dirty="0" smtClean="0"/>
-              <a:t>Accompanying software must be easy to use and understand</a:t>
+              <a:t>Accompanying software must be easy to use and </a:t>
+            </a:r>
+            <a:r>
+              <a:rPr lang="en-US" dirty="0" smtClean="0"/>
+              <a:t>understand</a:t>
+            </a:r>
+          </a:p>
+          <a:p>
+            <a:endParaRPr lang="en-US" dirty="0" smtClean="0"/>
+          </a:p>
+          <a:p>
+            <a:pPr lvl="0"/>
+            <a:r>
+              <a:rPr lang="en-US" dirty="0" smtClean="0"/>
+              <a:t>The camera unit must take good quality pictures (at least 320 x 240 resolution)</a:t>
             </a:r>
           </a:p>
           <a:p>
@@ -6518,7 +6494,31 @@
           <a:bodyPr/>
           <a:lstStyle/>
           <a:p>
-            <a:endParaRPr lang="en-US"/>
+            <a:r>
+              <a:rPr lang="en-US" dirty="0" smtClean="0"/>
+              <a:t>GPS chips</a:t>
+            </a:r>
+          </a:p>
+          <a:p>
+            <a:r>
+              <a:rPr lang="en-US" dirty="0" smtClean="0"/>
+              <a:t>Enclosure Designs</a:t>
+            </a:r>
+          </a:p>
+          <a:p>
+            <a:r>
+              <a:rPr lang="en-US" smtClean="0"/>
+              <a:t>Web Services</a:t>
+            </a:r>
+          </a:p>
+          <a:p>
+            <a:endParaRPr lang="en-US" dirty="0" smtClean="0"/>
+          </a:p>
+          <a:p>
+            <a:endParaRPr lang="en-US" dirty="0" smtClean="0"/>
+          </a:p>
+          <a:p>
+            <a:endParaRPr lang="en-US" dirty="0"/>
           </a:p>
         </p:txBody>
       </p:sp>

--- a/trunk/MISC/Final Presentation.pptx
+++ b/trunk/MISC/Final Presentation.pptx
@@ -8,28 +8,24 @@
     <p:sldId id="256" r:id="rId2"/>
     <p:sldId id="257" r:id="rId3"/>
     <p:sldId id="258" r:id="rId4"/>
-    <p:sldId id="259" r:id="rId5"/>
-    <p:sldId id="260" r:id="rId6"/>
-    <p:sldId id="261" r:id="rId7"/>
-    <p:sldId id="262" r:id="rId8"/>
-    <p:sldId id="263" r:id="rId9"/>
-    <p:sldId id="264" r:id="rId10"/>
-    <p:sldId id="265" r:id="rId11"/>
-    <p:sldId id="266" r:id="rId12"/>
-    <p:sldId id="267" r:id="rId13"/>
-    <p:sldId id="268" r:id="rId14"/>
-    <p:sldId id="269" r:id="rId15"/>
-    <p:sldId id="270" r:id="rId16"/>
-    <p:sldId id="271" r:id="rId17"/>
-    <p:sldId id="272" r:id="rId18"/>
-    <p:sldId id="273" r:id="rId19"/>
-    <p:sldId id="274" r:id="rId20"/>
-    <p:sldId id="275" r:id="rId21"/>
-    <p:sldId id="276" r:id="rId22"/>
-    <p:sldId id="277" r:id="rId23"/>
-    <p:sldId id="278" r:id="rId24"/>
-    <p:sldId id="279" r:id="rId25"/>
-    <p:sldId id="280" r:id="rId26"/>
+    <p:sldId id="261" r:id="rId5"/>
+    <p:sldId id="262" r:id="rId6"/>
+    <p:sldId id="281" r:id="rId7"/>
+    <p:sldId id="282" r:id="rId8"/>
+    <p:sldId id="269" r:id="rId9"/>
+    <p:sldId id="263" r:id="rId10"/>
+    <p:sldId id="264" r:id="rId11"/>
+    <p:sldId id="265" r:id="rId12"/>
+    <p:sldId id="266" r:id="rId13"/>
+    <p:sldId id="270" r:id="rId14"/>
+    <p:sldId id="271" r:id="rId15"/>
+    <p:sldId id="272" r:id="rId16"/>
+    <p:sldId id="273" r:id="rId17"/>
+    <p:sldId id="274" r:id="rId18"/>
+    <p:sldId id="275" r:id="rId19"/>
+    <p:sldId id="277" r:id="rId20"/>
+    <p:sldId id="279" r:id="rId21"/>
+    <p:sldId id="280" r:id="rId22"/>
   </p:sldIdLst>
   <p:sldSz cx="9144000" cy="6858000" type="screen4x3"/>
   <p:notesSz cx="6858000" cy="9144000"/>
@@ -305,7 +301,7 @@
             <a:fld id="{B0FCC290-3B41-4531-9606-9105D6C109F0}" type="datetimeFigureOut">
               <a:rPr lang="en-US" smtClean="0"/>
               <a:pPr/>
-              <a:t>04/29/2008</a:t>
+              <a:t>4/29/2008</a:t>
             </a:fld>
             <a:endParaRPr lang="en-US"/>
           </a:p>
@@ -472,7 +468,7 @@
             <a:fld id="{B0FCC290-3B41-4531-9606-9105D6C109F0}" type="datetimeFigureOut">
               <a:rPr lang="en-US" smtClean="0"/>
               <a:pPr/>
-              <a:t>04/29/2008</a:t>
+              <a:t>4/29/2008</a:t>
             </a:fld>
             <a:endParaRPr lang="en-US"/>
           </a:p>
@@ -649,7 +645,7 @@
             <a:fld id="{B0FCC290-3B41-4531-9606-9105D6C109F0}" type="datetimeFigureOut">
               <a:rPr lang="en-US" smtClean="0"/>
               <a:pPr/>
-              <a:t>04/29/2008</a:t>
+              <a:t>4/29/2008</a:t>
             </a:fld>
             <a:endParaRPr lang="en-US"/>
           </a:p>
@@ -816,7 +812,7 @@
             <a:fld id="{B0FCC290-3B41-4531-9606-9105D6C109F0}" type="datetimeFigureOut">
               <a:rPr lang="en-US" smtClean="0"/>
               <a:pPr/>
-              <a:t>04/29/2008</a:t>
+              <a:t>4/29/2008</a:t>
             </a:fld>
             <a:endParaRPr lang="en-US"/>
           </a:p>
@@ -1060,7 +1056,7 @@
             <a:fld id="{B0FCC290-3B41-4531-9606-9105D6C109F0}" type="datetimeFigureOut">
               <a:rPr lang="en-US" smtClean="0"/>
               <a:pPr/>
-              <a:t>04/29/2008</a:t>
+              <a:t>4/29/2008</a:t>
             </a:fld>
             <a:endParaRPr lang="en-US"/>
           </a:p>
@@ -1326,7 +1322,7 @@
             <a:fld id="{B0FCC290-3B41-4531-9606-9105D6C109F0}" type="datetimeFigureOut">
               <a:rPr lang="en-US" smtClean="0"/>
               <a:pPr/>
-              <a:t>04/29/2008</a:t>
+              <a:t>4/29/2008</a:t>
             </a:fld>
             <a:endParaRPr lang="en-US"/>
           </a:p>
@@ -1706,7 +1702,7 @@
             <a:fld id="{B0FCC290-3B41-4531-9606-9105D6C109F0}" type="datetimeFigureOut">
               <a:rPr lang="en-US" smtClean="0"/>
               <a:pPr/>
-              <a:t>04/29/2008</a:t>
+              <a:t>4/29/2008</a:t>
             </a:fld>
             <a:endParaRPr lang="en-US"/>
           </a:p>
@@ -1858,7 +1854,7 @@
             <a:fld id="{B0FCC290-3B41-4531-9606-9105D6C109F0}" type="datetimeFigureOut">
               <a:rPr lang="en-US" smtClean="0"/>
               <a:pPr/>
-              <a:t>04/29/2008</a:t>
+              <a:t>4/29/2008</a:t>
             </a:fld>
             <a:endParaRPr lang="en-US"/>
           </a:p>
@@ -1950,7 +1946,7 @@
             <a:fld id="{B0FCC290-3B41-4531-9606-9105D6C109F0}" type="datetimeFigureOut">
               <a:rPr lang="en-US" smtClean="0"/>
               <a:pPr/>
-              <a:t>04/29/2008</a:t>
+              <a:t>4/29/2008</a:t>
             </a:fld>
             <a:endParaRPr lang="en-US"/>
           </a:p>
@@ -2213,7 +2209,7 @@
             <a:fld id="{B0FCC290-3B41-4531-9606-9105D6C109F0}" type="datetimeFigureOut">
               <a:rPr lang="en-US" smtClean="0"/>
               <a:pPr/>
-              <a:t>04/29/2008</a:t>
+              <a:t>4/29/2008</a:t>
             </a:fld>
             <a:endParaRPr lang="en-US"/>
           </a:p>
@@ -2503,7 +2499,7 @@
             <a:fld id="{B0FCC290-3B41-4531-9606-9105D6C109F0}" type="datetimeFigureOut">
               <a:rPr lang="en-US" smtClean="0"/>
               <a:pPr/>
-              <a:t>04/29/2008</a:t>
+              <a:t>4/29/2008</a:t>
             </a:fld>
             <a:endParaRPr lang="en-US"/>
           </a:p>
@@ -3276,7 +3272,7 @@
             <a:fld id="{B0FCC290-3B41-4531-9606-9105D6C109F0}" type="datetimeFigureOut">
               <a:rPr lang="en-US" smtClean="0"/>
               <a:pPr/>
-              <a:t>04/29/2008</a:t>
+              <a:t>4/29/2008</a:t>
             </a:fld>
             <a:endParaRPr lang="en-US"/>
           </a:p>
@@ -4129,31 +4125,35 @@
           <a:p>
             <a:r>
               <a:rPr lang="en-US" dirty="0" smtClean="0"/>
-              <a:t>Design</a:t>
+              <a:t>System level Description</a:t>
             </a:r>
             <a:endParaRPr lang="en-US" dirty="0"/>
           </a:p>
         </p:txBody>
       </p:sp>
-      <p:sp>
-        <p:nvSpPr>
-          <p:cNvPr id="3" name="Content Placeholder 2"/>
-          <p:cNvSpPr>
-            <a:spLocks noGrp="1"/>
-          </p:cNvSpPr>
+      <p:pic>
+        <p:nvPicPr>
+          <p:cNvPr id="4" name="Content Placeholder 3" descr="Hardware_SysDes_Pic.jpg"/>
+          <p:cNvPicPr>
+            <a:picLocks noGrp="1" noChangeAspect="1"/>
+          </p:cNvPicPr>
           <p:nvPr>
             <p:ph idx="1"/>
           </p:nvPr>
-        </p:nvSpPr>
-        <p:spPr/>
-        <p:txBody>
-          <a:bodyPr/>
-          <a:lstStyle/>
-          <a:p>
-            <a:endParaRPr lang="en-US"/>
-          </a:p>
-        </p:txBody>
-      </p:sp>
+        </p:nvPicPr>
+        <p:blipFill>
+          <a:blip r:embed="rId2"/>
+          <a:stretch>
+            <a:fillRect/>
+          </a:stretch>
+        </p:blipFill>
+        <p:spPr>
+          <a:xfrm>
+            <a:off x="1731776" y="1935163"/>
+            <a:ext cx="5680448" cy="4389437"/>
+          </a:xfrm>
+        </p:spPr>
+      </p:pic>
     </p:spTree>
   </p:cSld>
   <p:clrMapOvr>
@@ -4196,31 +4196,36 @@
           <a:p>
             <a:r>
               <a:rPr lang="en-US" dirty="0" smtClean="0"/>
-              <a:t>Design</a:t>
+              <a:t>Hardware Design</a:t>
             </a:r>
             <a:endParaRPr lang="en-US" dirty="0"/>
           </a:p>
         </p:txBody>
       </p:sp>
-      <p:sp>
-        <p:nvSpPr>
-          <p:cNvPr id="3" name="Content Placeholder 2"/>
-          <p:cNvSpPr>
-            <a:spLocks noGrp="1"/>
-          </p:cNvSpPr>
+      <p:pic>
+        <p:nvPicPr>
+          <p:cNvPr id="4" name="Content Placeholder 3" descr="Hardware_Overview_Pic.jpg"/>
+          <p:cNvPicPr>
+            <a:picLocks noGrp="1" noChangeAspect="1"/>
+          </p:cNvPicPr>
           <p:nvPr>
             <p:ph idx="1"/>
           </p:nvPr>
-        </p:nvSpPr>
-        <p:spPr/>
-        <p:txBody>
-          <a:bodyPr/>
-          <a:lstStyle/>
-          <a:p>
-            <a:endParaRPr lang="en-US"/>
-          </a:p>
-        </p:txBody>
-      </p:sp>
+        </p:nvPicPr>
+        <p:blipFill>
+          <a:blip r:embed="rId2"/>
+          <a:srcRect l="3588" t="17027" r="4312" b="24153"/>
+          <a:stretch>
+            <a:fillRect/>
+          </a:stretch>
+        </p:blipFill>
+        <p:spPr>
+          <a:xfrm>
+            <a:off x="711869" y="2514600"/>
+            <a:ext cx="7720263" cy="3810000"/>
+          </a:xfrm>
+        </p:spPr>
+      </p:pic>
     </p:spTree>
   </p:cSld>
   <p:clrMapOvr>
@@ -4263,7 +4268,7 @@
           <a:p>
             <a:r>
               <a:rPr lang="en-US" dirty="0" smtClean="0"/>
-              <a:t>Design</a:t>
+              <a:t>CMUCam3 Program Design</a:t>
             </a:r>
             <a:endParaRPr lang="en-US" dirty="0"/>
           </a:p>
@@ -4330,31 +4335,35 @@
           <a:p>
             <a:r>
               <a:rPr lang="en-US" dirty="0" smtClean="0"/>
-              <a:t>Design</a:t>
+              <a:t>Software Design</a:t>
             </a:r>
             <a:endParaRPr lang="en-US" dirty="0"/>
           </a:p>
         </p:txBody>
       </p:sp>
-      <p:sp>
-        <p:nvSpPr>
-          <p:cNvPr id="3" name="Content Placeholder 2"/>
-          <p:cNvSpPr>
-            <a:spLocks noGrp="1"/>
-          </p:cNvSpPr>
+      <p:pic>
+        <p:nvPicPr>
+          <p:cNvPr id="4" name="Content Placeholder 3" descr="reliveMain FINAL.png"/>
+          <p:cNvPicPr>
+            <a:picLocks noGrp="1" noChangeAspect="1"/>
+          </p:cNvPicPr>
           <p:nvPr>
             <p:ph idx="1"/>
           </p:nvPr>
-        </p:nvSpPr>
-        <p:spPr/>
-        <p:txBody>
-          <a:bodyPr/>
-          <a:lstStyle/>
-          <a:p>
-            <a:endParaRPr lang="en-US"/>
-          </a:p>
-        </p:txBody>
-      </p:sp>
+        </p:nvPicPr>
+        <p:blipFill>
+          <a:blip r:embed="rId2"/>
+          <a:stretch>
+            <a:fillRect/>
+          </a:stretch>
+        </p:blipFill>
+        <p:spPr>
+          <a:xfrm>
+            <a:off x="1264357" y="1935163"/>
+            <a:ext cx="6615286" cy="4389437"/>
+          </a:xfrm>
+        </p:spPr>
+      </p:pic>
     </p:spTree>
   </p:cSld>
   <p:clrMapOvr>
@@ -4397,31 +4406,35 @@
           <a:p>
             <a:r>
               <a:rPr lang="en-US" dirty="0" smtClean="0"/>
-              <a:t>Design</a:t>
+              <a:t>Software Design</a:t>
             </a:r>
             <a:endParaRPr lang="en-US" dirty="0"/>
           </a:p>
         </p:txBody>
       </p:sp>
-      <p:sp>
-        <p:nvSpPr>
-          <p:cNvPr id="3" name="Content Placeholder 2"/>
-          <p:cNvSpPr>
-            <a:spLocks noGrp="1"/>
-          </p:cNvSpPr>
+      <p:pic>
+        <p:nvPicPr>
+          <p:cNvPr id="4" name="Content Placeholder 3" descr="reliveMain config FINAL.png"/>
+          <p:cNvPicPr>
+            <a:picLocks noGrp="1" noChangeAspect="1"/>
+          </p:cNvPicPr>
           <p:nvPr>
             <p:ph idx="1"/>
           </p:nvPr>
-        </p:nvSpPr>
-        <p:spPr/>
-        <p:txBody>
-          <a:bodyPr/>
-          <a:lstStyle/>
-          <a:p>
-            <a:endParaRPr lang="en-US"/>
-          </a:p>
-        </p:txBody>
-      </p:sp>
+        </p:nvPicPr>
+        <p:blipFill>
+          <a:blip r:embed="rId2"/>
+          <a:stretch>
+            <a:fillRect/>
+          </a:stretch>
+        </p:blipFill>
+        <p:spPr>
+          <a:xfrm>
+            <a:off x="1264357" y="1935163"/>
+            <a:ext cx="6615286" cy="4389437"/>
+          </a:xfrm>
+        </p:spPr>
+      </p:pic>
     </p:spTree>
   </p:cSld>
   <p:clrMapOvr>
@@ -4464,35 +4477,99 @@
           <a:p>
             <a:r>
               <a:rPr lang="en-US" dirty="0" smtClean="0"/>
-              <a:t>Software Design</a:t>
+              <a:t>Team Management</a:t>
             </a:r>
             <a:endParaRPr lang="en-US" dirty="0"/>
           </a:p>
         </p:txBody>
       </p:sp>
-      <p:pic>
-        <p:nvPicPr>
-          <p:cNvPr id="4" name="Content Placeholder 3" descr="reliveMain FINAL.png"/>
-          <p:cNvPicPr>
-            <a:picLocks noGrp="1" noChangeAspect="1"/>
-          </p:cNvPicPr>
+      <p:sp>
+        <p:nvSpPr>
+          <p:cNvPr id="3" name="Content Placeholder 2"/>
+          <p:cNvSpPr>
+            <a:spLocks noGrp="1"/>
+          </p:cNvSpPr>
           <p:nvPr>
             <p:ph idx="1"/>
           </p:nvPr>
-        </p:nvPicPr>
-        <p:blipFill>
-          <a:blip r:embed="rId2"/>
-          <a:stretch>
-            <a:fillRect/>
-          </a:stretch>
-        </p:blipFill>
-        <p:spPr>
-          <a:xfrm>
-            <a:off x="1264357" y="1935163"/>
-            <a:ext cx="6615286" cy="4389437"/>
-          </a:xfrm>
-        </p:spPr>
-      </p:pic>
+        </p:nvSpPr>
+        <p:spPr/>
+        <p:txBody>
+          <a:bodyPr>
+            <a:normAutofit lnSpcReduction="10000"/>
+          </a:bodyPr>
+          <a:lstStyle/>
+          <a:p>
+            <a:r>
+              <a:rPr lang="en-US" dirty="0" smtClean="0"/>
+              <a:t>David Moreno</a:t>
+            </a:r>
+          </a:p>
+          <a:p>
+            <a:pPr lvl="1"/>
+            <a:r>
+              <a:rPr lang="en-US" dirty="0" smtClean="0"/>
+              <a:t>Hardware and CMUCam3 operations</a:t>
+            </a:r>
+          </a:p>
+          <a:p>
+            <a:pPr lvl="1"/>
+            <a:r>
+              <a:rPr lang="en-US" dirty="0" smtClean="0"/>
+              <a:t>Purchasing</a:t>
+            </a:r>
+          </a:p>
+          <a:p>
+            <a:r>
+              <a:rPr lang="en-US" dirty="0" smtClean="0"/>
+              <a:t>Mario Raushel</a:t>
+            </a:r>
+          </a:p>
+          <a:p>
+            <a:pPr lvl="1"/>
+            <a:r>
+              <a:rPr lang="en-US" dirty="0" smtClean="0"/>
+              <a:t>Software design and implementation</a:t>
+            </a:r>
+          </a:p>
+          <a:p>
+            <a:r>
+              <a:rPr lang="en-US" dirty="0" smtClean="0"/>
+              <a:t>Terence Sin</a:t>
+            </a:r>
+          </a:p>
+          <a:p>
+            <a:pPr lvl="1"/>
+            <a:r>
+              <a:rPr lang="en-US" dirty="0" smtClean="0"/>
+              <a:t>Software and hardware interaction design</a:t>
+            </a:r>
+          </a:p>
+          <a:p>
+            <a:r>
+              <a:rPr lang="en-US" dirty="0" smtClean="0"/>
+              <a:t>Caleb Wells</a:t>
+            </a:r>
+          </a:p>
+          <a:p>
+            <a:pPr lvl="1"/>
+            <a:r>
+              <a:rPr lang="en-US" dirty="0" smtClean="0"/>
+              <a:t>Leader</a:t>
+            </a:r>
+          </a:p>
+          <a:p>
+            <a:pPr lvl="1"/>
+            <a:r>
+              <a:rPr lang="en-US" dirty="0" smtClean="0"/>
+              <a:t>Hardware and GPS operations</a:t>
+            </a:r>
+          </a:p>
+          <a:p>
+            <a:endParaRPr lang="en-US" dirty="0"/>
+          </a:p>
+        </p:txBody>
+      </p:sp>
     </p:spTree>
   </p:cSld>
   <p:clrMapOvr>
@@ -4502,212 +4579,6 @@
 </file>
 
 <file path=ppt/slides/slide16.xml><?xml version="1.0" encoding="utf-8"?>
-<p:sld xmlns:a="http://schemas.openxmlformats.org/drawingml/2006/main" xmlns:r="http://schemas.openxmlformats.org/officeDocument/2006/relationships" xmlns:p="http://schemas.openxmlformats.org/presentationml/2006/main">
-  <p:cSld>
-    <p:spTree>
-      <p:nvGrpSpPr>
-        <p:cNvPr id="1" name=""/>
-        <p:cNvGrpSpPr/>
-        <p:nvPr/>
-      </p:nvGrpSpPr>
-      <p:grpSpPr>
-        <a:xfrm>
-          <a:off x="0" y="0"/>
-          <a:ext cx="0" cy="0"/>
-          <a:chOff x="0" y="0"/>
-          <a:chExt cx="0" cy="0"/>
-        </a:xfrm>
-      </p:grpSpPr>
-      <p:sp>
-        <p:nvSpPr>
-          <p:cNvPr id="2" name="Title 1"/>
-          <p:cNvSpPr>
-            <a:spLocks noGrp="1"/>
-          </p:cNvSpPr>
-          <p:nvPr>
-            <p:ph type="title"/>
-          </p:nvPr>
-        </p:nvSpPr>
-        <p:spPr/>
-        <p:txBody>
-          <a:bodyPr/>
-          <a:lstStyle/>
-          <a:p>
-            <a:r>
-              <a:rPr lang="en-US" dirty="0" smtClean="0"/>
-              <a:t>Software Design</a:t>
-            </a:r>
-            <a:endParaRPr lang="en-US" dirty="0"/>
-          </a:p>
-        </p:txBody>
-      </p:sp>
-      <p:pic>
-        <p:nvPicPr>
-          <p:cNvPr id="4" name="Content Placeholder 3" descr="reliveMain config FINAL.png"/>
-          <p:cNvPicPr>
-            <a:picLocks noGrp="1" noChangeAspect="1"/>
-          </p:cNvPicPr>
-          <p:nvPr>
-            <p:ph idx="1"/>
-          </p:nvPr>
-        </p:nvPicPr>
-        <p:blipFill>
-          <a:blip r:embed="rId2"/>
-          <a:stretch>
-            <a:fillRect/>
-          </a:stretch>
-        </p:blipFill>
-        <p:spPr>
-          <a:xfrm>
-            <a:off x="1264357" y="1935163"/>
-            <a:ext cx="6615286" cy="4389437"/>
-          </a:xfrm>
-        </p:spPr>
-      </p:pic>
-    </p:spTree>
-  </p:cSld>
-  <p:clrMapOvr>
-    <a:masterClrMapping/>
-  </p:clrMapOvr>
-</p:sld>
-</file>
-
-<file path=ppt/slides/slide17.xml><?xml version="1.0" encoding="utf-8"?>
-<p:sld xmlns:a="http://schemas.openxmlformats.org/drawingml/2006/main" xmlns:r="http://schemas.openxmlformats.org/officeDocument/2006/relationships" xmlns:p="http://schemas.openxmlformats.org/presentationml/2006/main">
-  <p:cSld>
-    <p:spTree>
-      <p:nvGrpSpPr>
-        <p:cNvPr id="1" name=""/>
-        <p:cNvGrpSpPr/>
-        <p:nvPr/>
-      </p:nvGrpSpPr>
-      <p:grpSpPr>
-        <a:xfrm>
-          <a:off x="0" y="0"/>
-          <a:ext cx="0" cy="0"/>
-          <a:chOff x="0" y="0"/>
-          <a:chExt cx="0" cy="0"/>
-        </a:xfrm>
-      </p:grpSpPr>
-      <p:sp>
-        <p:nvSpPr>
-          <p:cNvPr id="2" name="Title 1"/>
-          <p:cNvSpPr>
-            <a:spLocks noGrp="1"/>
-          </p:cNvSpPr>
-          <p:nvPr>
-            <p:ph type="title"/>
-          </p:nvPr>
-        </p:nvSpPr>
-        <p:spPr/>
-        <p:txBody>
-          <a:bodyPr/>
-          <a:lstStyle/>
-          <a:p>
-            <a:r>
-              <a:rPr lang="en-US" dirty="0" smtClean="0"/>
-              <a:t>Team Management</a:t>
-            </a:r>
-            <a:endParaRPr lang="en-US" dirty="0"/>
-          </a:p>
-        </p:txBody>
-      </p:sp>
-      <p:sp>
-        <p:nvSpPr>
-          <p:cNvPr id="3" name="Content Placeholder 2"/>
-          <p:cNvSpPr>
-            <a:spLocks noGrp="1"/>
-          </p:cNvSpPr>
-          <p:nvPr>
-            <p:ph idx="1"/>
-          </p:nvPr>
-        </p:nvSpPr>
-        <p:spPr/>
-        <p:txBody>
-          <a:bodyPr>
-            <a:normAutofit lnSpcReduction="10000"/>
-          </a:bodyPr>
-          <a:lstStyle/>
-          <a:p>
-            <a:r>
-              <a:rPr lang="en-US" dirty="0" smtClean="0"/>
-              <a:t>David Moreno</a:t>
-            </a:r>
-          </a:p>
-          <a:p>
-            <a:pPr lvl="1"/>
-            <a:r>
-              <a:rPr lang="en-US" dirty="0" smtClean="0"/>
-              <a:t>Hardware and CMUCam3 operations</a:t>
-            </a:r>
-          </a:p>
-          <a:p>
-            <a:pPr lvl="1"/>
-            <a:r>
-              <a:rPr lang="en-US" dirty="0" smtClean="0"/>
-              <a:t>Purchasing</a:t>
-            </a:r>
-          </a:p>
-          <a:p>
-            <a:r>
-              <a:rPr lang="en-US" dirty="0" smtClean="0"/>
-              <a:t>Mario Raushel</a:t>
-            </a:r>
-          </a:p>
-          <a:p>
-            <a:pPr lvl="1"/>
-            <a:r>
-              <a:rPr lang="en-US" dirty="0" smtClean="0"/>
-              <a:t>Software design and implementation</a:t>
-            </a:r>
-          </a:p>
-          <a:p>
-            <a:r>
-              <a:rPr lang="en-US" dirty="0" smtClean="0"/>
-              <a:t>Terence Sin</a:t>
-            </a:r>
-          </a:p>
-          <a:p>
-            <a:pPr lvl="1"/>
-            <a:r>
-              <a:rPr lang="en-US" dirty="0" smtClean="0"/>
-              <a:t>Software and hardware interaction design</a:t>
-            </a:r>
-          </a:p>
-          <a:p>
-            <a:r>
-              <a:rPr lang="en-US" dirty="0" smtClean="0"/>
-              <a:t>Caleb Wells</a:t>
-            </a:r>
-          </a:p>
-          <a:p>
-            <a:pPr lvl="1"/>
-            <a:r>
-              <a:rPr lang="en-US" dirty="0" smtClean="0"/>
-              <a:t>Leader</a:t>
-            </a:r>
-          </a:p>
-          <a:p>
-            <a:pPr lvl="1"/>
-            <a:r>
-              <a:rPr lang="en-US" dirty="0" smtClean="0"/>
-              <a:t>Hardware and GPS operations</a:t>
-            </a:r>
-          </a:p>
-          <a:p>
-            <a:endParaRPr lang="en-US" dirty="0"/>
-          </a:p>
-        </p:txBody>
-      </p:sp>
-    </p:spTree>
-  </p:cSld>
-  <p:clrMapOvr>
-    <a:masterClrMapping/>
-  </p:clrMapOvr>
-</p:sld>
-</file>
-
-<file path=ppt/slides/slide18.xml><?xml version="1.0" encoding="utf-8"?>
 <p:sld xmlns:a="http://schemas.openxmlformats.org/drawingml/2006/main" xmlns:r="http://schemas.openxmlformats.org/officeDocument/2006/relationships" xmlns:p="http://schemas.openxmlformats.org/presentationml/2006/main">
   <p:cSld>
     <p:spTree>
@@ -4988,7 +4859,7 @@
 </p:sld>
 </file>
 
-<file path=ppt/slides/slide19.xml><?xml version="1.0" encoding="utf-8"?>
+<file path=ppt/slides/slide17.xml><?xml version="1.0" encoding="utf-8"?>
 <p:sld xmlns:a="http://schemas.openxmlformats.org/drawingml/2006/main" xmlns:r="http://schemas.openxmlformats.org/officeDocument/2006/relationships" xmlns:p="http://schemas.openxmlformats.org/presentationml/2006/main">
   <p:cSld>
     <p:spTree>
@@ -5448,6 +5319,203 @@
 </p:sld>
 </file>
 
+<file path=ppt/slides/slide18.xml><?xml version="1.0" encoding="utf-8"?>
+<p:sld xmlns:a="http://schemas.openxmlformats.org/drawingml/2006/main" xmlns:r="http://schemas.openxmlformats.org/officeDocument/2006/relationships" xmlns:p="http://schemas.openxmlformats.org/presentationml/2006/main">
+  <p:cSld>
+    <p:spTree>
+      <p:nvGrpSpPr>
+        <p:cNvPr id="1" name=""/>
+        <p:cNvGrpSpPr/>
+        <p:nvPr/>
+      </p:nvGrpSpPr>
+      <p:grpSpPr>
+        <a:xfrm>
+          <a:off x="0" y="0"/>
+          <a:ext cx="0" cy="0"/>
+          <a:chOff x="0" y="0"/>
+          <a:chExt cx="0" cy="0"/>
+        </a:xfrm>
+      </p:grpSpPr>
+      <p:sp>
+        <p:nvSpPr>
+          <p:cNvPr id="2" name="Title 1"/>
+          <p:cNvSpPr>
+            <a:spLocks noGrp="1"/>
+          </p:cNvSpPr>
+          <p:nvPr>
+            <p:ph type="title"/>
+          </p:nvPr>
+        </p:nvSpPr>
+        <p:spPr/>
+        <p:txBody>
+          <a:bodyPr>
+            <a:normAutofit fontScale="90000"/>
+          </a:bodyPr>
+          <a:lstStyle/>
+          <a:p>
+            <a:r>
+              <a:rPr lang="en-US" dirty="0" smtClean="0"/>
+              <a:t>Manufacturability, Sustainability and Economics</a:t>
+            </a:r>
+            <a:endParaRPr lang="en-US" dirty="0"/>
+          </a:p>
+        </p:txBody>
+      </p:sp>
+      <p:sp>
+        <p:nvSpPr>
+          <p:cNvPr id="3" name="Content Placeholder 2"/>
+          <p:cNvSpPr>
+            <a:spLocks noGrp="1"/>
+          </p:cNvSpPr>
+          <p:nvPr>
+            <p:ph idx="1"/>
+          </p:nvPr>
+        </p:nvSpPr>
+        <p:spPr/>
+        <p:txBody>
+          <a:bodyPr/>
+          <a:lstStyle/>
+          <a:p>
+            <a:r>
+              <a:rPr lang="en-US" dirty="0" smtClean="0"/>
+              <a:t>Manufacturability</a:t>
+            </a:r>
+          </a:p>
+          <a:p>
+            <a:pPr lvl="1"/>
+            <a:r>
+              <a:rPr lang="en-US" dirty="0" smtClean="0"/>
+              <a:t>Hardware easily mass produced</a:t>
+            </a:r>
+          </a:p>
+          <a:p>
+            <a:pPr lvl="1"/>
+            <a:r>
+              <a:rPr lang="en-US" dirty="0" smtClean="0"/>
+              <a:t>Software easily distributed</a:t>
+            </a:r>
+          </a:p>
+          <a:p>
+            <a:r>
+              <a:rPr lang="en-US" dirty="0" smtClean="0"/>
+              <a:t>Sustainability</a:t>
+            </a:r>
+          </a:p>
+          <a:p>
+            <a:pPr lvl="1"/>
+            <a:r>
+              <a:rPr lang="en-US" dirty="0" smtClean="0"/>
+              <a:t>Batteries can be recharged</a:t>
+            </a:r>
+          </a:p>
+          <a:p>
+            <a:pPr lvl="1"/>
+            <a:r>
+              <a:rPr lang="en-US" dirty="0" smtClean="0"/>
+              <a:t>Information synchronized to both computer and Google</a:t>
+            </a:r>
+          </a:p>
+          <a:p>
+            <a:r>
+              <a:rPr lang="en-US" dirty="0" smtClean="0"/>
+              <a:t>Economics</a:t>
+            </a:r>
+          </a:p>
+          <a:p>
+            <a:pPr lvl="1"/>
+            <a:r>
+              <a:rPr lang="en-US" dirty="0" smtClean="0"/>
+              <a:t>Low bulk material cost</a:t>
+            </a:r>
+            <a:endParaRPr lang="en-US" dirty="0"/>
+          </a:p>
+        </p:txBody>
+      </p:sp>
+    </p:spTree>
+  </p:cSld>
+  <p:clrMapOvr>
+    <a:masterClrMapping/>
+  </p:clrMapOvr>
+</p:sld>
+</file>
+
+<file path=ppt/slides/slide19.xml><?xml version="1.0" encoding="utf-8"?>
+<p:sld xmlns:a="http://schemas.openxmlformats.org/drawingml/2006/main" xmlns:r="http://schemas.openxmlformats.org/officeDocument/2006/relationships" xmlns:p="http://schemas.openxmlformats.org/presentationml/2006/main">
+  <p:cSld>
+    <p:spTree>
+      <p:nvGrpSpPr>
+        <p:cNvPr id="1" name=""/>
+        <p:cNvGrpSpPr/>
+        <p:nvPr/>
+      </p:nvGrpSpPr>
+      <p:grpSpPr>
+        <a:xfrm>
+          <a:off x="0" y="0"/>
+          <a:ext cx="0" cy="0"/>
+          <a:chOff x="0" y="0"/>
+          <a:chExt cx="0" cy="0"/>
+        </a:xfrm>
+      </p:grpSpPr>
+      <p:sp>
+        <p:nvSpPr>
+          <p:cNvPr id="2" name="Title 1"/>
+          <p:cNvSpPr>
+            <a:spLocks noGrp="1"/>
+          </p:cNvSpPr>
+          <p:nvPr>
+            <p:ph type="title"/>
+          </p:nvPr>
+        </p:nvSpPr>
+        <p:spPr/>
+        <p:txBody>
+          <a:bodyPr/>
+          <a:lstStyle/>
+          <a:p>
+            <a:r>
+              <a:rPr lang="en-US" dirty="0" smtClean="0"/>
+              <a:t>Final Product</a:t>
+            </a:r>
+            <a:endParaRPr lang="en-US" dirty="0"/>
+          </a:p>
+        </p:txBody>
+      </p:sp>
+      <p:sp>
+        <p:nvSpPr>
+          <p:cNvPr id="3" name="Content Placeholder 2"/>
+          <p:cNvSpPr>
+            <a:spLocks noGrp="1"/>
+          </p:cNvSpPr>
+          <p:nvPr>
+            <p:ph idx="1"/>
+          </p:nvPr>
+        </p:nvSpPr>
+        <p:spPr/>
+        <p:txBody>
+          <a:bodyPr/>
+          <a:lstStyle/>
+          <a:p>
+            <a:r>
+              <a:rPr lang="en-US" dirty="0" smtClean="0"/>
+              <a:t>Budget</a:t>
+            </a:r>
+          </a:p>
+          <a:p>
+            <a:r>
+              <a:rPr lang="en-US" dirty="0" smtClean="0"/>
+              <a:t>Evaluation</a:t>
+            </a:r>
+            <a:endParaRPr lang="en-US" dirty="0"/>
+          </a:p>
+        </p:txBody>
+      </p:sp>
+    </p:spTree>
+  </p:cSld>
+  <p:clrMapOvr>
+    <a:masterClrMapping/>
+  </p:clrMapOvr>
+</p:sld>
+</file>
+
 <file path=ppt/slides/slide2.xml><?xml version="1.0" encoding="utf-8"?>
 <p:sld xmlns:a="http://schemas.openxmlformats.org/drawingml/2006/main" xmlns:r="http://schemas.openxmlformats.org/officeDocument/2006/relationships" xmlns:p="http://schemas.openxmlformats.org/presentationml/2006/main">
   <p:cSld>
@@ -5544,14 +5612,12 @@
         </p:nvSpPr>
         <p:spPr/>
         <p:txBody>
-          <a:bodyPr>
-            <a:normAutofit fontScale="90000"/>
-          </a:bodyPr>
-          <a:lstStyle/>
-          <a:p>
-            <a:r>
-              <a:rPr lang="en-US" dirty="0" smtClean="0"/>
-              <a:t>Manufacturability, Sustainability and Economics</a:t>
+          <a:bodyPr/>
+          <a:lstStyle/>
+          <a:p>
+            <a:r>
+              <a:rPr lang="en-US" dirty="0" smtClean="0"/>
+              <a:t>Overview</a:t>
             </a:r>
             <a:endParaRPr lang="en-US" dirty="0"/>
           </a:p>
@@ -5572,58 +5638,7 @@
           <a:bodyPr/>
           <a:lstStyle/>
           <a:p>
-            <a:r>
-              <a:rPr lang="en-US" dirty="0" smtClean="0"/>
-              <a:t>Manufacturability</a:t>
-            </a:r>
-          </a:p>
-          <a:p>
-            <a:pPr lvl="1"/>
-            <a:r>
-              <a:rPr lang="en-US" dirty="0" smtClean="0"/>
-              <a:t>Hardware easily mass produced</a:t>
-            </a:r>
-          </a:p>
-          <a:p>
-            <a:pPr lvl="1"/>
-            <a:r>
-              <a:rPr lang="en-US" dirty="0" smtClean="0"/>
-              <a:t>Software easily distributed</a:t>
-            </a:r>
-          </a:p>
-          <a:p>
-            <a:r>
-              <a:rPr lang="en-US" dirty="0" smtClean="0"/>
-              <a:t>Sustainability</a:t>
-            </a:r>
-          </a:p>
-          <a:p>
-            <a:pPr lvl="1"/>
-            <a:r>
-              <a:rPr lang="en-US" dirty="0" smtClean="0"/>
-              <a:t>Batteries can be recharged</a:t>
-            </a:r>
-          </a:p>
-          <a:p>
-            <a:pPr lvl="1"/>
-            <a:r>
-              <a:rPr lang="en-US" dirty="0" smtClean="0"/>
-              <a:t>Information synchronized to both computer and Google</a:t>
-            </a:r>
-          </a:p>
-          <a:p>
-            <a:r>
-              <a:rPr lang="en-US" dirty="0" smtClean="0"/>
-              <a:t>Economics</a:t>
-            </a:r>
-          </a:p>
-          <a:p>
-            <a:pPr lvl="1"/>
-            <a:r>
-              <a:rPr lang="en-US" dirty="0" smtClean="0"/>
-              <a:t>Low bulk material cost</a:t>
-            </a:r>
-            <a:endParaRPr lang="en-US" dirty="0"/>
+            <a:endParaRPr lang="en-US"/>
           </a:p>
         </p:txBody>
       </p:sp>
@@ -5636,274 +5651,6 @@
 </file>
 
 <file path=ppt/slides/slide21.xml><?xml version="1.0" encoding="utf-8"?>
-<p:sld xmlns:a="http://schemas.openxmlformats.org/drawingml/2006/main" xmlns:r="http://schemas.openxmlformats.org/officeDocument/2006/relationships" xmlns:p="http://schemas.openxmlformats.org/presentationml/2006/main">
-  <p:cSld>
-    <p:spTree>
-      <p:nvGrpSpPr>
-        <p:cNvPr id="1" name=""/>
-        <p:cNvGrpSpPr/>
-        <p:nvPr/>
-      </p:nvGrpSpPr>
-      <p:grpSpPr>
-        <a:xfrm>
-          <a:off x="0" y="0"/>
-          <a:ext cx="0" cy="0"/>
-          <a:chOff x="0" y="0"/>
-          <a:chExt cx="0" cy="0"/>
-        </a:xfrm>
-      </p:grpSpPr>
-      <p:sp>
-        <p:nvSpPr>
-          <p:cNvPr id="2" name="Title 1"/>
-          <p:cNvSpPr>
-            <a:spLocks noGrp="1"/>
-          </p:cNvSpPr>
-          <p:nvPr>
-            <p:ph type="title"/>
-          </p:nvPr>
-        </p:nvSpPr>
-        <p:spPr/>
-        <p:txBody>
-          <a:bodyPr/>
-          <a:lstStyle/>
-          <a:p>
-            <a:r>
-              <a:rPr lang="en-US" dirty="0" smtClean="0"/>
-              <a:t>Budget</a:t>
-            </a:r>
-            <a:endParaRPr lang="en-US" dirty="0"/>
-          </a:p>
-        </p:txBody>
-      </p:sp>
-      <p:sp>
-        <p:nvSpPr>
-          <p:cNvPr id="3" name="Content Placeholder 2"/>
-          <p:cNvSpPr>
-            <a:spLocks noGrp="1"/>
-          </p:cNvSpPr>
-          <p:nvPr>
-            <p:ph idx="1"/>
-          </p:nvPr>
-        </p:nvSpPr>
-        <p:spPr/>
-        <p:txBody>
-          <a:bodyPr/>
-          <a:lstStyle/>
-          <a:p>
-            <a:endParaRPr lang="en-US" dirty="0"/>
-          </a:p>
-        </p:txBody>
-      </p:sp>
-    </p:spTree>
-  </p:cSld>
-  <p:clrMapOvr>
-    <a:masterClrMapping/>
-  </p:clrMapOvr>
-</p:sld>
-</file>
-
-<file path=ppt/slides/slide22.xml><?xml version="1.0" encoding="utf-8"?>
-<p:sld xmlns:a="http://schemas.openxmlformats.org/drawingml/2006/main" xmlns:r="http://schemas.openxmlformats.org/officeDocument/2006/relationships" xmlns:p="http://schemas.openxmlformats.org/presentationml/2006/main">
-  <p:cSld>
-    <p:spTree>
-      <p:nvGrpSpPr>
-        <p:cNvPr id="1" name=""/>
-        <p:cNvGrpSpPr/>
-        <p:nvPr/>
-      </p:nvGrpSpPr>
-      <p:grpSpPr>
-        <a:xfrm>
-          <a:off x="0" y="0"/>
-          <a:ext cx="0" cy="0"/>
-          <a:chOff x="0" y="0"/>
-          <a:chExt cx="0" cy="0"/>
-        </a:xfrm>
-      </p:grpSpPr>
-      <p:sp>
-        <p:nvSpPr>
-          <p:cNvPr id="2" name="Title 1"/>
-          <p:cNvSpPr>
-            <a:spLocks noGrp="1"/>
-          </p:cNvSpPr>
-          <p:nvPr>
-            <p:ph type="title"/>
-          </p:nvPr>
-        </p:nvSpPr>
-        <p:spPr/>
-        <p:txBody>
-          <a:bodyPr/>
-          <a:lstStyle/>
-          <a:p>
-            <a:r>
-              <a:rPr lang="en-US" dirty="0" smtClean="0"/>
-              <a:t>Final Product</a:t>
-            </a:r>
-            <a:endParaRPr lang="en-US" dirty="0"/>
-          </a:p>
-        </p:txBody>
-      </p:sp>
-      <p:sp>
-        <p:nvSpPr>
-          <p:cNvPr id="3" name="Content Placeholder 2"/>
-          <p:cNvSpPr>
-            <a:spLocks noGrp="1"/>
-          </p:cNvSpPr>
-          <p:nvPr>
-            <p:ph idx="1"/>
-          </p:nvPr>
-        </p:nvSpPr>
-        <p:spPr/>
-        <p:txBody>
-          <a:bodyPr/>
-          <a:lstStyle/>
-          <a:p>
-            <a:endParaRPr lang="en-US"/>
-          </a:p>
-        </p:txBody>
-      </p:sp>
-    </p:spTree>
-  </p:cSld>
-  <p:clrMapOvr>
-    <a:masterClrMapping/>
-  </p:clrMapOvr>
-</p:sld>
-</file>
-
-<file path=ppt/slides/slide23.xml><?xml version="1.0" encoding="utf-8"?>
-<p:sld xmlns:a="http://schemas.openxmlformats.org/drawingml/2006/main" xmlns:r="http://schemas.openxmlformats.org/officeDocument/2006/relationships" xmlns:p="http://schemas.openxmlformats.org/presentationml/2006/main">
-  <p:cSld>
-    <p:spTree>
-      <p:nvGrpSpPr>
-        <p:cNvPr id="1" name=""/>
-        <p:cNvGrpSpPr/>
-        <p:nvPr/>
-      </p:nvGrpSpPr>
-      <p:grpSpPr>
-        <a:xfrm>
-          <a:off x="0" y="0"/>
-          <a:ext cx="0" cy="0"/>
-          <a:chOff x="0" y="0"/>
-          <a:chExt cx="0" cy="0"/>
-        </a:xfrm>
-      </p:grpSpPr>
-      <p:sp>
-        <p:nvSpPr>
-          <p:cNvPr id="2" name="Title 1"/>
-          <p:cNvSpPr>
-            <a:spLocks noGrp="1"/>
-          </p:cNvSpPr>
-          <p:nvPr>
-            <p:ph type="title"/>
-          </p:nvPr>
-        </p:nvSpPr>
-        <p:spPr/>
-        <p:txBody>
-          <a:bodyPr/>
-          <a:lstStyle/>
-          <a:p>
-            <a:r>
-              <a:rPr lang="en-US" dirty="0" smtClean="0"/>
-              <a:t>Evaluation Results</a:t>
-            </a:r>
-            <a:endParaRPr lang="en-US" dirty="0"/>
-          </a:p>
-        </p:txBody>
-      </p:sp>
-      <p:sp>
-        <p:nvSpPr>
-          <p:cNvPr id="3" name="Content Placeholder 2"/>
-          <p:cNvSpPr>
-            <a:spLocks noGrp="1"/>
-          </p:cNvSpPr>
-          <p:nvPr>
-            <p:ph idx="1"/>
-          </p:nvPr>
-        </p:nvSpPr>
-        <p:spPr/>
-        <p:txBody>
-          <a:bodyPr/>
-          <a:lstStyle/>
-          <a:p>
-            <a:endParaRPr lang="en-US"/>
-          </a:p>
-        </p:txBody>
-      </p:sp>
-    </p:spTree>
-  </p:cSld>
-  <p:clrMapOvr>
-    <a:masterClrMapping/>
-  </p:clrMapOvr>
-</p:sld>
-</file>
-
-<file path=ppt/slides/slide24.xml><?xml version="1.0" encoding="utf-8"?>
-<p:sld xmlns:a="http://schemas.openxmlformats.org/drawingml/2006/main" xmlns:r="http://schemas.openxmlformats.org/officeDocument/2006/relationships" xmlns:p="http://schemas.openxmlformats.org/presentationml/2006/main">
-  <p:cSld>
-    <p:spTree>
-      <p:nvGrpSpPr>
-        <p:cNvPr id="1" name=""/>
-        <p:cNvGrpSpPr/>
-        <p:nvPr/>
-      </p:nvGrpSpPr>
-      <p:grpSpPr>
-        <a:xfrm>
-          <a:off x="0" y="0"/>
-          <a:ext cx="0" cy="0"/>
-          <a:chOff x="0" y="0"/>
-          <a:chExt cx="0" cy="0"/>
-        </a:xfrm>
-      </p:grpSpPr>
-      <p:sp>
-        <p:nvSpPr>
-          <p:cNvPr id="2" name="Title 1"/>
-          <p:cNvSpPr>
-            <a:spLocks noGrp="1"/>
-          </p:cNvSpPr>
-          <p:nvPr>
-            <p:ph type="title"/>
-          </p:nvPr>
-        </p:nvSpPr>
-        <p:spPr/>
-        <p:txBody>
-          <a:bodyPr/>
-          <a:lstStyle/>
-          <a:p>
-            <a:r>
-              <a:rPr lang="en-US" dirty="0" smtClean="0"/>
-              <a:t>Overview</a:t>
-            </a:r>
-            <a:endParaRPr lang="en-US" dirty="0"/>
-          </a:p>
-        </p:txBody>
-      </p:sp>
-      <p:sp>
-        <p:nvSpPr>
-          <p:cNvPr id="3" name="Content Placeholder 2"/>
-          <p:cNvSpPr>
-            <a:spLocks noGrp="1"/>
-          </p:cNvSpPr>
-          <p:nvPr>
-            <p:ph idx="1"/>
-          </p:nvPr>
-        </p:nvSpPr>
-        <p:spPr/>
-        <p:txBody>
-          <a:bodyPr/>
-          <a:lstStyle/>
-          <a:p>
-            <a:endParaRPr lang="en-US"/>
-          </a:p>
-        </p:txBody>
-      </p:sp>
-    </p:spTree>
-  </p:cSld>
-  <p:clrMapOvr>
-    <a:masterClrMapping/>
-  </p:clrMapOvr>
-</p:sld>
-</file>
-
-<file path=ppt/slides/slide25.xml><?xml version="1.0" encoding="utf-8"?>
 <p:sld xmlns:a="http://schemas.openxmlformats.org/drawingml/2006/main" xmlns:r="http://schemas.openxmlformats.org/officeDocument/2006/relationships" xmlns:p="http://schemas.openxmlformats.org/presentationml/2006/main">
   <p:cSld>
     <p:spTree>
@@ -6016,7 +5763,7 @@
           <a:p>
             <a:r>
               <a:rPr lang="en-US" dirty="0" smtClean="0"/>
-              <a:t>Problem Background</a:t>
+              <a:t>Background</a:t>
             </a:r>
             <a:endParaRPr lang="en-US" dirty="0"/>
           </a:p>
@@ -6034,19 +5781,79 @@
         </p:nvSpPr>
         <p:spPr/>
         <p:txBody>
-          <a:bodyPr/>
-          <a:lstStyle/>
-          <a:p>
-            <a:r>
-              <a:rPr lang="en-US" dirty="0" smtClean="0"/>
-              <a:t>Create log of your daily movement</a:t>
-            </a:r>
-          </a:p>
-          <a:p>
-            <a:r>
-              <a:rPr lang="en-US" dirty="0" smtClean="0"/>
-              <a:t>Visualize day through captured images</a:t>
-            </a:r>
+          <a:bodyPr>
+            <a:normAutofit fontScale="92500"/>
+          </a:bodyPr>
+          <a:lstStyle/>
+          <a:p>
+            <a:r>
+              <a:rPr lang="en-US" dirty="0" smtClean="0"/>
+              <a:t>Problem</a:t>
+            </a:r>
+          </a:p>
+          <a:p>
+            <a:pPr lvl="1"/>
+            <a:r>
+              <a:rPr lang="en-US" dirty="0" smtClean="0"/>
+              <a:t>Create </a:t>
+            </a:r>
+            <a:r>
+              <a:rPr lang="en-US" dirty="0" smtClean="0"/>
+              <a:t>log of your daily movement</a:t>
+            </a:r>
+          </a:p>
+          <a:p>
+            <a:pPr lvl="1"/>
+            <a:r>
+              <a:rPr lang="en-US" dirty="0" smtClean="0"/>
+              <a:t>Visualize day through captured </a:t>
+            </a:r>
+            <a:r>
+              <a:rPr lang="en-US" dirty="0" smtClean="0"/>
+              <a:t>images</a:t>
+            </a:r>
+          </a:p>
+          <a:p>
+            <a:r>
+              <a:rPr lang="en-US" dirty="0" smtClean="0"/>
+              <a:t>Needs</a:t>
+            </a:r>
+          </a:p>
+          <a:p>
+            <a:pPr lvl="1"/>
+            <a:r>
+              <a:rPr lang="en-US" dirty="0" smtClean="0"/>
+              <a:t>There is a need for users to autonomously create and explore daily photo life logs for both a fun and interesting experience</a:t>
+            </a:r>
+            <a:r>
+              <a:rPr lang="en-US" dirty="0" smtClean="0"/>
+              <a:t>.</a:t>
+            </a:r>
+          </a:p>
+          <a:p>
+            <a:r>
+              <a:rPr lang="en-US" dirty="0" smtClean="0"/>
+              <a:t>Goal</a:t>
+            </a:r>
+          </a:p>
+          <a:p>
+            <a:pPr lvl="1"/>
+            <a:r>
+              <a:rPr lang="en-US" dirty="0" smtClean="0"/>
+              <a:t>The goal for this project is to create a wearable camera system capable of recording GPS data that will automatically record the daily life of the user based on a variety of triggers, and organize data.</a:t>
+            </a:r>
+          </a:p>
+          <a:p>
+            <a:pPr lvl="1"/>
+            <a:endParaRPr lang="en-US" dirty="0" smtClean="0"/>
+          </a:p>
+          <a:p>
+            <a:pPr lvl="1"/>
+            <a:endParaRPr lang="en-US" dirty="0" smtClean="0"/>
+          </a:p>
+          <a:p>
+            <a:pPr lvl="1"/>
+            <a:endParaRPr lang="en-US" dirty="0" smtClean="0"/>
           </a:p>
           <a:p>
             <a:endParaRPr lang="en-US" dirty="0"/>
@@ -6095,7 +5902,7 @@
           <a:p>
             <a:r>
               <a:rPr lang="en-US" dirty="0" smtClean="0"/>
-              <a:t>Needs Statement</a:t>
+              <a:t>Requirements</a:t>
             </a:r>
             <a:endParaRPr lang="en-US" dirty="0"/>
           </a:p>
@@ -6113,12 +5920,46 @@
         </p:nvSpPr>
         <p:spPr/>
         <p:txBody>
-          <a:bodyPr/>
-          <a:lstStyle/>
-          <a:p>
-            <a:r>
-              <a:rPr lang="en-US" dirty="0" smtClean="0"/>
-              <a:t>There is a need for users to autonomously create and explore daily photo life logs for both a fun and interesting experience.</a:t>
+          <a:bodyPr>
+            <a:normAutofit lnSpcReduction="10000"/>
+          </a:bodyPr>
+          <a:lstStyle/>
+          <a:p>
+            <a:r>
+              <a:rPr lang="en-US" dirty="0" smtClean="0"/>
+              <a:t>The prototype design should cost no more than $500</a:t>
+            </a:r>
+          </a:p>
+          <a:p>
+            <a:endParaRPr lang="en-US" dirty="0" smtClean="0"/>
+          </a:p>
+          <a:p>
+            <a:r>
+              <a:rPr lang="en-US" dirty="0" smtClean="0"/>
+              <a:t>The prototype must be battery powered and capable of logging </a:t>
+            </a:r>
+            <a:r>
+              <a:rPr lang="en-US" dirty="0" smtClean="0"/>
+              <a:t>a 12 hour session</a:t>
+            </a:r>
+            <a:endParaRPr lang="en-US" dirty="0" smtClean="0"/>
+          </a:p>
+          <a:p>
+            <a:endParaRPr lang="en-US" dirty="0" smtClean="0"/>
+          </a:p>
+          <a:p>
+            <a:r>
+              <a:rPr lang="en-US" dirty="0" smtClean="0"/>
+              <a:t>The camera unit should not cause any harm to the user or others</a:t>
+            </a:r>
+          </a:p>
+          <a:p>
+            <a:endParaRPr lang="en-US" dirty="0" smtClean="0"/>
+          </a:p>
+          <a:p>
+            <a:r>
+              <a:rPr lang="en-US" dirty="0" smtClean="0"/>
+              <a:t>The camera should function well both indoors and outdoors</a:t>
             </a:r>
           </a:p>
           <a:p>
@@ -6168,7 +6009,7 @@
           <a:p>
             <a:r>
               <a:rPr lang="en-US" dirty="0" smtClean="0"/>
-              <a:t>Goal</a:t>
+              <a:t>Requirements</a:t>
             </a:r>
             <a:endParaRPr lang="en-US" dirty="0"/>
           </a:p>
@@ -6186,26 +6027,51 @@
         </p:nvSpPr>
         <p:spPr/>
         <p:txBody>
-          <a:bodyPr/>
-          <a:lstStyle/>
-          <a:p>
-            <a:pPr>
-              <a:lnSpc>
-                <a:spcPct val="110000"/>
-              </a:lnSpc>
-            </a:pPr>
-            <a:r>
-              <a:rPr lang="en-US" sz="2400" dirty="0" smtClean="0"/>
-              <a:t>The goal for this project is to create a wearable camera system capable of recording GPS data that will automatically record the daily life of the user based on a variety of triggers, and organize data.</a:t>
-            </a:r>
-          </a:p>
-          <a:p>
-            <a:pPr>
-              <a:lnSpc>
-                <a:spcPct val="125000"/>
-              </a:lnSpc>
-            </a:pPr>
-            <a:endParaRPr lang="en-US" sz="2400" dirty="0" smtClean="0"/>
+          <a:bodyPr>
+            <a:normAutofit fontScale="92500" lnSpcReduction="10000"/>
+          </a:bodyPr>
+          <a:lstStyle/>
+          <a:p>
+            <a:r>
+              <a:rPr lang="en-US" dirty="0" smtClean="0"/>
+              <a:t>The GPS should function well in outdoor urban areas and have a decent failover for loss of signal indoors</a:t>
+            </a:r>
+          </a:p>
+          <a:p>
+            <a:endParaRPr lang="en-US" dirty="0" smtClean="0"/>
+          </a:p>
+          <a:p>
+            <a:r>
+              <a:rPr lang="en-US" dirty="0" smtClean="0"/>
+              <a:t>The design must be comfortable to wear and </a:t>
+            </a:r>
+            <a:r>
+              <a:rPr lang="en-US" dirty="0" smtClean="0"/>
+              <a:t>lightweight (&lt; </a:t>
+            </a:r>
+            <a:r>
+              <a:rPr lang="en-US" dirty="0" smtClean="0"/>
+              <a:t>1 lb)</a:t>
+            </a:r>
+          </a:p>
+          <a:p>
+            <a:endParaRPr lang="en-US" dirty="0" smtClean="0"/>
+          </a:p>
+          <a:p>
+            <a:r>
+              <a:rPr lang="en-US" dirty="0" smtClean="0"/>
+              <a:t>Accompanying software must be easy to use and understand</a:t>
+            </a:r>
+          </a:p>
+          <a:p>
+            <a:endParaRPr lang="en-US" dirty="0" smtClean="0"/>
+          </a:p>
+          <a:p>
+            <a:pPr lvl="0"/>
+            <a:r>
+              <a:rPr lang="en-US" dirty="0" smtClean="0"/>
+              <a:t>The camera unit must take good quality pictures (at least 320 x 240 resolution)</a:t>
+            </a:r>
           </a:p>
           <a:p>
             <a:endParaRPr lang="en-US" dirty="0"/>
@@ -6254,7 +6120,7 @@
           <a:p>
             <a:r>
               <a:rPr lang="en-US" dirty="0" smtClean="0"/>
-              <a:t>Requirements</a:t>
+              <a:t>Components</a:t>
             </a:r>
             <a:endParaRPr lang="en-US" dirty="0"/>
           </a:p>
@@ -6267,58 +6133,96 @@
             <a:spLocks noGrp="1"/>
           </p:cNvSpPr>
           <p:nvPr>
-            <p:ph idx="1"/>
+            <p:ph sz="half" idx="1"/>
           </p:nvPr>
         </p:nvSpPr>
         <p:spPr/>
         <p:txBody>
-          <a:bodyPr>
-            <a:normAutofit lnSpcReduction="10000"/>
-          </a:bodyPr>
-          <a:lstStyle/>
-          <a:p>
-            <a:r>
-              <a:rPr lang="en-US" dirty="0" smtClean="0"/>
-              <a:t>The prototype design should cost no more than $500</a:t>
-            </a:r>
-          </a:p>
-          <a:p>
-            <a:endParaRPr lang="en-US" dirty="0" smtClean="0"/>
-          </a:p>
-          <a:p>
-            <a:r>
-              <a:rPr lang="en-US" dirty="0" smtClean="0"/>
-              <a:t>The prototype must be battery powered and capable of logging at least </a:t>
-            </a:r>
-            <a:r>
-              <a:rPr lang="en-US" dirty="0" smtClean="0"/>
-              <a:t>a full day</a:t>
-            </a:r>
-            <a:endParaRPr lang="en-US" dirty="0" smtClean="0"/>
-          </a:p>
-          <a:p>
-            <a:endParaRPr lang="en-US" dirty="0" smtClean="0"/>
-          </a:p>
-          <a:p>
-            <a:r>
-              <a:rPr lang="en-US" dirty="0" smtClean="0"/>
-              <a:t>The camera unit should not cause any harm to the user or others</a:t>
-            </a:r>
-          </a:p>
-          <a:p>
-            <a:endParaRPr lang="en-US" dirty="0" smtClean="0"/>
-          </a:p>
-          <a:p>
-            <a:r>
-              <a:rPr lang="en-US" dirty="0" smtClean="0"/>
-              <a:t>The camera should function well both indoors and outdoors</a:t>
-            </a:r>
-          </a:p>
-          <a:p>
-            <a:endParaRPr lang="en-US" dirty="0"/>
-          </a:p>
-        </p:txBody>
-      </p:sp>
+          <a:bodyPr/>
+          <a:lstStyle/>
+          <a:p>
+            <a:r>
+              <a:rPr lang="en-US" dirty="0" smtClean="0"/>
+              <a:t>GPS</a:t>
+            </a:r>
+          </a:p>
+          <a:p>
+            <a:pPr lvl="1"/>
+            <a:r>
+              <a:rPr lang="en-US" dirty="0" smtClean="0"/>
+              <a:t>EM-406A </a:t>
+            </a:r>
+            <a:r>
+              <a:rPr lang="en-US" dirty="0" err="1" smtClean="0"/>
+              <a:t>SiRF</a:t>
+            </a:r>
+            <a:r>
+              <a:rPr lang="en-US" dirty="0" smtClean="0"/>
+              <a:t> III Receiver </a:t>
+            </a:r>
+          </a:p>
+          <a:p>
+            <a:r>
+              <a:rPr lang="en-US" dirty="0" smtClean="0"/>
+              <a:t>Camera</a:t>
+            </a:r>
+          </a:p>
+          <a:p>
+            <a:pPr lvl="1"/>
+            <a:r>
+              <a:rPr lang="en-US" dirty="0" smtClean="0"/>
+              <a:t>CMUCam3</a:t>
+            </a:r>
+          </a:p>
+        </p:txBody>
+      </p:sp>
+      <p:pic>
+        <p:nvPicPr>
+          <p:cNvPr id="8" name="Content Placeholder 7" descr="CMUcam3front.jpg"/>
+          <p:cNvPicPr>
+            <a:picLocks noGrp="1" noChangeAspect="1"/>
+          </p:cNvPicPr>
+          <p:nvPr>
+            <p:ph sz="half" idx="2"/>
+          </p:nvPr>
+        </p:nvPicPr>
+        <p:blipFill>
+          <a:blip r:embed="rId2" cstate="print"/>
+          <a:stretch>
+            <a:fillRect/>
+          </a:stretch>
+        </p:blipFill>
+        <p:spPr>
+          <a:xfrm>
+            <a:off x="5410200" y="3733800"/>
+            <a:ext cx="3200400" cy="2755843"/>
+          </a:xfrm>
+        </p:spPr>
+      </p:pic>
+      <p:pic>
+        <p:nvPicPr>
+          <p:cNvPr id="9" name="Picture 8" descr="new gps.jpg"/>
+          <p:cNvPicPr>
+            <a:picLocks noChangeAspect="1"/>
+          </p:cNvPicPr>
+          <p:nvPr/>
+        </p:nvPicPr>
+        <p:blipFill>
+          <a:blip r:embed="rId3"/>
+          <a:stretch>
+            <a:fillRect/>
+          </a:stretch>
+        </p:blipFill>
+        <p:spPr>
+          <a:xfrm>
+            <a:off x="5676900" y="1350554"/>
+            <a:ext cx="2667000" cy="2241550"/>
+          </a:xfrm>
+          <a:prstGeom prst="rect">
+            <a:avLst/>
+          </a:prstGeom>
+        </p:spPr>
+      </p:pic>
     </p:spTree>
   </p:cSld>
   <p:clrMapOvr>
@@ -6361,7 +6265,7 @@
           <a:p>
             <a:r>
               <a:rPr lang="en-US" dirty="0" smtClean="0"/>
-              <a:t>Requirements</a:t>
+              <a:t>Components</a:t>
             </a:r>
             <a:endParaRPr lang="en-US" dirty="0"/>
           </a:p>
@@ -6374,63 +6278,89 @@
             <a:spLocks noGrp="1"/>
           </p:cNvSpPr>
           <p:nvPr>
-            <p:ph idx="1"/>
+            <p:ph sz="half" idx="1"/>
           </p:nvPr>
         </p:nvSpPr>
         <p:spPr/>
         <p:txBody>
-          <a:bodyPr>
-            <a:normAutofit fontScale="92500" lnSpcReduction="10000"/>
-          </a:bodyPr>
-          <a:lstStyle/>
-          <a:p>
-            <a:r>
-              <a:rPr lang="en-US" dirty="0" smtClean="0"/>
-              <a:t>The GPS should function well in outdoor urban areas and have a decent failover for loss of signal indoors</a:t>
-            </a:r>
-          </a:p>
-          <a:p>
-            <a:endParaRPr lang="en-US" dirty="0" smtClean="0"/>
-          </a:p>
-          <a:p>
-            <a:r>
-              <a:rPr lang="en-US" dirty="0" smtClean="0"/>
-              <a:t>The design must be comfortable to wear and </a:t>
-            </a:r>
-            <a:r>
-              <a:rPr lang="en-US" dirty="0" smtClean="0"/>
-              <a:t>lightweight (&lt; 1 lb)</a:t>
-            </a:r>
-            <a:endParaRPr lang="en-US" dirty="0" smtClean="0"/>
-          </a:p>
-          <a:p>
-            <a:endParaRPr lang="en-US" dirty="0" smtClean="0"/>
-          </a:p>
-          <a:p>
-            <a:r>
-              <a:rPr lang="en-US" dirty="0" smtClean="0"/>
-              <a:t>Accompanying software must be easy to use and </a:t>
-            </a:r>
-            <a:r>
-              <a:rPr lang="en-US" dirty="0" smtClean="0"/>
-              <a:t>understand</a:t>
-            </a:r>
-          </a:p>
-          <a:p>
-            <a:endParaRPr lang="en-US" dirty="0" smtClean="0"/>
-          </a:p>
-          <a:p>
-            <a:pPr lvl="0"/>
-            <a:r>
-              <a:rPr lang="en-US" dirty="0" smtClean="0"/>
-              <a:t>The camera unit must take good quality pictures (at least 320 x 240 resolution)</a:t>
-            </a:r>
-          </a:p>
-          <a:p>
+          <a:bodyPr/>
+          <a:lstStyle/>
+          <a:p>
+            <a:r>
+              <a:rPr lang="en-US" dirty="0" smtClean="0"/>
+              <a:t>Power</a:t>
+            </a:r>
+          </a:p>
+          <a:p>
+            <a:pPr lvl="1"/>
+            <a:r>
+              <a:rPr lang="en-US" dirty="0" smtClean="0"/>
+              <a:t>4AA Batteries</a:t>
+            </a:r>
+          </a:p>
+          <a:p>
+            <a:r>
+              <a:rPr lang="en-US" dirty="0" smtClean="0"/>
+              <a:t>Enclosure</a:t>
+            </a:r>
+          </a:p>
+          <a:p>
+            <a:pPr lvl="1"/>
+            <a:r>
+              <a:rPr lang="en-US" dirty="0" smtClean="0"/>
+              <a:t>5x2.5x2 Project Box</a:t>
+            </a:r>
             <a:endParaRPr lang="en-US" dirty="0"/>
           </a:p>
         </p:txBody>
       </p:sp>
+      <p:pic>
+        <p:nvPicPr>
+          <p:cNvPr id="5" name="Content Placeholder 4" descr="battery pack.jpg"/>
+          <p:cNvPicPr>
+            <a:picLocks noGrp="1" noChangeAspect="1"/>
+          </p:cNvPicPr>
+          <p:nvPr>
+            <p:ph sz="half" idx="2"/>
+          </p:nvPr>
+        </p:nvPicPr>
+        <p:blipFill>
+          <a:blip r:embed="rId2"/>
+          <a:stretch>
+            <a:fillRect/>
+          </a:stretch>
+        </p:blipFill>
+        <p:spPr>
+          <a:xfrm>
+            <a:off x="5553075" y="1828800"/>
+            <a:ext cx="2667000" cy="1816652"/>
+          </a:xfrm>
+        </p:spPr>
+      </p:pic>
+      <p:pic>
+        <p:nvPicPr>
+          <p:cNvPr id="6" name="Picture 5" descr="enclosure.jpg"/>
+          <p:cNvPicPr>
+            <a:picLocks noChangeAspect="1"/>
+          </p:cNvPicPr>
+          <p:nvPr/>
+        </p:nvPicPr>
+        <p:blipFill>
+          <a:blip r:embed="rId3"/>
+          <a:stretch>
+            <a:fillRect/>
+          </a:stretch>
+        </p:blipFill>
+        <p:spPr>
+          <a:xfrm>
+            <a:off x="5334000" y="3733800"/>
+            <a:ext cx="3105150" cy="2115102"/>
+          </a:xfrm>
+          <a:prstGeom prst="rect">
+            <a:avLst/>
+          </a:prstGeom>
+        </p:spPr>
+      </p:pic>
     </p:spTree>
   </p:cSld>
   <p:clrMapOvr>
@@ -6473,7 +6403,7 @@
           <a:p>
             <a:r>
               <a:rPr lang="en-US" dirty="0" smtClean="0"/>
-              <a:t>Design Alternatives</a:t>
+              <a:t>Enclosure Design</a:t>
             </a:r>
             <a:endParaRPr lang="en-US" dirty="0"/>
           </a:p>
@@ -6493,30 +6423,6 @@
         <p:txBody>
           <a:bodyPr/>
           <a:lstStyle/>
-          <a:p>
-            <a:r>
-              <a:rPr lang="en-US" dirty="0" smtClean="0"/>
-              <a:t>GPS chips</a:t>
-            </a:r>
-          </a:p>
-          <a:p>
-            <a:r>
-              <a:rPr lang="en-US" dirty="0" smtClean="0"/>
-              <a:t>Enclosure Designs</a:t>
-            </a:r>
-          </a:p>
-          <a:p>
-            <a:r>
-              <a:rPr lang="en-US" smtClean="0"/>
-              <a:t>Web Services</a:t>
-            </a:r>
-          </a:p>
-          <a:p>
-            <a:endParaRPr lang="en-US" dirty="0" smtClean="0"/>
-          </a:p>
-          <a:p>
-            <a:endParaRPr lang="en-US" dirty="0" smtClean="0"/>
-          </a:p>
           <a:p>
             <a:endParaRPr lang="en-US" dirty="0"/>
           </a:p>
@@ -6564,7 +6470,7 @@
           <a:p>
             <a:r>
               <a:rPr lang="en-US" dirty="0" smtClean="0"/>
-              <a:t>System level Description</a:t>
+              <a:t>Design Alternatives</a:t>
             </a:r>
             <a:endParaRPr lang="en-US" dirty="0"/>
           </a:p>
@@ -6585,7 +6491,81 @@
           <a:bodyPr/>
           <a:lstStyle/>
           <a:p>
-            <a:endParaRPr lang="en-US"/>
+            <a:r>
+              <a:rPr lang="en-US" dirty="0" smtClean="0"/>
+              <a:t>GPS</a:t>
+            </a:r>
+          </a:p>
+          <a:p>
+            <a:pPr lvl="1"/>
+            <a:r>
+              <a:rPr lang="en-US" dirty="0" smtClean="0"/>
+              <a:t>Trimble Copernicus</a:t>
+            </a:r>
+          </a:p>
+          <a:p>
+            <a:pPr lvl="1"/>
+            <a:r>
+              <a:rPr lang="en-US" dirty="0" err="1" smtClean="0"/>
+              <a:t>SiRF</a:t>
+            </a:r>
+            <a:r>
+              <a:rPr lang="en-US" dirty="0" smtClean="0"/>
+              <a:t> II</a:t>
+            </a:r>
+            <a:endParaRPr lang="en-US" dirty="0" smtClean="0"/>
+          </a:p>
+          <a:p>
+            <a:r>
+              <a:rPr lang="en-US" dirty="0" smtClean="0"/>
+              <a:t>Enclosure </a:t>
+            </a:r>
+            <a:r>
+              <a:rPr lang="en-US" dirty="0" smtClean="0"/>
+              <a:t>Designs</a:t>
+            </a:r>
+          </a:p>
+          <a:p>
+            <a:pPr lvl="1"/>
+            <a:r>
+              <a:rPr lang="en-US" dirty="0" smtClean="0"/>
+              <a:t>Custom Acrylic</a:t>
+            </a:r>
+          </a:p>
+          <a:p>
+            <a:pPr lvl="1"/>
+            <a:r>
+              <a:rPr lang="en-US" dirty="0" smtClean="0"/>
+              <a:t>Aluminum Project Box</a:t>
+            </a:r>
+            <a:endParaRPr lang="en-US" dirty="0" smtClean="0"/>
+          </a:p>
+          <a:p>
+            <a:r>
+              <a:rPr lang="en-US" dirty="0" smtClean="0"/>
+              <a:t>Web </a:t>
+            </a:r>
+            <a:r>
+              <a:rPr lang="en-US" dirty="0" smtClean="0"/>
+              <a:t>Services</a:t>
+            </a:r>
+          </a:p>
+          <a:p>
+            <a:pPr lvl="1"/>
+            <a:r>
+              <a:rPr lang="en-US" dirty="0" err="1" smtClean="0"/>
+              <a:t>Flickr</a:t>
+            </a:r>
+            <a:endParaRPr lang="en-US" dirty="0" smtClean="0"/>
+          </a:p>
+          <a:p>
+            <a:endParaRPr lang="en-US" dirty="0" smtClean="0"/>
+          </a:p>
+          <a:p>
+            <a:endParaRPr lang="en-US" dirty="0" smtClean="0"/>
+          </a:p>
+          <a:p>
+            <a:endParaRPr lang="en-US" dirty="0"/>
           </a:p>
         </p:txBody>
       </p:sp>

--- a/trunk/MISC/Final Presentation.pptx
+++ b/trunk/MISC/Final Presentation.pptx
@@ -16,16 +16,17 @@
     <p:sldId id="263" r:id="rId10"/>
     <p:sldId id="264" r:id="rId11"/>
     <p:sldId id="265" r:id="rId12"/>
-    <p:sldId id="266" r:id="rId13"/>
-    <p:sldId id="270" r:id="rId14"/>
-    <p:sldId id="271" r:id="rId15"/>
-    <p:sldId id="272" r:id="rId16"/>
-    <p:sldId id="273" r:id="rId17"/>
-    <p:sldId id="274" r:id="rId18"/>
-    <p:sldId id="275" r:id="rId19"/>
-    <p:sldId id="277" r:id="rId20"/>
-    <p:sldId id="279" r:id="rId21"/>
-    <p:sldId id="280" r:id="rId22"/>
+    <p:sldId id="283" r:id="rId13"/>
+    <p:sldId id="266" r:id="rId14"/>
+    <p:sldId id="270" r:id="rId15"/>
+    <p:sldId id="271" r:id="rId16"/>
+    <p:sldId id="272" r:id="rId17"/>
+    <p:sldId id="273" r:id="rId18"/>
+    <p:sldId id="274" r:id="rId19"/>
+    <p:sldId id="275" r:id="rId20"/>
+    <p:sldId id="277" r:id="rId21"/>
+    <p:sldId id="279" r:id="rId22"/>
+    <p:sldId id="280" r:id="rId23"/>
   </p:sldIdLst>
   <p:sldSz cx="9144000" cy="6858000" type="screen4x3"/>
   <p:notesSz cx="6858000" cy="9144000"/>
@@ -4268,7 +4269,7 @@
           <a:p>
             <a:r>
               <a:rPr lang="en-US" dirty="0" smtClean="0"/>
-              <a:t>CMUCam3 Program Design</a:t>
+              <a:t>Trigger Settings</a:t>
             </a:r>
             <a:endParaRPr lang="en-US" dirty="0"/>
           </a:p>
@@ -4286,10 +4287,79 @@
         </p:nvSpPr>
         <p:spPr/>
         <p:txBody>
-          <a:bodyPr/>
-          <a:lstStyle/>
-          <a:p>
-            <a:endParaRPr lang="en-US"/>
+          <a:bodyPr>
+            <a:normAutofit fontScale="92500"/>
+          </a:bodyPr>
+          <a:lstStyle/>
+          <a:p>
+            <a:r>
+              <a:rPr lang="en-US" dirty="0" smtClean="0"/>
+              <a:t>Time Delay (Minutes) - The </a:t>
+            </a:r>
+            <a:r>
+              <a:rPr lang="en-US" dirty="0" smtClean="0"/>
+              <a:t>amount of time the camera must wait between each picture </a:t>
+            </a:r>
+            <a:r>
+              <a:rPr lang="en-US" dirty="0" smtClean="0"/>
+              <a:t>taken</a:t>
+            </a:r>
+          </a:p>
+          <a:p>
+            <a:endParaRPr lang="en-US" dirty="0" smtClean="0"/>
+          </a:p>
+          <a:p>
+            <a:r>
+              <a:rPr lang="en-US" dirty="0" smtClean="0"/>
+              <a:t>Minimum Distance - The </a:t>
+            </a:r>
+            <a:r>
+              <a:rPr lang="en-US" dirty="0" smtClean="0"/>
+              <a:t>distance a user must travel before another picture is </a:t>
+            </a:r>
+            <a:r>
+              <a:rPr lang="en-US" dirty="0" smtClean="0"/>
+              <a:t>taken.</a:t>
+            </a:r>
+          </a:p>
+          <a:p>
+            <a:endParaRPr lang="en-US" dirty="0" smtClean="0"/>
+          </a:p>
+          <a:p>
+            <a:r>
+              <a:rPr lang="en-US" dirty="0" smtClean="0"/>
+              <a:t>Scheduler – Times during which pictures should </a:t>
+            </a:r>
+            <a:r>
+              <a:rPr lang="en-US" dirty="0" smtClean="0"/>
+              <a:t>be </a:t>
+            </a:r>
+            <a:r>
+              <a:rPr lang="en-US" dirty="0" smtClean="0"/>
+              <a:t>taken.</a:t>
+            </a:r>
+          </a:p>
+          <a:p>
+            <a:endParaRPr lang="en-US" dirty="0" smtClean="0"/>
+          </a:p>
+          <a:p>
+            <a:r>
+              <a:rPr lang="en-US" dirty="0" smtClean="0"/>
+              <a:t>Location Halo - The center and radius of a halo </a:t>
+            </a:r>
+            <a:r>
+              <a:rPr lang="en-US" smtClean="0"/>
+              <a:t>where </a:t>
+            </a:r>
+            <a:r>
+              <a:rPr lang="en-US" smtClean="0"/>
+              <a:t>pictures must </a:t>
+            </a:r>
+            <a:r>
+              <a:rPr lang="en-US" dirty="0" smtClean="0"/>
+              <a:t>be taken.</a:t>
+            </a:r>
+            <a:endParaRPr lang="en-US" dirty="0"/>
           </a:p>
         </p:txBody>
       </p:sp>
@@ -4335,35 +4405,31 @@
           <a:p>
             <a:r>
               <a:rPr lang="en-US" dirty="0" smtClean="0"/>
-              <a:t>Software Design</a:t>
+              <a:t>CMUCam3 Program Design</a:t>
             </a:r>
             <a:endParaRPr lang="en-US" dirty="0"/>
           </a:p>
         </p:txBody>
       </p:sp>
-      <p:pic>
-        <p:nvPicPr>
-          <p:cNvPr id="4" name="Content Placeholder 3" descr="reliveMain FINAL.png"/>
-          <p:cNvPicPr>
-            <a:picLocks noGrp="1" noChangeAspect="1"/>
-          </p:cNvPicPr>
+      <p:sp>
+        <p:nvSpPr>
+          <p:cNvPr id="3" name="Content Placeholder 2"/>
+          <p:cNvSpPr>
+            <a:spLocks noGrp="1"/>
+          </p:cNvSpPr>
           <p:nvPr>
             <p:ph idx="1"/>
           </p:nvPr>
-        </p:nvPicPr>
-        <p:blipFill>
-          <a:blip r:embed="rId2"/>
-          <a:stretch>
-            <a:fillRect/>
-          </a:stretch>
-        </p:blipFill>
-        <p:spPr>
-          <a:xfrm>
-            <a:off x="1264357" y="1935163"/>
-            <a:ext cx="6615286" cy="4389437"/>
-          </a:xfrm>
-        </p:spPr>
-      </p:pic>
+        </p:nvSpPr>
+        <p:spPr/>
+        <p:txBody>
+          <a:bodyPr/>
+          <a:lstStyle/>
+          <a:p>
+            <a:endParaRPr lang="en-US" dirty="0"/>
+          </a:p>
+        </p:txBody>
+      </p:sp>
     </p:spTree>
   </p:cSld>
   <p:clrMapOvr>
@@ -4414,7 +4480,7 @@
       </p:sp>
       <p:pic>
         <p:nvPicPr>
-          <p:cNvPr id="4" name="Content Placeholder 3" descr="reliveMain config FINAL.png"/>
+          <p:cNvPr id="4" name="Content Placeholder 3" descr="reliveMain FINAL.png"/>
           <p:cNvPicPr>
             <a:picLocks noGrp="1" noChangeAspect="1"/>
           </p:cNvPicPr>
@@ -4477,99 +4543,35 @@
           <a:p>
             <a:r>
               <a:rPr lang="en-US" dirty="0" smtClean="0"/>
-              <a:t>Team Management</a:t>
+              <a:t>Software Design</a:t>
             </a:r>
             <a:endParaRPr lang="en-US" dirty="0"/>
           </a:p>
         </p:txBody>
       </p:sp>
-      <p:sp>
-        <p:nvSpPr>
-          <p:cNvPr id="3" name="Content Placeholder 2"/>
-          <p:cNvSpPr>
-            <a:spLocks noGrp="1"/>
-          </p:cNvSpPr>
+      <p:pic>
+        <p:nvPicPr>
+          <p:cNvPr id="4" name="Content Placeholder 3" descr="reliveMain config FINAL.png"/>
+          <p:cNvPicPr>
+            <a:picLocks noGrp="1" noChangeAspect="1"/>
+          </p:cNvPicPr>
           <p:nvPr>
             <p:ph idx="1"/>
           </p:nvPr>
-        </p:nvSpPr>
-        <p:spPr/>
-        <p:txBody>
-          <a:bodyPr>
-            <a:normAutofit lnSpcReduction="10000"/>
-          </a:bodyPr>
-          <a:lstStyle/>
-          <a:p>
-            <a:r>
-              <a:rPr lang="en-US" dirty="0" smtClean="0"/>
-              <a:t>David Moreno</a:t>
-            </a:r>
-          </a:p>
-          <a:p>
-            <a:pPr lvl="1"/>
-            <a:r>
-              <a:rPr lang="en-US" dirty="0" smtClean="0"/>
-              <a:t>Hardware and CMUCam3 operations</a:t>
-            </a:r>
-          </a:p>
-          <a:p>
-            <a:pPr lvl="1"/>
-            <a:r>
-              <a:rPr lang="en-US" dirty="0" smtClean="0"/>
-              <a:t>Purchasing</a:t>
-            </a:r>
-          </a:p>
-          <a:p>
-            <a:r>
-              <a:rPr lang="en-US" dirty="0" smtClean="0"/>
-              <a:t>Mario Raushel</a:t>
-            </a:r>
-          </a:p>
-          <a:p>
-            <a:pPr lvl="1"/>
-            <a:r>
-              <a:rPr lang="en-US" dirty="0" smtClean="0"/>
-              <a:t>Software design and implementation</a:t>
-            </a:r>
-          </a:p>
-          <a:p>
-            <a:r>
-              <a:rPr lang="en-US" dirty="0" smtClean="0"/>
-              <a:t>Terence Sin</a:t>
-            </a:r>
-          </a:p>
-          <a:p>
-            <a:pPr lvl="1"/>
-            <a:r>
-              <a:rPr lang="en-US" dirty="0" smtClean="0"/>
-              <a:t>Software and hardware interaction design</a:t>
-            </a:r>
-          </a:p>
-          <a:p>
-            <a:r>
-              <a:rPr lang="en-US" dirty="0" smtClean="0"/>
-              <a:t>Caleb Wells</a:t>
-            </a:r>
-          </a:p>
-          <a:p>
-            <a:pPr lvl="1"/>
-            <a:r>
-              <a:rPr lang="en-US" dirty="0" smtClean="0"/>
-              <a:t>Leader</a:t>
-            </a:r>
-          </a:p>
-          <a:p>
-            <a:pPr lvl="1"/>
-            <a:r>
-              <a:rPr lang="en-US" dirty="0" smtClean="0"/>
-              <a:t>Hardware and GPS operations</a:t>
-            </a:r>
-          </a:p>
-          <a:p>
-            <a:endParaRPr lang="en-US" dirty="0"/>
-          </a:p>
-        </p:txBody>
-      </p:sp>
+        </p:nvPicPr>
+        <p:blipFill>
+          <a:blip r:embed="rId2"/>
+          <a:stretch>
+            <a:fillRect/>
+          </a:stretch>
+        </p:blipFill>
+        <p:spPr>
+          <a:xfrm>
+            <a:off x="1264357" y="1935163"/>
+            <a:ext cx="6615286" cy="4389437"/>
+          </a:xfrm>
+        </p:spPr>
+      </p:pic>
     </p:spTree>
   </p:cSld>
   <p:clrMapOvr>
@@ -4579,6 +4581,141 @@
 </file>
 
 <file path=ppt/slides/slide16.xml><?xml version="1.0" encoding="utf-8"?>
+<p:sld xmlns:a="http://schemas.openxmlformats.org/drawingml/2006/main" xmlns:r="http://schemas.openxmlformats.org/officeDocument/2006/relationships" xmlns:p="http://schemas.openxmlformats.org/presentationml/2006/main">
+  <p:cSld>
+    <p:spTree>
+      <p:nvGrpSpPr>
+        <p:cNvPr id="1" name=""/>
+        <p:cNvGrpSpPr/>
+        <p:nvPr/>
+      </p:nvGrpSpPr>
+      <p:grpSpPr>
+        <a:xfrm>
+          <a:off x="0" y="0"/>
+          <a:ext cx="0" cy="0"/>
+          <a:chOff x="0" y="0"/>
+          <a:chExt cx="0" cy="0"/>
+        </a:xfrm>
+      </p:grpSpPr>
+      <p:sp>
+        <p:nvSpPr>
+          <p:cNvPr id="2" name="Title 1"/>
+          <p:cNvSpPr>
+            <a:spLocks noGrp="1"/>
+          </p:cNvSpPr>
+          <p:nvPr>
+            <p:ph type="title"/>
+          </p:nvPr>
+        </p:nvSpPr>
+        <p:spPr/>
+        <p:txBody>
+          <a:bodyPr/>
+          <a:lstStyle/>
+          <a:p>
+            <a:r>
+              <a:rPr lang="en-US" dirty="0" smtClean="0"/>
+              <a:t>Team Management</a:t>
+            </a:r>
+            <a:endParaRPr lang="en-US" dirty="0"/>
+          </a:p>
+        </p:txBody>
+      </p:sp>
+      <p:sp>
+        <p:nvSpPr>
+          <p:cNvPr id="3" name="Content Placeholder 2"/>
+          <p:cNvSpPr>
+            <a:spLocks noGrp="1"/>
+          </p:cNvSpPr>
+          <p:nvPr>
+            <p:ph idx="1"/>
+          </p:nvPr>
+        </p:nvSpPr>
+        <p:spPr/>
+        <p:txBody>
+          <a:bodyPr>
+            <a:normAutofit lnSpcReduction="10000"/>
+          </a:bodyPr>
+          <a:lstStyle/>
+          <a:p>
+            <a:r>
+              <a:rPr lang="en-US" dirty="0" smtClean="0"/>
+              <a:t>David Moreno</a:t>
+            </a:r>
+          </a:p>
+          <a:p>
+            <a:pPr lvl="1"/>
+            <a:r>
+              <a:rPr lang="en-US" dirty="0" smtClean="0"/>
+              <a:t>Hardware and CMUCam3 operations</a:t>
+            </a:r>
+          </a:p>
+          <a:p>
+            <a:pPr lvl="1"/>
+            <a:r>
+              <a:rPr lang="en-US" dirty="0" smtClean="0"/>
+              <a:t>Purchasing</a:t>
+            </a:r>
+          </a:p>
+          <a:p>
+            <a:r>
+              <a:rPr lang="en-US" dirty="0" smtClean="0"/>
+              <a:t>Mario Raushel</a:t>
+            </a:r>
+          </a:p>
+          <a:p>
+            <a:pPr lvl="1"/>
+            <a:r>
+              <a:rPr lang="en-US" dirty="0" smtClean="0"/>
+              <a:t>Software design and implementation</a:t>
+            </a:r>
+          </a:p>
+          <a:p>
+            <a:r>
+              <a:rPr lang="en-US" dirty="0" smtClean="0"/>
+              <a:t>Terence Sin</a:t>
+            </a:r>
+          </a:p>
+          <a:p>
+            <a:pPr lvl="1"/>
+            <a:r>
+              <a:rPr lang="en-US" dirty="0" smtClean="0"/>
+              <a:t>Software and hardware interaction design</a:t>
+            </a:r>
+          </a:p>
+          <a:p>
+            <a:r>
+              <a:rPr lang="en-US" dirty="0" smtClean="0"/>
+              <a:t>Caleb Wells</a:t>
+            </a:r>
+          </a:p>
+          <a:p>
+            <a:pPr lvl="1"/>
+            <a:r>
+              <a:rPr lang="en-US" dirty="0" smtClean="0"/>
+              <a:t>Leader</a:t>
+            </a:r>
+          </a:p>
+          <a:p>
+            <a:pPr lvl="1"/>
+            <a:r>
+              <a:rPr lang="en-US" dirty="0" smtClean="0"/>
+              <a:t>Hardware and GPS operations</a:t>
+            </a:r>
+          </a:p>
+          <a:p>
+            <a:endParaRPr lang="en-US" dirty="0"/>
+          </a:p>
+        </p:txBody>
+      </p:sp>
+    </p:spTree>
+  </p:cSld>
+  <p:clrMapOvr>
+    <a:masterClrMapping/>
+  </p:clrMapOvr>
+</p:sld>
+</file>
+
+<file path=ppt/slides/slide17.xml><?xml version="1.0" encoding="utf-8"?>
 <p:sld xmlns:a="http://schemas.openxmlformats.org/drawingml/2006/main" xmlns:r="http://schemas.openxmlformats.org/officeDocument/2006/relationships" xmlns:p="http://schemas.openxmlformats.org/presentationml/2006/main">
   <p:cSld>
     <p:spTree>
@@ -4859,7 +4996,7 @@
 </p:sld>
 </file>
 
-<file path=ppt/slides/slide17.xml><?xml version="1.0" encoding="utf-8"?>
+<file path=ppt/slides/slide18.xml><?xml version="1.0" encoding="utf-8"?>
 <p:sld xmlns:a="http://schemas.openxmlformats.org/drawingml/2006/main" xmlns:r="http://schemas.openxmlformats.org/officeDocument/2006/relationships" xmlns:p="http://schemas.openxmlformats.org/presentationml/2006/main">
   <p:cSld>
     <p:spTree>
@@ -5319,126 +5456,6 @@
 </p:sld>
 </file>
 
-<file path=ppt/slides/slide18.xml><?xml version="1.0" encoding="utf-8"?>
-<p:sld xmlns:a="http://schemas.openxmlformats.org/drawingml/2006/main" xmlns:r="http://schemas.openxmlformats.org/officeDocument/2006/relationships" xmlns:p="http://schemas.openxmlformats.org/presentationml/2006/main">
-  <p:cSld>
-    <p:spTree>
-      <p:nvGrpSpPr>
-        <p:cNvPr id="1" name=""/>
-        <p:cNvGrpSpPr/>
-        <p:nvPr/>
-      </p:nvGrpSpPr>
-      <p:grpSpPr>
-        <a:xfrm>
-          <a:off x="0" y="0"/>
-          <a:ext cx="0" cy="0"/>
-          <a:chOff x="0" y="0"/>
-          <a:chExt cx="0" cy="0"/>
-        </a:xfrm>
-      </p:grpSpPr>
-      <p:sp>
-        <p:nvSpPr>
-          <p:cNvPr id="2" name="Title 1"/>
-          <p:cNvSpPr>
-            <a:spLocks noGrp="1"/>
-          </p:cNvSpPr>
-          <p:nvPr>
-            <p:ph type="title"/>
-          </p:nvPr>
-        </p:nvSpPr>
-        <p:spPr/>
-        <p:txBody>
-          <a:bodyPr>
-            <a:normAutofit fontScale="90000"/>
-          </a:bodyPr>
-          <a:lstStyle/>
-          <a:p>
-            <a:r>
-              <a:rPr lang="en-US" dirty="0" smtClean="0"/>
-              <a:t>Manufacturability, Sustainability and Economics</a:t>
-            </a:r>
-            <a:endParaRPr lang="en-US" dirty="0"/>
-          </a:p>
-        </p:txBody>
-      </p:sp>
-      <p:sp>
-        <p:nvSpPr>
-          <p:cNvPr id="3" name="Content Placeholder 2"/>
-          <p:cNvSpPr>
-            <a:spLocks noGrp="1"/>
-          </p:cNvSpPr>
-          <p:nvPr>
-            <p:ph idx="1"/>
-          </p:nvPr>
-        </p:nvSpPr>
-        <p:spPr/>
-        <p:txBody>
-          <a:bodyPr/>
-          <a:lstStyle/>
-          <a:p>
-            <a:r>
-              <a:rPr lang="en-US" dirty="0" smtClean="0"/>
-              <a:t>Manufacturability</a:t>
-            </a:r>
-          </a:p>
-          <a:p>
-            <a:pPr lvl="1"/>
-            <a:r>
-              <a:rPr lang="en-US" dirty="0" smtClean="0"/>
-              <a:t>Hardware easily mass produced</a:t>
-            </a:r>
-          </a:p>
-          <a:p>
-            <a:pPr lvl="1"/>
-            <a:r>
-              <a:rPr lang="en-US" dirty="0" smtClean="0"/>
-              <a:t>Software easily distributed</a:t>
-            </a:r>
-          </a:p>
-          <a:p>
-            <a:r>
-              <a:rPr lang="en-US" dirty="0" smtClean="0"/>
-              <a:t>Sustainability</a:t>
-            </a:r>
-          </a:p>
-          <a:p>
-            <a:pPr lvl="1"/>
-            <a:r>
-              <a:rPr lang="en-US" dirty="0" smtClean="0"/>
-              <a:t>Batteries can be recharged</a:t>
-            </a:r>
-          </a:p>
-          <a:p>
-            <a:pPr lvl="1"/>
-            <a:r>
-              <a:rPr lang="en-US" dirty="0" smtClean="0"/>
-              <a:t>Information synchronized to both computer and Google</a:t>
-            </a:r>
-          </a:p>
-          <a:p>
-            <a:r>
-              <a:rPr lang="en-US" dirty="0" smtClean="0"/>
-              <a:t>Economics</a:t>
-            </a:r>
-          </a:p>
-          <a:p>
-            <a:pPr lvl="1"/>
-            <a:r>
-              <a:rPr lang="en-US" dirty="0" smtClean="0"/>
-              <a:t>Low bulk material cost</a:t>
-            </a:r>
-            <a:endParaRPr lang="en-US" dirty="0"/>
-          </a:p>
-        </p:txBody>
-      </p:sp>
-    </p:spTree>
-  </p:cSld>
-  <p:clrMapOvr>
-    <a:masterClrMapping/>
-  </p:clrMapOvr>
-</p:sld>
-</file>
-
 <file path=ppt/slides/slide19.xml><?xml version="1.0" encoding="utf-8"?>
 <p:sld xmlns:a="http://schemas.openxmlformats.org/drawingml/2006/main" xmlns:r="http://schemas.openxmlformats.org/officeDocument/2006/relationships" xmlns:p="http://schemas.openxmlformats.org/presentationml/2006/main">
   <p:cSld>
@@ -5468,41 +5485,84 @@
         </p:nvSpPr>
         <p:spPr/>
         <p:txBody>
+          <a:bodyPr>
+            <a:normAutofit fontScale="90000"/>
+          </a:bodyPr>
+          <a:lstStyle/>
+          <a:p>
+            <a:r>
+              <a:rPr lang="en-US" dirty="0" smtClean="0"/>
+              <a:t>Manufacturability, Sustainability and Economics</a:t>
+            </a:r>
+            <a:endParaRPr lang="en-US" dirty="0"/>
+          </a:p>
+        </p:txBody>
+      </p:sp>
+      <p:sp>
+        <p:nvSpPr>
+          <p:cNvPr id="3" name="Content Placeholder 2"/>
+          <p:cNvSpPr>
+            <a:spLocks noGrp="1"/>
+          </p:cNvSpPr>
+          <p:nvPr>
+            <p:ph idx="1"/>
+          </p:nvPr>
+        </p:nvSpPr>
+        <p:spPr/>
+        <p:txBody>
           <a:bodyPr/>
           <a:lstStyle/>
           <a:p>
             <a:r>
               <a:rPr lang="en-US" dirty="0" smtClean="0"/>
-              <a:t>Final Product</a:t>
-            </a:r>
-            <a:endParaRPr lang="en-US" dirty="0"/>
-          </a:p>
-        </p:txBody>
-      </p:sp>
-      <p:sp>
-        <p:nvSpPr>
-          <p:cNvPr id="3" name="Content Placeholder 2"/>
-          <p:cNvSpPr>
-            <a:spLocks noGrp="1"/>
-          </p:cNvSpPr>
-          <p:nvPr>
-            <p:ph idx="1"/>
-          </p:nvPr>
-        </p:nvSpPr>
-        <p:spPr/>
-        <p:txBody>
-          <a:bodyPr/>
-          <a:lstStyle/>
-          <a:p>
-            <a:r>
-              <a:rPr lang="en-US" dirty="0" smtClean="0"/>
-              <a:t>Budget</a:t>
-            </a:r>
-          </a:p>
-          <a:p>
-            <a:r>
-              <a:rPr lang="en-US" dirty="0" smtClean="0"/>
-              <a:t>Evaluation</a:t>
+              <a:t>Manufacturability</a:t>
+            </a:r>
+          </a:p>
+          <a:p>
+            <a:pPr lvl="1"/>
+            <a:r>
+              <a:rPr lang="en-US" dirty="0" smtClean="0"/>
+              <a:t>Hardware easily mass produced</a:t>
+            </a:r>
+          </a:p>
+          <a:p>
+            <a:pPr lvl="1"/>
+            <a:r>
+              <a:rPr lang="en-US" dirty="0" smtClean="0"/>
+              <a:t>Software easily distributed</a:t>
+            </a:r>
+          </a:p>
+          <a:p>
+            <a:r>
+              <a:rPr lang="en-US" dirty="0" smtClean="0"/>
+              <a:t>Sustainability</a:t>
+            </a:r>
+          </a:p>
+          <a:p>
+            <a:pPr lvl="1"/>
+            <a:r>
+              <a:rPr lang="en-US" dirty="0" smtClean="0"/>
+              <a:t>Batteries can be recharged</a:t>
+            </a:r>
+          </a:p>
+          <a:p>
+            <a:pPr lvl="1"/>
+            <a:r>
+              <a:rPr lang="en-US" dirty="0" smtClean="0"/>
+              <a:t>Information synchronized to both computer and Google</a:t>
+            </a:r>
+          </a:p>
+          <a:p>
+            <a:r>
+              <a:rPr lang="en-US" dirty="0" smtClean="0"/>
+              <a:t>Economics</a:t>
+            </a:r>
+          </a:p>
+          <a:p>
+            <a:pPr lvl="1"/>
+            <a:r>
+              <a:rPr lang="en-US" dirty="0" smtClean="0"/>
+              <a:t>Low bulk material cost</a:t>
             </a:r>
             <a:endParaRPr lang="en-US" dirty="0"/>
           </a:p>
@@ -5617,7 +5677,7 @@
           <a:p>
             <a:r>
               <a:rPr lang="en-US" dirty="0" smtClean="0"/>
-              <a:t>Overview</a:t>
+              <a:t>Final Product</a:t>
             </a:r>
             <a:endParaRPr lang="en-US" dirty="0"/>
           </a:p>
@@ -5638,7 +5698,17 @@
           <a:bodyPr/>
           <a:lstStyle/>
           <a:p>
-            <a:endParaRPr lang="en-US"/>
+            <a:r>
+              <a:rPr lang="en-US" dirty="0" smtClean="0"/>
+              <a:t>Budget</a:t>
+            </a:r>
+          </a:p>
+          <a:p>
+            <a:r>
+              <a:rPr lang="en-US" dirty="0" smtClean="0"/>
+              <a:t>Evaluation</a:t>
+            </a:r>
+            <a:endParaRPr lang="en-US" dirty="0"/>
           </a:p>
         </p:txBody>
       </p:sp>
@@ -5651,6 +5721,73 @@
 </file>
 
 <file path=ppt/slides/slide21.xml><?xml version="1.0" encoding="utf-8"?>
+<p:sld xmlns:a="http://schemas.openxmlformats.org/drawingml/2006/main" xmlns:r="http://schemas.openxmlformats.org/officeDocument/2006/relationships" xmlns:p="http://schemas.openxmlformats.org/presentationml/2006/main">
+  <p:cSld>
+    <p:spTree>
+      <p:nvGrpSpPr>
+        <p:cNvPr id="1" name=""/>
+        <p:cNvGrpSpPr/>
+        <p:nvPr/>
+      </p:nvGrpSpPr>
+      <p:grpSpPr>
+        <a:xfrm>
+          <a:off x="0" y="0"/>
+          <a:ext cx="0" cy="0"/>
+          <a:chOff x="0" y="0"/>
+          <a:chExt cx="0" cy="0"/>
+        </a:xfrm>
+      </p:grpSpPr>
+      <p:sp>
+        <p:nvSpPr>
+          <p:cNvPr id="2" name="Title 1"/>
+          <p:cNvSpPr>
+            <a:spLocks noGrp="1"/>
+          </p:cNvSpPr>
+          <p:nvPr>
+            <p:ph type="title"/>
+          </p:nvPr>
+        </p:nvSpPr>
+        <p:spPr/>
+        <p:txBody>
+          <a:bodyPr/>
+          <a:lstStyle/>
+          <a:p>
+            <a:r>
+              <a:rPr lang="en-US" dirty="0" smtClean="0"/>
+              <a:t>Overview</a:t>
+            </a:r>
+            <a:endParaRPr lang="en-US" dirty="0"/>
+          </a:p>
+        </p:txBody>
+      </p:sp>
+      <p:sp>
+        <p:nvSpPr>
+          <p:cNvPr id="3" name="Content Placeholder 2"/>
+          <p:cNvSpPr>
+            <a:spLocks noGrp="1"/>
+          </p:cNvSpPr>
+          <p:nvPr>
+            <p:ph idx="1"/>
+          </p:nvPr>
+        </p:nvSpPr>
+        <p:spPr/>
+        <p:txBody>
+          <a:bodyPr/>
+          <a:lstStyle/>
+          <a:p>
+            <a:endParaRPr lang="en-US"/>
+          </a:p>
+        </p:txBody>
+      </p:sp>
+    </p:spTree>
+  </p:cSld>
+  <p:clrMapOvr>
+    <a:masterClrMapping/>
+  </p:clrMapOvr>
+</p:sld>
+</file>
+
+<file path=ppt/slides/slide22.xml><?xml version="1.0" encoding="utf-8"?>
 <p:sld xmlns:a="http://schemas.openxmlformats.org/drawingml/2006/main" xmlns:r="http://schemas.openxmlformats.org/officeDocument/2006/relationships" xmlns:p="http://schemas.openxmlformats.org/presentationml/2006/main">
   <p:cSld>
     <p:spTree>
@@ -5795,22 +5932,14 @@
             <a:pPr lvl="1"/>
             <a:r>
               <a:rPr lang="en-US" dirty="0" smtClean="0"/>
-              <a:t>Create </a:t>
-            </a:r>
-            <a:r>
-              <a:rPr lang="en-US" dirty="0" smtClean="0"/>
-              <a:t>log of your daily movement</a:t>
+              <a:t>Create log of your daily movement</a:t>
             </a:r>
           </a:p>
           <a:p>
             <a:pPr lvl="1"/>
             <a:r>
               <a:rPr lang="en-US" dirty="0" smtClean="0"/>
-              <a:t>Visualize day through captured </a:t>
-            </a:r>
-            <a:r>
-              <a:rPr lang="en-US" dirty="0" smtClean="0"/>
-              <a:t>images</a:t>
+              <a:t>Visualize day through captured images</a:t>
             </a:r>
           </a:p>
           <a:p>
@@ -5823,11 +5952,7 @@
             <a:pPr lvl="1"/>
             <a:r>
               <a:rPr lang="en-US" dirty="0" smtClean="0"/>
-              <a:t>There is a need for users to autonomously create and explore daily photo life logs for both a fun and interesting experience</a:t>
-            </a:r>
-            <a:r>
-              <a:rPr lang="en-US" dirty="0" smtClean="0"/>
-              <a:t>.</a:t>
+              <a:t>There is a need for users to autonomously create and explore daily photo life logs for both a fun and interesting experience.</a:t>
             </a:r>
           </a:p>
           <a:p>
@@ -5936,13 +6061,8 @@
           <a:p>
             <a:r>
               <a:rPr lang="en-US" dirty="0" smtClean="0"/>
-              <a:t>The prototype must be battery powered and capable of logging </a:t>
-            </a:r>
-            <a:r>
-              <a:rPr lang="en-US" dirty="0" smtClean="0"/>
-              <a:t>a 12 hour session</a:t>
-            </a:r>
-            <a:endParaRPr lang="en-US" dirty="0" smtClean="0"/>
+              <a:t>The prototype must be battery powered and capable of logging a 12 hour session</a:t>
+            </a:r>
           </a:p>
           <a:p>
             <a:endParaRPr lang="en-US" dirty="0" smtClean="0"/>
@@ -6043,15 +6163,7 @@
           <a:p>
             <a:r>
               <a:rPr lang="en-US" dirty="0" smtClean="0"/>
-              <a:t>The design must be comfortable to wear and </a:t>
-            </a:r>
-            <a:r>
-              <a:rPr lang="en-US" dirty="0" smtClean="0"/>
-              <a:t>lightweight (&lt; </a:t>
-            </a:r>
-            <a:r>
-              <a:rPr lang="en-US" dirty="0" smtClean="0"/>
-              <a:t>1 lb)</a:t>
+              <a:t>The design must be comfortable to wear and lightweight (&lt; 1 lb)</a:t>
             </a:r>
           </a:p>
           <a:p>
@@ -6513,16 +6625,11 @@
               <a:rPr lang="en-US" dirty="0" smtClean="0"/>
               <a:t> II</a:t>
             </a:r>
-            <a:endParaRPr lang="en-US" dirty="0" smtClean="0"/>
-          </a:p>
-          <a:p>
-            <a:r>
-              <a:rPr lang="en-US" dirty="0" smtClean="0"/>
-              <a:t>Enclosure </a:t>
-            </a:r>
-            <a:r>
-              <a:rPr lang="en-US" dirty="0" smtClean="0"/>
-              <a:t>Designs</a:t>
+          </a:p>
+          <a:p>
+            <a:r>
+              <a:rPr lang="en-US" dirty="0" smtClean="0"/>
+              <a:t>Enclosure Designs</a:t>
             </a:r>
           </a:p>
           <a:p>
@@ -6538,16 +6645,11 @@
               <a:rPr lang="en-US" dirty="0" smtClean="0"/>
               <a:t>Aluminum Project Box</a:t>
             </a:r>
-            <a:endParaRPr lang="en-US" dirty="0" smtClean="0"/>
-          </a:p>
-          <a:p>
-            <a:r>
-              <a:rPr lang="en-US" dirty="0" smtClean="0"/>
-              <a:t>Web </a:t>
-            </a:r>
-            <a:r>
-              <a:rPr lang="en-US" dirty="0" smtClean="0"/>
-              <a:t>Services</a:t>
+          </a:p>
+          <a:p>
+            <a:r>
+              <a:rPr lang="en-US" dirty="0" smtClean="0"/>
+              <a:t>Web Services</a:t>
             </a:r>
           </a:p>
           <a:p>

--- a/trunk/MISC/Final Presentation.pptx
+++ b/trunk/MISC/Final Presentation.pptx
@@ -4348,11 +4348,11 @@
               <a:t>Location Halo - The center and radius of a halo </a:t>
             </a:r>
             <a:r>
-              <a:rPr lang="en-US" smtClean="0"/>
+              <a:rPr lang="en-US" dirty="0" smtClean="0"/>
               <a:t>where </a:t>
             </a:r>
             <a:r>
-              <a:rPr lang="en-US" smtClean="0"/>
+              <a:rPr lang="en-US" dirty="0" smtClean="0"/>
               <a:t>pictures must </a:t>
             </a:r>
             <a:r>
@@ -4400,36 +4400,47 @@
         </p:nvSpPr>
         <p:spPr/>
         <p:txBody>
-          <a:bodyPr/>
-          <a:lstStyle/>
-          <a:p>
-            <a:r>
-              <a:rPr lang="en-US" dirty="0" smtClean="0"/>
-              <a:t>CMUCam3 Program Design</a:t>
+          <a:bodyPr>
+            <a:normAutofit/>
+          </a:bodyPr>
+          <a:lstStyle/>
+          <a:p>
+            <a:r>
+              <a:rPr lang="en-US" dirty="0" smtClean="0"/>
+              <a:t>CMUCam3 Program </a:t>
+            </a:r>
+            <a:r>
+              <a:rPr lang="en-US" dirty="0" smtClean="0"/>
+              <a:t>Design</a:t>
             </a:r>
             <a:endParaRPr lang="en-US" dirty="0"/>
           </a:p>
         </p:txBody>
       </p:sp>
-      <p:sp>
-        <p:nvSpPr>
-          <p:cNvPr id="3" name="Content Placeholder 2"/>
-          <p:cNvSpPr>
-            <a:spLocks noGrp="1"/>
-          </p:cNvSpPr>
+      <p:pic>
+        <p:nvPicPr>
+          <p:cNvPr id="7" name="Content Placeholder 6" descr="Hardware_Code_Pic.jpg"/>
+          <p:cNvPicPr>
+            <a:picLocks noGrp="1" noChangeAspect="1"/>
+          </p:cNvPicPr>
           <p:nvPr>
             <p:ph idx="1"/>
           </p:nvPr>
-        </p:nvSpPr>
-        <p:spPr/>
-        <p:txBody>
-          <a:bodyPr/>
-          <a:lstStyle/>
-          <a:p>
-            <a:endParaRPr lang="en-US" dirty="0"/>
-          </a:p>
-        </p:txBody>
-      </p:sp>
+        </p:nvPicPr>
+        <p:blipFill>
+          <a:blip r:embed="rId2"/>
+          <a:srcRect l="7074" t="4521" r="5732" b="22568"/>
+          <a:stretch>
+            <a:fillRect/>
+          </a:stretch>
+        </p:blipFill>
+        <p:spPr>
+          <a:xfrm>
+            <a:off x="838200" y="1905000"/>
+            <a:ext cx="7467601" cy="4825219"/>
+          </a:xfrm>
+        </p:spPr>
+      </p:pic>
     </p:spTree>
   </p:cSld>
   <p:clrMapOvr>

--- a/trunk/MISC/Final Presentation.pptx
+++ b/trunk/MISC/Final Presentation.pptx
@@ -16,15 +16,15 @@
     <p:sldId id="263" r:id="rId10"/>
     <p:sldId id="264" r:id="rId11"/>
     <p:sldId id="265" r:id="rId12"/>
-    <p:sldId id="283" r:id="rId13"/>
-    <p:sldId id="266" r:id="rId14"/>
-    <p:sldId id="270" r:id="rId15"/>
-    <p:sldId id="271" r:id="rId16"/>
-    <p:sldId id="272" r:id="rId17"/>
-    <p:sldId id="273" r:id="rId18"/>
-    <p:sldId id="274" r:id="rId19"/>
-    <p:sldId id="275" r:id="rId20"/>
-    <p:sldId id="277" r:id="rId21"/>
+    <p:sldId id="266" r:id="rId13"/>
+    <p:sldId id="283" r:id="rId14"/>
+    <p:sldId id="284" r:id="rId15"/>
+    <p:sldId id="272" r:id="rId16"/>
+    <p:sldId id="273" r:id="rId17"/>
+    <p:sldId id="274" r:id="rId18"/>
+    <p:sldId id="275" r:id="rId19"/>
+    <p:sldId id="277" r:id="rId20"/>
+    <p:sldId id="285" r:id="rId21"/>
     <p:sldId id="279" r:id="rId22"/>
     <p:sldId id="280" r:id="rId23"/>
   </p:sldIdLst>
@@ -4109,29 +4109,6 @@
           <a:chExt cx="0" cy="0"/>
         </a:xfrm>
       </p:grpSpPr>
-      <p:sp>
-        <p:nvSpPr>
-          <p:cNvPr id="2" name="Title 1"/>
-          <p:cNvSpPr>
-            <a:spLocks noGrp="1"/>
-          </p:cNvSpPr>
-          <p:nvPr>
-            <p:ph type="title"/>
-          </p:nvPr>
-        </p:nvSpPr>
-        <p:spPr/>
-        <p:txBody>
-          <a:bodyPr/>
-          <a:lstStyle/>
-          <a:p>
-            <a:r>
-              <a:rPr lang="en-US" dirty="0" smtClean="0"/>
-              <a:t>System level Description</a:t>
-            </a:r>
-            <a:endParaRPr lang="en-US" dirty="0"/>
-          </a:p>
-        </p:txBody>
-      </p:sp>
       <p:pic>
         <p:nvPicPr>
           <p:cNvPr id="4" name="Content Placeholder 3" descr="Hardware_SysDes_Pic.jpg"/>
@@ -4150,8 +4127,8 @@
         </p:blipFill>
         <p:spPr>
           <a:xfrm>
-            <a:off x="1731776" y="1935163"/>
-            <a:ext cx="5680448" cy="4389437"/>
+            <a:off x="199465" y="990599"/>
+            <a:ext cx="8745070" cy="5867401"/>
           </a:xfrm>
         </p:spPr>
       </p:pic>
@@ -4264,105 +4241,43 @@
         </p:nvSpPr>
         <p:spPr/>
         <p:txBody>
-          <a:bodyPr/>
-          <a:lstStyle/>
-          <a:p>
-            <a:r>
-              <a:rPr lang="en-US" dirty="0" smtClean="0"/>
-              <a:t>Trigger Settings</a:t>
+          <a:bodyPr>
+            <a:normAutofit/>
+          </a:bodyPr>
+          <a:lstStyle/>
+          <a:p>
+            <a:r>
+              <a:rPr lang="en-US" dirty="0" smtClean="0"/>
+              <a:t>CMUCam3 Program Design</a:t>
             </a:r>
             <a:endParaRPr lang="en-US" dirty="0"/>
           </a:p>
         </p:txBody>
       </p:sp>
-      <p:sp>
-        <p:nvSpPr>
-          <p:cNvPr id="3" name="Content Placeholder 2"/>
-          <p:cNvSpPr>
-            <a:spLocks noGrp="1"/>
-          </p:cNvSpPr>
+      <p:pic>
+        <p:nvPicPr>
+          <p:cNvPr id="7" name="Content Placeholder 6" descr="Hardware_Code_Pic.jpg"/>
+          <p:cNvPicPr>
+            <a:picLocks noGrp="1" noChangeAspect="1"/>
+          </p:cNvPicPr>
           <p:nvPr>
             <p:ph idx="1"/>
           </p:nvPr>
-        </p:nvSpPr>
-        <p:spPr/>
-        <p:txBody>
-          <a:bodyPr>
-            <a:normAutofit fontScale="92500"/>
-          </a:bodyPr>
-          <a:lstStyle/>
-          <a:p>
-            <a:r>
-              <a:rPr lang="en-US" dirty="0" smtClean="0"/>
-              <a:t>Time Delay (Minutes) - The </a:t>
-            </a:r>
-            <a:r>
-              <a:rPr lang="en-US" dirty="0" smtClean="0"/>
-              <a:t>amount of time the camera must wait between each picture </a:t>
-            </a:r>
-            <a:r>
-              <a:rPr lang="en-US" dirty="0" smtClean="0"/>
-              <a:t>taken</a:t>
-            </a:r>
-          </a:p>
-          <a:p>
-            <a:endParaRPr lang="en-US" dirty="0" smtClean="0"/>
-          </a:p>
-          <a:p>
-            <a:r>
-              <a:rPr lang="en-US" dirty="0" smtClean="0"/>
-              <a:t>Minimum Distance - The </a:t>
-            </a:r>
-            <a:r>
-              <a:rPr lang="en-US" dirty="0" smtClean="0"/>
-              <a:t>distance a user must travel before another picture is </a:t>
-            </a:r>
-            <a:r>
-              <a:rPr lang="en-US" dirty="0" smtClean="0"/>
-              <a:t>taken.</a:t>
-            </a:r>
-          </a:p>
-          <a:p>
-            <a:endParaRPr lang="en-US" dirty="0" smtClean="0"/>
-          </a:p>
-          <a:p>
-            <a:r>
-              <a:rPr lang="en-US" dirty="0" smtClean="0"/>
-              <a:t>Scheduler – Times during which pictures should </a:t>
-            </a:r>
-            <a:r>
-              <a:rPr lang="en-US" dirty="0" smtClean="0"/>
-              <a:t>be </a:t>
-            </a:r>
-            <a:r>
-              <a:rPr lang="en-US" dirty="0" smtClean="0"/>
-              <a:t>taken.</a:t>
-            </a:r>
-          </a:p>
-          <a:p>
-            <a:endParaRPr lang="en-US" dirty="0" smtClean="0"/>
-          </a:p>
-          <a:p>
-            <a:r>
-              <a:rPr lang="en-US" dirty="0" smtClean="0"/>
-              <a:t>Location Halo - The center and radius of a halo </a:t>
-            </a:r>
-            <a:r>
-              <a:rPr lang="en-US" dirty="0" smtClean="0"/>
-              <a:t>where </a:t>
-            </a:r>
-            <a:r>
-              <a:rPr lang="en-US" dirty="0" smtClean="0"/>
-              <a:t>pictures must </a:t>
-            </a:r>
-            <a:r>
-              <a:rPr lang="en-US" dirty="0" smtClean="0"/>
-              <a:t>be taken.</a:t>
-            </a:r>
-            <a:endParaRPr lang="en-US" dirty="0"/>
-          </a:p>
-        </p:txBody>
-      </p:sp>
+        </p:nvPicPr>
+        <p:blipFill>
+          <a:blip r:embed="rId2"/>
+          <a:srcRect l="7074" t="4521" r="5732" b="22568"/>
+          <a:stretch>
+            <a:fillRect/>
+          </a:stretch>
+        </p:blipFill>
+        <p:spPr>
+          <a:xfrm>
+            <a:off x="838200" y="1905000"/>
+            <a:ext cx="7467601" cy="4825219"/>
+          </a:xfrm>
+        </p:spPr>
+      </p:pic>
     </p:spTree>
   </p:cSld>
   <p:clrMapOvr>
@@ -4400,47 +4315,69 @@
         </p:nvSpPr>
         <p:spPr/>
         <p:txBody>
+          <a:bodyPr/>
+          <a:lstStyle/>
+          <a:p>
+            <a:r>
+              <a:rPr lang="en-US" dirty="0" smtClean="0"/>
+              <a:t>Trigger Settings</a:t>
+            </a:r>
+            <a:endParaRPr lang="en-US" dirty="0"/>
+          </a:p>
+        </p:txBody>
+      </p:sp>
+      <p:sp>
+        <p:nvSpPr>
+          <p:cNvPr id="3" name="Content Placeholder 2"/>
+          <p:cNvSpPr>
+            <a:spLocks noGrp="1"/>
+          </p:cNvSpPr>
+          <p:nvPr>
+            <p:ph idx="1"/>
+          </p:nvPr>
+        </p:nvSpPr>
+        <p:spPr/>
+        <p:txBody>
           <a:bodyPr>
-            <a:normAutofit/>
+            <a:normAutofit fontScale="92500"/>
           </a:bodyPr>
           <a:lstStyle/>
           <a:p>
             <a:r>
               <a:rPr lang="en-US" dirty="0" smtClean="0"/>
-              <a:t>CMUCam3 Program </a:t>
-            </a:r>
-            <a:r>
-              <a:rPr lang="en-US" dirty="0" smtClean="0"/>
-              <a:t>Design</a:t>
+              <a:t>Time Delay (Minutes) - The amount of time the camera must wait between each picture taken</a:t>
+            </a:r>
+          </a:p>
+          <a:p>
+            <a:endParaRPr lang="en-US" dirty="0" smtClean="0"/>
+          </a:p>
+          <a:p>
+            <a:r>
+              <a:rPr lang="en-US" dirty="0" smtClean="0"/>
+              <a:t>Minimum Distance - The distance a user must travel before another picture is taken.</a:t>
+            </a:r>
+          </a:p>
+          <a:p>
+            <a:endParaRPr lang="en-US" dirty="0" smtClean="0"/>
+          </a:p>
+          <a:p>
+            <a:r>
+              <a:rPr lang="en-US" dirty="0" smtClean="0"/>
+              <a:t>Scheduler – Times during which pictures should be taken.</a:t>
+            </a:r>
+          </a:p>
+          <a:p>
+            <a:endParaRPr lang="en-US" dirty="0" smtClean="0"/>
+          </a:p>
+          <a:p>
+            <a:r>
+              <a:rPr lang="en-US" dirty="0" smtClean="0"/>
+              <a:t>Location Halo - The center and radius of a halo where pictures must be taken.</a:t>
             </a:r>
             <a:endParaRPr lang="en-US" dirty="0"/>
           </a:p>
         </p:txBody>
       </p:sp>
-      <p:pic>
-        <p:nvPicPr>
-          <p:cNvPr id="7" name="Content Placeholder 6" descr="Hardware_Code_Pic.jpg"/>
-          <p:cNvPicPr>
-            <a:picLocks noGrp="1" noChangeAspect="1"/>
-          </p:cNvPicPr>
-          <p:nvPr>
-            <p:ph idx="1"/>
-          </p:nvPr>
-        </p:nvPicPr>
-        <p:blipFill>
-          <a:blip r:embed="rId2"/>
-          <a:srcRect l="7074" t="4521" r="5732" b="22568"/>
-          <a:stretch>
-            <a:fillRect/>
-          </a:stretch>
-        </p:blipFill>
-        <p:spPr>
-          <a:xfrm>
-            <a:off x="838200" y="1905000"/>
-            <a:ext cx="7467601" cy="4825219"/>
-          </a:xfrm>
-        </p:spPr>
-      </p:pic>
     </p:spTree>
   </p:cSld>
   <p:clrMapOvr>
@@ -4483,35 +4420,31 @@
           <a:p>
             <a:r>
               <a:rPr lang="en-US" dirty="0" smtClean="0"/>
-              <a:t>Software Design</a:t>
+              <a:t>Software Demo</a:t>
             </a:r>
             <a:endParaRPr lang="en-US" dirty="0"/>
           </a:p>
         </p:txBody>
       </p:sp>
-      <p:pic>
-        <p:nvPicPr>
-          <p:cNvPr id="4" name="Content Placeholder 3" descr="reliveMain FINAL.png"/>
-          <p:cNvPicPr>
-            <a:picLocks noGrp="1" noChangeAspect="1"/>
-          </p:cNvPicPr>
+      <p:sp>
+        <p:nvSpPr>
+          <p:cNvPr id="3" name="Content Placeholder 2"/>
+          <p:cNvSpPr>
+            <a:spLocks noGrp="1"/>
+          </p:cNvSpPr>
           <p:nvPr>
             <p:ph idx="1"/>
           </p:nvPr>
-        </p:nvPicPr>
-        <p:blipFill>
-          <a:blip r:embed="rId2"/>
-          <a:stretch>
-            <a:fillRect/>
-          </a:stretch>
-        </p:blipFill>
-        <p:spPr>
-          <a:xfrm>
-            <a:off x="1264357" y="1935163"/>
-            <a:ext cx="6615286" cy="4389437"/>
-          </a:xfrm>
-        </p:spPr>
-      </p:pic>
+        </p:nvSpPr>
+        <p:spPr/>
+        <p:txBody>
+          <a:bodyPr/>
+          <a:lstStyle/>
+          <a:p>
+            <a:endParaRPr lang="en-US"/>
+          </a:p>
+        </p:txBody>
+      </p:sp>
     </p:spTree>
   </p:cSld>
   <p:clrMapOvr>
@@ -4554,35 +4487,106 @@
           <a:p>
             <a:r>
               <a:rPr lang="en-US" dirty="0" smtClean="0"/>
-              <a:t>Software Design</a:t>
+              <a:t>Team Management</a:t>
             </a:r>
             <a:endParaRPr lang="en-US" dirty="0"/>
           </a:p>
         </p:txBody>
       </p:sp>
-      <p:pic>
-        <p:nvPicPr>
-          <p:cNvPr id="4" name="Content Placeholder 3" descr="reliveMain config FINAL.png"/>
-          <p:cNvPicPr>
-            <a:picLocks noGrp="1" noChangeAspect="1"/>
-          </p:cNvPicPr>
+      <p:sp>
+        <p:nvSpPr>
+          <p:cNvPr id="3" name="Content Placeholder 2"/>
+          <p:cNvSpPr>
+            <a:spLocks noGrp="1"/>
+          </p:cNvSpPr>
           <p:nvPr>
             <p:ph idx="1"/>
           </p:nvPr>
-        </p:nvPicPr>
-        <p:blipFill>
-          <a:blip r:embed="rId2"/>
-          <a:stretch>
-            <a:fillRect/>
-          </a:stretch>
-        </p:blipFill>
-        <p:spPr>
-          <a:xfrm>
-            <a:off x="1264357" y="1935163"/>
-            <a:ext cx="6615286" cy="4389437"/>
-          </a:xfrm>
-        </p:spPr>
-      </p:pic>
+        </p:nvSpPr>
+        <p:spPr/>
+        <p:txBody>
+          <a:bodyPr>
+            <a:normAutofit fontScale="92500" lnSpcReduction="10000"/>
+          </a:bodyPr>
+          <a:lstStyle/>
+          <a:p>
+            <a:r>
+              <a:rPr lang="en-US" dirty="0" smtClean="0"/>
+              <a:t>David Moreno</a:t>
+            </a:r>
+          </a:p>
+          <a:p>
+            <a:pPr lvl="1"/>
+            <a:r>
+              <a:rPr lang="en-US" dirty="0" smtClean="0"/>
+              <a:t>Hardware and CMUCam3 operations</a:t>
+            </a:r>
+          </a:p>
+          <a:p>
+            <a:pPr lvl="1"/>
+            <a:r>
+              <a:rPr lang="en-US" dirty="0" smtClean="0"/>
+              <a:t>Purchasing</a:t>
+            </a:r>
+          </a:p>
+          <a:p>
+            <a:r>
+              <a:rPr lang="en-US" dirty="0" smtClean="0"/>
+              <a:t>Mario Raushel</a:t>
+            </a:r>
+          </a:p>
+          <a:p>
+            <a:pPr lvl="1"/>
+            <a:r>
+              <a:rPr lang="en-US" dirty="0" smtClean="0"/>
+              <a:t>Software design and implementation</a:t>
+            </a:r>
+          </a:p>
+          <a:p>
+            <a:r>
+              <a:rPr lang="en-US" dirty="0" smtClean="0"/>
+              <a:t>Terence Sin</a:t>
+            </a:r>
+          </a:p>
+          <a:p>
+            <a:pPr lvl="1"/>
+            <a:r>
+              <a:rPr lang="en-US" dirty="0" smtClean="0"/>
+              <a:t>Software and hardware interaction design</a:t>
+            </a:r>
+          </a:p>
+          <a:p>
+            <a:r>
+              <a:rPr lang="en-US" dirty="0" smtClean="0"/>
+              <a:t>Caleb Wells</a:t>
+            </a:r>
+          </a:p>
+          <a:p>
+            <a:pPr lvl="1"/>
+            <a:r>
+              <a:rPr lang="en-US" dirty="0" smtClean="0"/>
+              <a:t>Leader</a:t>
+            </a:r>
+          </a:p>
+          <a:p>
+            <a:pPr lvl="1"/>
+            <a:r>
+              <a:rPr lang="en-US" dirty="0" smtClean="0"/>
+              <a:t>Hardware and GPS operations</a:t>
+            </a:r>
+          </a:p>
+          <a:p>
+            <a:pPr lvl="1"/>
+            <a:r>
+              <a:rPr lang="en-US" dirty="0" smtClean="0"/>
+              <a:t>Enclosure Design</a:t>
+            </a:r>
+          </a:p>
+          <a:p>
+            <a:endParaRPr lang="en-US" dirty="0"/>
+          </a:p>
+        </p:txBody>
+      </p:sp>
     </p:spTree>
   </p:cSld>
   <p:clrMapOvr>
@@ -4610,141 +4614,6 @@
       </p:grpSpPr>
       <p:sp>
         <p:nvSpPr>
-          <p:cNvPr id="2" name="Title 1"/>
-          <p:cNvSpPr>
-            <a:spLocks noGrp="1"/>
-          </p:cNvSpPr>
-          <p:nvPr>
-            <p:ph type="title"/>
-          </p:nvPr>
-        </p:nvSpPr>
-        <p:spPr/>
-        <p:txBody>
-          <a:bodyPr/>
-          <a:lstStyle/>
-          <a:p>
-            <a:r>
-              <a:rPr lang="en-US" dirty="0" smtClean="0"/>
-              <a:t>Team Management</a:t>
-            </a:r>
-            <a:endParaRPr lang="en-US" dirty="0"/>
-          </a:p>
-        </p:txBody>
-      </p:sp>
-      <p:sp>
-        <p:nvSpPr>
-          <p:cNvPr id="3" name="Content Placeholder 2"/>
-          <p:cNvSpPr>
-            <a:spLocks noGrp="1"/>
-          </p:cNvSpPr>
-          <p:nvPr>
-            <p:ph idx="1"/>
-          </p:nvPr>
-        </p:nvSpPr>
-        <p:spPr/>
-        <p:txBody>
-          <a:bodyPr>
-            <a:normAutofit lnSpcReduction="10000"/>
-          </a:bodyPr>
-          <a:lstStyle/>
-          <a:p>
-            <a:r>
-              <a:rPr lang="en-US" dirty="0" smtClean="0"/>
-              <a:t>David Moreno</a:t>
-            </a:r>
-          </a:p>
-          <a:p>
-            <a:pPr lvl="1"/>
-            <a:r>
-              <a:rPr lang="en-US" dirty="0" smtClean="0"/>
-              <a:t>Hardware and CMUCam3 operations</a:t>
-            </a:r>
-          </a:p>
-          <a:p>
-            <a:pPr lvl="1"/>
-            <a:r>
-              <a:rPr lang="en-US" dirty="0" smtClean="0"/>
-              <a:t>Purchasing</a:t>
-            </a:r>
-          </a:p>
-          <a:p>
-            <a:r>
-              <a:rPr lang="en-US" dirty="0" smtClean="0"/>
-              <a:t>Mario Raushel</a:t>
-            </a:r>
-          </a:p>
-          <a:p>
-            <a:pPr lvl="1"/>
-            <a:r>
-              <a:rPr lang="en-US" dirty="0" smtClean="0"/>
-              <a:t>Software design and implementation</a:t>
-            </a:r>
-          </a:p>
-          <a:p>
-            <a:r>
-              <a:rPr lang="en-US" dirty="0" smtClean="0"/>
-              <a:t>Terence Sin</a:t>
-            </a:r>
-          </a:p>
-          <a:p>
-            <a:pPr lvl="1"/>
-            <a:r>
-              <a:rPr lang="en-US" dirty="0" smtClean="0"/>
-              <a:t>Software and hardware interaction design</a:t>
-            </a:r>
-          </a:p>
-          <a:p>
-            <a:r>
-              <a:rPr lang="en-US" dirty="0" smtClean="0"/>
-              <a:t>Caleb Wells</a:t>
-            </a:r>
-          </a:p>
-          <a:p>
-            <a:pPr lvl="1"/>
-            <a:r>
-              <a:rPr lang="en-US" dirty="0" smtClean="0"/>
-              <a:t>Leader</a:t>
-            </a:r>
-          </a:p>
-          <a:p>
-            <a:pPr lvl="1"/>
-            <a:r>
-              <a:rPr lang="en-US" dirty="0" smtClean="0"/>
-              <a:t>Hardware and GPS operations</a:t>
-            </a:r>
-          </a:p>
-          <a:p>
-            <a:endParaRPr lang="en-US" dirty="0"/>
-          </a:p>
-        </p:txBody>
-      </p:sp>
-    </p:spTree>
-  </p:cSld>
-  <p:clrMapOvr>
-    <a:masterClrMapping/>
-  </p:clrMapOvr>
-</p:sld>
-</file>
-
-<file path=ppt/slides/slide17.xml><?xml version="1.0" encoding="utf-8"?>
-<p:sld xmlns:a="http://schemas.openxmlformats.org/drawingml/2006/main" xmlns:r="http://schemas.openxmlformats.org/officeDocument/2006/relationships" xmlns:p="http://schemas.openxmlformats.org/presentationml/2006/main">
-  <p:cSld>
-    <p:spTree>
-      <p:nvGrpSpPr>
-        <p:cNvPr id="1" name=""/>
-        <p:cNvGrpSpPr/>
-        <p:nvPr/>
-      </p:nvGrpSpPr>
-      <p:grpSpPr>
-        <a:xfrm>
-          <a:off x="0" y="0"/>
-          <a:ext cx="0" cy="0"/>
-          <a:chOff x="0" y="0"/>
-          <a:chExt cx="0" cy="0"/>
-        </a:xfrm>
-      </p:grpSpPr>
-      <p:sp>
-        <p:nvSpPr>
           <p:cNvPr id="4" name="Rectangle 2"/>
           <p:cNvSpPr>
             <a:spLocks noGrp="1"/>
@@ -4851,6 +4720,10 @@
               <a:defRPr/>
             </a:pPr>
             <a:r>
+              <a:rPr lang="en-US" sz="2600" dirty="0" smtClean="0"/>
+              <a:t>Bi-weekly </a:t>
+            </a:r>
+            <a:r>
               <a:rPr kumimoji="0" lang="en-US" sz="2600" b="0" i="0" u="none" strike="noStrike" kern="1200" cap="none" spc="0" normalizeH="0" baseline="0" noProof="0" dirty="0" smtClean="0">
                 <a:ln>
                   <a:noFill/>
@@ -4865,7 +4738,7 @@
                 <a:ea typeface="+mn-ea"/>
                 <a:cs typeface="+mn-cs"/>
               </a:rPr>
-              <a:t>Constant email communication providing individual progress reports</a:t>
+              <a:t>email communication providing individual progress reports</a:t>
             </a:r>
           </a:p>
           <a:p>
@@ -5007,7 +4880,7 @@
 </p:sld>
 </file>
 
-<file path=ppt/slides/slide18.xml><?xml version="1.0" encoding="utf-8"?>
+<file path=ppt/slides/slide17.xml><?xml version="1.0" encoding="utf-8"?>
 <p:sld xmlns:a="http://schemas.openxmlformats.org/drawingml/2006/main" xmlns:r="http://schemas.openxmlformats.org/officeDocument/2006/relationships" xmlns:p="http://schemas.openxmlformats.org/presentationml/2006/main">
   <p:cSld>
     <p:spTree>
@@ -5072,7 +4945,7 @@
         </p:spPr>
         <p:txBody>
           <a:bodyPr vert="horz">
-            <a:normAutofit/>
+            <a:normAutofit lnSpcReduction="10000"/>
           </a:bodyPr>
           <a:lstStyle/>
           <a:p>
@@ -5096,7 +4969,7 @@
               <a:defRPr/>
             </a:pPr>
             <a:r>
-              <a:rPr kumimoji="0" lang="en-US" sz="2200" b="0" i="0" u="none" strike="noStrike" kern="1200" cap="none" spc="0" normalizeH="0" baseline="0" noProof="0" smtClean="0">
+              <a:rPr kumimoji="0" lang="en-US" sz="2200" b="0" i="0" u="none" strike="noStrike" kern="1200" cap="none" spc="0" normalizeH="0" baseline="0" noProof="0" dirty="0" smtClean="0">
                 <a:ln>
                   <a:noFill/>
                 </a:ln>
@@ -5134,7 +5007,7 @@
               <a:defRPr/>
             </a:pPr>
             <a:r>
-              <a:rPr kumimoji="0" lang="en-US" sz="2000" b="0" i="0" u="none" strike="noStrike" kern="1200" cap="none" spc="0" normalizeH="0" baseline="0" noProof="0" smtClean="0">
+              <a:rPr kumimoji="0" lang="en-US" sz="2000" b="0" i="0" u="none" strike="noStrike" kern="1200" cap="none" spc="0" normalizeH="0" baseline="0" noProof="0" dirty="0" smtClean="0">
                 <a:ln>
                   <a:noFill/>
                 </a:ln>
@@ -5172,7 +5045,7 @@
               <a:defRPr/>
             </a:pPr>
             <a:r>
-              <a:rPr kumimoji="0" lang="en-US" sz="2200" b="0" i="0" u="none" strike="noStrike" kern="1200" cap="none" spc="0" normalizeH="0" baseline="0" noProof="0" smtClean="0">
+              <a:rPr kumimoji="0" lang="en-US" sz="2200" b="0" i="0" u="none" strike="noStrike" kern="1200" cap="none" spc="0" normalizeH="0" baseline="0" noProof="0" dirty="0" smtClean="0">
                 <a:ln>
                   <a:noFill/>
                 </a:ln>
@@ -5210,7 +5083,7 @@
               <a:defRPr/>
             </a:pPr>
             <a:r>
-              <a:rPr kumimoji="0" lang="en-US" sz="2000" b="0" i="0" u="none" strike="noStrike" kern="1200" cap="none" spc="0" normalizeH="0" baseline="0" noProof="0" smtClean="0">
+              <a:rPr kumimoji="0" lang="en-US" sz="2000" b="0" i="0" u="none" strike="noStrike" kern="1200" cap="none" spc="0" normalizeH="0" baseline="0" noProof="0" dirty="0" smtClean="0">
                 <a:ln>
                   <a:noFill/>
                 </a:ln>
@@ -5224,8 +5097,76 @@
                 <a:ea typeface="+mn-ea"/>
                 <a:cs typeface="+mn-cs"/>
               </a:rPr>
-              <a:t>One of our key objectives is to create a camera unit that will not cause any harm to the user</a:t>
-            </a:r>
+              <a:t>Used non-conductive</a:t>
+            </a:r>
+            <a:r>
+              <a:rPr kumimoji="0" lang="en-US" sz="2000" b="0" i="0" u="none" strike="noStrike" kern="1200" cap="none" spc="0" normalizeH="0" noProof="0" dirty="0" smtClean="0">
+                <a:ln>
+                  <a:noFill/>
+                </a:ln>
+                <a:solidFill>
+                  <a:schemeClr val="tx1"/>
+                </a:solidFill>
+                <a:effectLst/>
+                <a:uLnTx/>
+                <a:uFillTx/>
+                <a:latin typeface="+mn-lt"/>
+                <a:ea typeface="+mn-ea"/>
+                <a:cs typeface="+mn-cs"/>
+              </a:rPr>
+              <a:t> enclosure</a:t>
+            </a:r>
+          </a:p>
+          <a:p>
+            <a:pPr marL="640080" marR="0" lvl="1" indent="-246888" algn="l" defTabSz="914400" rtl="0" eaLnBrk="1" fontAlgn="auto" latinLnBrk="0" hangingPunct="1">
+              <a:lnSpc>
+                <a:spcPct val="100000"/>
+              </a:lnSpc>
+              <a:spcBef>
+                <a:spcPct val="20000"/>
+              </a:spcBef>
+              <a:spcAft>
+                <a:spcPts val="0"/>
+              </a:spcAft>
+              <a:buClr>
+                <a:schemeClr val="accent1"/>
+              </a:buClr>
+              <a:buSzPct val="85000"/>
+              <a:buFont typeface="Wingdings 2"/>
+              <a:buChar char=""/>
+              <a:tabLst/>
+              <a:defRPr/>
+            </a:pPr>
+            <a:r>
+              <a:rPr lang="en-US" sz="2000" baseline="0" dirty="0" smtClean="0"/>
+              <a:t>Used</a:t>
+            </a:r>
+            <a:r>
+              <a:rPr lang="en-US" sz="2000" dirty="0" smtClean="0"/>
+              <a:t> </a:t>
+            </a:r>
+            <a:r>
+              <a:rPr lang="en-US" sz="2000" dirty="0" err="1" smtClean="0"/>
+              <a:t>NiMH</a:t>
+            </a:r>
+            <a:r>
+              <a:rPr lang="en-US" sz="2000" dirty="0" smtClean="0"/>
+              <a:t> batteries instead of Li-ION</a:t>
+            </a:r>
+            <a:endParaRPr kumimoji="0" lang="en-US" sz="2000" b="0" i="0" u="none" strike="noStrike" kern="1200" cap="none" spc="0" normalizeH="0" baseline="0" noProof="0" dirty="0" smtClean="0">
+              <a:ln>
+                <a:noFill/>
+              </a:ln>
+              <a:solidFill>
+                <a:schemeClr val="tx1"/>
+              </a:solidFill>
+              <a:effectLst/>
+              <a:uLnTx/>
+              <a:uFillTx/>
+              <a:latin typeface="+mn-lt"/>
+              <a:ea typeface="+mn-ea"/>
+              <a:cs typeface="+mn-cs"/>
+            </a:endParaRPr>
           </a:p>
           <a:p>
             <a:pPr marL="274320" marR="0" lvl="0" indent="-274320" algn="l" defTabSz="914400" rtl="0" eaLnBrk="1" fontAlgn="auto" latinLnBrk="0" hangingPunct="1">
@@ -5248,7 +5189,7 @@
               <a:defRPr/>
             </a:pPr>
             <a:r>
-              <a:rPr kumimoji="0" lang="en-US" sz="2200" b="0" i="0" u="none" strike="noStrike" kern="1200" cap="none" spc="0" normalizeH="0" baseline="0" noProof="0" smtClean="0">
+              <a:rPr kumimoji="0" lang="en-US" sz="2200" b="0" i="0" u="none" strike="noStrike" kern="1200" cap="none" spc="0" normalizeH="0" baseline="0" noProof="0" dirty="0" smtClean="0">
                 <a:ln>
                   <a:noFill/>
                 </a:ln>
@@ -5286,22 +5227,23 @@
               <a:defRPr/>
             </a:pPr>
             <a:r>
-              <a:rPr kumimoji="0" lang="en-US" sz="2000" b="0" i="0" u="none" strike="noStrike" kern="1200" cap="none" spc="0" normalizeH="0" baseline="0" noProof="0" smtClean="0">
-                <a:ln>
-                  <a:noFill/>
-                </a:ln>
-                <a:solidFill>
-                  <a:schemeClr val="tx1"/>
-                </a:solidFill>
-                <a:effectLst/>
-                <a:uLnTx/>
-                <a:uFillTx/>
-                <a:latin typeface="+mn-lt"/>
-                <a:ea typeface="+mn-ea"/>
-                <a:cs typeface="+mn-cs"/>
-              </a:rPr>
-              <a:t>Upon purchase user must agree it will not be used for malicious reasons.</a:t>
-            </a:r>
+              <a:rPr lang="en-US" sz="2000" dirty="0" smtClean="0"/>
+              <a:t>Each time the software is run, the user must agree not to use the device for malicious or illegal reasons.</a:t>
+            </a:r>
+            <a:endParaRPr kumimoji="0" lang="en-US" sz="2000" b="0" i="0" u="none" strike="noStrike" kern="1200" cap="none" spc="0" normalizeH="0" baseline="0" noProof="0" dirty="0" smtClean="0">
+              <a:ln>
+                <a:noFill/>
+              </a:ln>
+              <a:solidFill>
+                <a:schemeClr val="tx1"/>
+              </a:solidFill>
+              <a:effectLst/>
+              <a:uLnTx/>
+              <a:uFillTx/>
+              <a:latin typeface="+mn-lt"/>
+              <a:ea typeface="+mn-ea"/>
+              <a:cs typeface="+mn-cs"/>
+            </a:endParaRPr>
           </a:p>
           <a:p>
             <a:pPr marL="274320" marR="0" lvl="0" indent="-274320" algn="l" defTabSz="914400" rtl="0" eaLnBrk="1" fontAlgn="auto" latinLnBrk="0" hangingPunct="1">
@@ -5324,7 +5266,7 @@
               <a:defRPr/>
             </a:pPr>
             <a:r>
-              <a:rPr kumimoji="0" lang="en-US" sz="2200" b="0" i="0" u="none" strike="noStrike" kern="1200" cap="none" spc="0" normalizeH="0" baseline="0" noProof="0" smtClean="0">
+              <a:rPr kumimoji="0" lang="en-US" sz="2200" b="0" i="0" u="none" strike="noStrike" kern="1200" cap="none" spc="0" normalizeH="0" baseline="0" noProof="0" dirty="0" smtClean="0">
                 <a:ln>
                   <a:noFill/>
                 </a:ln>
@@ -5362,7 +5304,7 @@
               <a:defRPr/>
             </a:pPr>
             <a:r>
-              <a:rPr kumimoji="0" lang="en-US" sz="2000" b="0" i="0" u="none" strike="noStrike" kern="1200" cap="none" spc="0" normalizeH="0" baseline="0" noProof="0" smtClean="0">
+              <a:rPr kumimoji="0" lang="en-US" sz="2000" b="0" i="0" u="none" strike="noStrike" kern="1200" cap="none" spc="0" normalizeH="0" baseline="0" noProof="0" dirty="0" smtClean="0">
                 <a:ln>
                   <a:noFill/>
                 </a:ln>
@@ -5376,7 +5318,28 @@
                 <a:ea typeface="+mn-ea"/>
                 <a:cs typeface="+mn-cs"/>
               </a:rPr>
-              <a:t>Will be supplied with rechargeable batteries</a:t>
+              <a:t>Will be supplied with rechargeable </a:t>
+            </a:r>
+            <a:r>
+              <a:rPr lang="en-US" sz="2000" noProof="0" dirty="0" smtClean="0"/>
+              <a:t>, recyclable </a:t>
+            </a:r>
+            <a:r>
+              <a:rPr kumimoji="0" lang="en-US" sz="2000" b="0" i="0" u="none" strike="noStrike" kern="1200" cap="none" spc="0" normalizeH="0" baseline="0" noProof="0" dirty="0" smtClean="0">
+                <a:ln>
+                  <a:noFill/>
+                </a:ln>
+                <a:solidFill>
+                  <a:schemeClr val="tx1"/>
+                </a:solidFill>
+                <a:effectLst/>
+                <a:uLnTx/>
+                <a:uFillTx/>
+                <a:latin typeface="+mn-lt"/>
+                <a:ea typeface="+mn-ea"/>
+                <a:cs typeface="+mn-cs"/>
+              </a:rPr>
+              <a:t>batteries</a:t>
             </a:r>
           </a:p>
           <a:p>
@@ -5400,7 +5363,7 @@
               <a:defRPr/>
             </a:pPr>
             <a:r>
-              <a:rPr kumimoji="0" lang="en-US" sz="2000" b="0" i="0" u="none" strike="noStrike" kern="1200" cap="none" spc="0" normalizeH="0" baseline="0" noProof="0" smtClean="0">
+              <a:rPr kumimoji="0" lang="en-US" sz="2000" b="0" i="0" u="none" strike="noStrike" kern="1200" cap="none" spc="0" normalizeH="0" baseline="0" noProof="0" dirty="0" smtClean="0">
                 <a:ln>
                   <a:noFill/>
                 </a:ln>
@@ -5416,20 +5379,6 @@
               </a:rPr>
               <a:t>Lead free device</a:t>
             </a:r>
-            <a:endParaRPr kumimoji="0" lang="en-US" sz="2000" b="0" i="0" u="none" strike="noStrike" kern="1200" cap="none" spc="0" normalizeH="0" baseline="0" noProof="0" dirty="0" smtClean="0">
-              <a:ln>
-                <a:noFill/>
-              </a:ln>
-              <a:solidFill>
-                <a:schemeClr val="tx1"/>
-              </a:solidFill>
-              <a:effectLst/>
-              <a:uLnTx/>
-              <a:uFillTx/>
-              <a:latin typeface="+mn-lt"/>
-              <a:ea typeface="+mn-ea"/>
-              <a:cs typeface="+mn-cs"/>
-            </a:endParaRPr>
           </a:p>
         </p:txBody>
       </p:sp>
@@ -5467,6 +5416,142 @@
 </p:sld>
 </file>
 
+<file path=ppt/slides/slide18.xml><?xml version="1.0" encoding="utf-8"?>
+<p:sld xmlns:a="http://schemas.openxmlformats.org/drawingml/2006/main" xmlns:r="http://schemas.openxmlformats.org/officeDocument/2006/relationships" xmlns:p="http://schemas.openxmlformats.org/presentationml/2006/main">
+  <p:cSld>
+    <p:spTree>
+      <p:nvGrpSpPr>
+        <p:cNvPr id="1" name=""/>
+        <p:cNvGrpSpPr/>
+        <p:nvPr/>
+      </p:nvGrpSpPr>
+      <p:grpSpPr>
+        <a:xfrm>
+          <a:off x="0" y="0"/>
+          <a:ext cx="0" cy="0"/>
+          <a:chOff x="0" y="0"/>
+          <a:chExt cx="0" cy="0"/>
+        </a:xfrm>
+      </p:grpSpPr>
+      <p:sp>
+        <p:nvSpPr>
+          <p:cNvPr id="2" name="Title 1"/>
+          <p:cNvSpPr>
+            <a:spLocks noGrp="1"/>
+          </p:cNvSpPr>
+          <p:nvPr>
+            <p:ph type="title"/>
+          </p:nvPr>
+        </p:nvSpPr>
+        <p:spPr/>
+        <p:txBody>
+          <a:bodyPr>
+            <a:normAutofit fontScale="90000"/>
+          </a:bodyPr>
+          <a:lstStyle/>
+          <a:p>
+            <a:r>
+              <a:rPr lang="en-US" dirty="0" smtClean="0"/>
+              <a:t>Manufacturability, Sustainability and Economics</a:t>
+            </a:r>
+            <a:endParaRPr lang="en-US" dirty="0"/>
+          </a:p>
+        </p:txBody>
+      </p:sp>
+      <p:sp>
+        <p:nvSpPr>
+          <p:cNvPr id="3" name="Content Placeholder 2"/>
+          <p:cNvSpPr>
+            <a:spLocks noGrp="1"/>
+          </p:cNvSpPr>
+          <p:nvPr>
+            <p:ph idx="1"/>
+          </p:nvPr>
+        </p:nvSpPr>
+        <p:spPr/>
+        <p:txBody>
+          <a:bodyPr>
+            <a:normAutofit lnSpcReduction="10000"/>
+          </a:bodyPr>
+          <a:lstStyle/>
+          <a:p>
+            <a:r>
+              <a:rPr lang="en-US" dirty="0" smtClean="0"/>
+              <a:t>Manufacturability</a:t>
+            </a:r>
+          </a:p>
+          <a:p>
+            <a:pPr lvl="1"/>
+            <a:r>
+              <a:rPr lang="en-US" dirty="0" smtClean="0"/>
+              <a:t>Hardware easily mass produced</a:t>
+            </a:r>
+          </a:p>
+          <a:p>
+            <a:pPr lvl="1"/>
+            <a:r>
+              <a:rPr lang="en-US" dirty="0" smtClean="0"/>
+              <a:t>Software easily distributed</a:t>
+            </a:r>
+          </a:p>
+          <a:p>
+            <a:pPr lvl="1"/>
+            <a:r>
+              <a:rPr lang="en-US" dirty="0" smtClean="0"/>
+              <a:t>Programmed on CMUcam3</a:t>
+            </a:r>
+          </a:p>
+          <a:p>
+            <a:r>
+              <a:rPr lang="en-US" dirty="0" smtClean="0"/>
+              <a:t>Sustainability</a:t>
+            </a:r>
+          </a:p>
+          <a:p>
+            <a:pPr lvl="1"/>
+            <a:r>
+              <a:rPr lang="en-US" dirty="0" smtClean="0"/>
+              <a:t>AA Batteries can be recharged or replaced</a:t>
+            </a:r>
+          </a:p>
+          <a:p>
+            <a:pPr lvl="1"/>
+            <a:r>
+              <a:rPr lang="en-US" dirty="0" smtClean="0"/>
+              <a:t>Information synchronized to both computer and Google</a:t>
+            </a:r>
+          </a:p>
+          <a:p>
+            <a:r>
+              <a:rPr lang="en-US" dirty="0" smtClean="0"/>
+              <a:t>Economics</a:t>
+            </a:r>
+          </a:p>
+          <a:p>
+            <a:pPr lvl="1"/>
+            <a:r>
+              <a:rPr lang="en-US" dirty="0" smtClean="0"/>
+              <a:t>Low bulk material cost</a:t>
+            </a:r>
+          </a:p>
+          <a:p>
+            <a:pPr lvl="1"/>
+            <a:r>
+              <a:rPr lang="en-US" dirty="0" smtClean="0"/>
+              <a:t>CMUcam3 is licensed to distributers</a:t>
+            </a:r>
+            <a:endParaRPr lang="en-US" dirty="0"/>
+          </a:p>
+        </p:txBody>
+      </p:sp>
+    </p:spTree>
+  </p:cSld>
+  <p:clrMapOvr>
+    <a:masterClrMapping/>
+  </p:clrMapOvr>
+</p:sld>
+</file>
+
 <file path=ppt/slides/slide19.xml><?xml version="1.0" encoding="utf-8"?>
 <p:sld xmlns:a="http://schemas.openxmlformats.org/drawingml/2006/main" xmlns:r="http://schemas.openxmlformats.org/officeDocument/2006/relationships" xmlns:p="http://schemas.openxmlformats.org/presentationml/2006/main">
   <p:cSld>
@@ -5496,84 +5581,108 @@
         </p:nvSpPr>
         <p:spPr/>
         <p:txBody>
+          <a:bodyPr/>
+          <a:lstStyle/>
+          <a:p>
+            <a:r>
+              <a:rPr lang="en-US" dirty="0" smtClean="0"/>
+              <a:t>Final Product</a:t>
+            </a:r>
+            <a:endParaRPr lang="en-US" dirty="0"/>
+          </a:p>
+        </p:txBody>
+      </p:sp>
+      <p:sp>
+        <p:nvSpPr>
+          <p:cNvPr id="3" name="Content Placeholder 2"/>
+          <p:cNvSpPr>
+            <a:spLocks noGrp="1"/>
+          </p:cNvSpPr>
+          <p:nvPr>
+            <p:ph idx="1"/>
+          </p:nvPr>
+        </p:nvSpPr>
+        <p:spPr/>
+        <p:txBody>
           <a:bodyPr>
-            <a:normAutofit fontScale="90000"/>
+            <a:normAutofit lnSpcReduction="10000"/>
           </a:bodyPr>
           <a:lstStyle/>
           <a:p>
             <a:r>
               <a:rPr lang="en-US" dirty="0" smtClean="0"/>
-              <a:t>Manufacturability, Sustainability and Economics</a:t>
-            </a:r>
-            <a:endParaRPr lang="en-US" dirty="0"/>
-          </a:p>
-        </p:txBody>
-      </p:sp>
-      <p:sp>
-        <p:nvSpPr>
-          <p:cNvPr id="3" name="Content Placeholder 2"/>
-          <p:cNvSpPr>
-            <a:spLocks noGrp="1"/>
-          </p:cNvSpPr>
-          <p:nvPr>
-            <p:ph idx="1"/>
-          </p:nvPr>
-        </p:nvSpPr>
-        <p:spPr/>
-        <p:txBody>
-          <a:bodyPr/>
-          <a:lstStyle/>
-          <a:p>
-            <a:r>
-              <a:rPr lang="en-US" dirty="0" smtClean="0"/>
-              <a:t>Manufacturability</a:t>
+              <a:t>Budget</a:t>
             </a:r>
           </a:p>
           <a:p>
             <a:pPr lvl="1"/>
             <a:r>
               <a:rPr lang="en-US" dirty="0" smtClean="0"/>
-              <a:t>Hardware easily mass produced</a:t>
+              <a:t>CMUcam3 $239.00</a:t>
             </a:r>
           </a:p>
           <a:p>
             <a:pPr lvl="1"/>
             <a:r>
               <a:rPr lang="en-US" dirty="0" smtClean="0"/>
-              <a:t>Software easily distributed</a:t>
-            </a:r>
-          </a:p>
-          <a:p>
-            <a:r>
-              <a:rPr lang="en-US" dirty="0" smtClean="0"/>
-              <a:t>Sustainability</a:t>
+              <a:t>EM-406A </a:t>
+            </a:r>
+            <a:r>
+              <a:rPr lang="en-US" dirty="0" err="1" smtClean="0"/>
+              <a:t>SiRF</a:t>
+            </a:r>
+            <a:r>
+              <a:rPr lang="en-US" dirty="0" smtClean="0"/>
+              <a:t> III GPS Unit $88.24</a:t>
             </a:r>
           </a:p>
           <a:p>
             <a:pPr lvl="1"/>
             <a:r>
               <a:rPr lang="en-US" dirty="0" smtClean="0"/>
-              <a:t>Batteries can be recharged</a:t>
+              <a:t>Enclosure $3.69</a:t>
             </a:r>
           </a:p>
           <a:p>
             <a:pPr lvl="1"/>
             <a:r>
               <a:rPr lang="en-US" dirty="0" smtClean="0"/>
-              <a:t>Information synchronized to both computer and Google</a:t>
-            </a:r>
-          </a:p>
-          <a:p>
-            <a:r>
-              <a:rPr lang="en-US" dirty="0" smtClean="0"/>
-              <a:t>Economics</a:t>
+              <a:t>Battery Pack $1.99</a:t>
             </a:r>
           </a:p>
           <a:p>
             <a:pPr lvl="1"/>
             <a:r>
               <a:rPr lang="en-US" dirty="0" smtClean="0"/>
-              <a:t>Low bulk material cost</a:t>
+              <a:t>4x AA Rechargeable Batteries $10.00</a:t>
+            </a:r>
+          </a:p>
+          <a:p>
+            <a:pPr lvl="1"/>
+            <a:r>
+              <a:rPr lang="en-US" dirty="0" smtClean="0"/>
+              <a:t>Epoxy $3.00</a:t>
+            </a:r>
+          </a:p>
+          <a:p>
+            <a:pPr lvl="1"/>
+            <a:r>
+              <a:rPr lang="en-US" dirty="0" smtClean="0"/>
+              <a:t>Various Connectors $6.00</a:t>
+            </a:r>
+          </a:p>
+          <a:p>
+            <a:pPr lvl="1"/>
+            <a:r>
+              <a:rPr lang="en-US" dirty="0" smtClean="0"/>
+              <a:t>1Gb SD Card $15.00</a:t>
+            </a:r>
+          </a:p>
+          <a:p>
+            <a:pPr lvl="1"/>
+            <a:r>
+              <a:rPr lang="en-US" b="1" dirty="0" smtClean="0"/>
+              <a:t>Total for Unit $366.92</a:t>
             </a:r>
             <a:endParaRPr lang="en-US" dirty="0"/>
           </a:p>
@@ -5688,7 +5797,7 @@
           <a:p>
             <a:r>
               <a:rPr lang="en-US" dirty="0" smtClean="0"/>
-              <a:t>Final Product</a:t>
+              <a:t>Evaluation Results</a:t>
             </a:r>
             <a:endParaRPr lang="en-US" dirty="0"/>
           </a:p>
@@ -5711,13 +5820,25 @@
           <a:p>
             <a:r>
               <a:rPr lang="en-US" dirty="0" smtClean="0"/>
-              <a:t>Budget</a:t>
-            </a:r>
-          </a:p>
-          <a:p>
-            <a:r>
-              <a:rPr lang="en-US" dirty="0" smtClean="0"/>
-              <a:t>Evaluation</a:t>
+              <a:t>Test Runs</a:t>
+            </a:r>
+          </a:p>
+          <a:p>
+            <a:r>
+              <a:rPr lang="en-US" dirty="0" smtClean="0"/>
+              <a:t>Accuracy Test</a:t>
+            </a:r>
+          </a:p>
+          <a:p>
+            <a:r>
+              <a:rPr lang="en-US" dirty="0" smtClean="0"/>
+              <a:t>Battery Life</a:t>
+            </a:r>
+          </a:p>
+          <a:p>
+            <a:r>
+              <a:rPr lang="en-US" dirty="0" smtClean="0"/>
+              <a:t>Usability</a:t>
             </a:r>
             <a:endParaRPr lang="en-US" dirty="0"/>
           </a:p>
@@ -6547,7 +6668,10 @@
           <a:bodyPr/>
           <a:lstStyle/>
           <a:p>
-            <a:endParaRPr lang="en-US" dirty="0"/>
+            <a:r>
+              <a:rPr lang="en-US" dirty="0" smtClean="0"/>
+              <a:t>Final dimensions: 2.75”x2.5”x1.5”</a:t>
+            </a:r>
           </a:p>
         </p:txBody>
       </p:sp>
@@ -6611,8 +6735,24 @@
         </p:nvSpPr>
         <p:spPr/>
         <p:txBody>
-          <a:bodyPr/>
-          <a:lstStyle/>
+          <a:bodyPr>
+            <a:normAutofit lnSpcReduction="10000"/>
+          </a:bodyPr>
+          <a:lstStyle/>
+          <a:p>
+            <a:r>
+              <a:rPr lang="en-US" dirty="0" smtClean="0"/>
+              <a:t>Camera</a:t>
+            </a:r>
+          </a:p>
+          <a:p>
+            <a:pPr lvl="1"/>
+            <a:r>
+              <a:rPr lang="en-US" dirty="0" err="1" smtClean="0"/>
+              <a:t>AVRCam</a:t>
+            </a:r>
+            <a:endParaRPr lang="en-US" dirty="0" smtClean="0"/>
+          </a:p>
           <a:p>
             <a:r>
               <a:rPr lang="en-US" dirty="0" smtClean="0"/>

--- a/trunk/MISC/Final Presentation.pptx
+++ b/trunk/MISC/Final Presentation.pptx
@@ -302,7 +302,7 @@
             <a:fld id="{B0FCC290-3B41-4531-9606-9105D6C109F0}" type="datetimeFigureOut">
               <a:rPr lang="en-US" smtClean="0"/>
               <a:pPr/>
-              <a:t>4/29/2008</a:t>
+              <a:t>4/30/2008</a:t>
             </a:fld>
             <a:endParaRPr lang="en-US"/>
           </a:p>
@@ -469,7 +469,7 @@
             <a:fld id="{B0FCC290-3B41-4531-9606-9105D6C109F0}" type="datetimeFigureOut">
               <a:rPr lang="en-US" smtClean="0"/>
               <a:pPr/>
-              <a:t>4/29/2008</a:t>
+              <a:t>4/30/2008</a:t>
             </a:fld>
             <a:endParaRPr lang="en-US"/>
           </a:p>
@@ -646,7 +646,7 @@
             <a:fld id="{B0FCC290-3B41-4531-9606-9105D6C109F0}" type="datetimeFigureOut">
               <a:rPr lang="en-US" smtClean="0"/>
               <a:pPr/>
-              <a:t>4/29/2008</a:t>
+              <a:t>4/30/2008</a:t>
             </a:fld>
             <a:endParaRPr lang="en-US"/>
           </a:p>
@@ -813,7 +813,7 @@
             <a:fld id="{B0FCC290-3B41-4531-9606-9105D6C109F0}" type="datetimeFigureOut">
               <a:rPr lang="en-US" smtClean="0"/>
               <a:pPr/>
-              <a:t>4/29/2008</a:t>
+              <a:t>4/30/2008</a:t>
             </a:fld>
             <a:endParaRPr lang="en-US"/>
           </a:p>
@@ -1057,7 +1057,7 @@
             <a:fld id="{B0FCC290-3B41-4531-9606-9105D6C109F0}" type="datetimeFigureOut">
               <a:rPr lang="en-US" smtClean="0"/>
               <a:pPr/>
-              <a:t>4/29/2008</a:t>
+              <a:t>4/30/2008</a:t>
             </a:fld>
             <a:endParaRPr lang="en-US"/>
           </a:p>
@@ -1323,7 +1323,7 @@
             <a:fld id="{B0FCC290-3B41-4531-9606-9105D6C109F0}" type="datetimeFigureOut">
               <a:rPr lang="en-US" smtClean="0"/>
               <a:pPr/>
-              <a:t>4/29/2008</a:t>
+              <a:t>4/30/2008</a:t>
             </a:fld>
             <a:endParaRPr lang="en-US"/>
           </a:p>
@@ -1703,7 +1703,7 @@
             <a:fld id="{B0FCC290-3B41-4531-9606-9105D6C109F0}" type="datetimeFigureOut">
               <a:rPr lang="en-US" smtClean="0"/>
               <a:pPr/>
-              <a:t>4/29/2008</a:t>
+              <a:t>4/30/2008</a:t>
             </a:fld>
             <a:endParaRPr lang="en-US"/>
           </a:p>
@@ -1855,7 +1855,7 @@
             <a:fld id="{B0FCC290-3B41-4531-9606-9105D6C109F0}" type="datetimeFigureOut">
               <a:rPr lang="en-US" smtClean="0"/>
               <a:pPr/>
-              <a:t>4/29/2008</a:t>
+              <a:t>4/30/2008</a:t>
             </a:fld>
             <a:endParaRPr lang="en-US"/>
           </a:p>
@@ -1947,7 +1947,7 @@
             <a:fld id="{B0FCC290-3B41-4531-9606-9105D6C109F0}" type="datetimeFigureOut">
               <a:rPr lang="en-US" smtClean="0"/>
               <a:pPr/>
-              <a:t>4/29/2008</a:t>
+              <a:t>4/30/2008</a:t>
             </a:fld>
             <a:endParaRPr lang="en-US"/>
           </a:p>
@@ -2210,7 +2210,7 @@
             <a:fld id="{B0FCC290-3B41-4531-9606-9105D6C109F0}" type="datetimeFigureOut">
               <a:rPr lang="en-US" smtClean="0"/>
               <a:pPr/>
-              <a:t>4/29/2008</a:t>
+              <a:t>4/30/2008</a:t>
             </a:fld>
             <a:endParaRPr lang="en-US"/>
           </a:p>
@@ -2500,7 +2500,7 @@
             <a:fld id="{B0FCC290-3B41-4531-9606-9105D6C109F0}" type="datetimeFigureOut">
               <a:rPr lang="en-US" smtClean="0"/>
               <a:pPr/>
-              <a:t>4/29/2008</a:t>
+              <a:t>4/30/2008</a:t>
             </a:fld>
             <a:endParaRPr lang="en-US"/>
           </a:p>
@@ -3273,7 +3273,7 @@
             <a:fld id="{B0FCC290-3B41-4531-9606-9105D6C109F0}" type="datetimeFigureOut">
               <a:rPr lang="en-US" smtClean="0"/>
               <a:pPr/>
-              <a:t>4/29/2008</a:t>
+              <a:t>4/30/2008</a:t>
             </a:fld>
             <a:endParaRPr lang="en-US"/>
           </a:p>
@@ -4426,25 +4426,29 @@
           </a:p>
         </p:txBody>
       </p:sp>
-      <p:sp>
-        <p:nvSpPr>
-          <p:cNvPr id="3" name="Content Placeholder 2"/>
-          <p:cNvSpPr>
-            <a:spLocks noGrp="1"/>
-          </p:cNvSpPr>
+      <p:pic>
+        <p:nvPicPr>
+          <p:cNvPr id="4" name="Content Placeholder 3" descr="reliveMain FINAL.png"/>
+          <p:cNvPicPr>
+            <a:picLocks noGrp="1" noChangeAspect="1"/>
+          </p:cNvPicPr>
           <p:nvPr>
             <p:ph idx="1"/>
           </p:nvPr>
-        </p:nvSpPr>
-        <p:spPr/>
-        <p:txBody>
-          <a:bodyPr/>
-          <a:lstStyle/>
-          <a:p>
-            <a:endParaRPr lang="en-US"/>
-          </a:p>
-        </p:txBody>
-      </p:sp>
+        </p:nvPicPr>
+        <p:blipFill>
+          <a:blip r:embed="rId2"/>
+          <a:stretch>
+            <a:fillRect/>
+          </a:stretch>
+        </p:blipFill>
+        <p:spPr>
+          <a:xfrm>
+            <a:off x="1264357" y="1935163"/>
+            <a:ext cx="6615286" cy="4389437"/>
+          </a:xfrm>
+        </p:spPr>
+      </p:pic>
     </p:spTree>
   </p:cSld>
   <p:clrMapOvr>
@@ -5751,7 +5755,61 @@
           <a:bodyPr/>
           <a:lstStyle/>
           <a:p>
-            <a:endParaRPr lang="en-US"/>
+            <a:r>
+              <a:rPr lang="en-US" dirty="0" smtClean="0"/>
+              <a:t>Background</a:t>
+            </a:r>
+          </a:p>
+          <a:p>
+            <a:r>
+              <a:rPr lang="en-US" dirty="0" smtClean="0"/>
+              <a:t>Requirements</a:t>
+            </a:r>
+          </a:p>
+          <a:p>
+            <a:r>
+              <a:rPr lang="en-US" dirty="0" smtClean="0"/>
+              <a:t>Design</a:t>
+            </a:r>
+          </a:p>
+          <a:p>
+            <a:r>
+              <a:rPr lang="en-US" dirty="0" smtClean="0"/>
+              <a:t>System</a:t>
+            </a:r>
+          </a:p>
+          <a:p>
+            <a:r>
+              <a:rPr lang="en-US" dirty="0" smtClean="0"/>
+              <a:t>Demonstration</a:t>
+            </a:r>
+          </a:p>
+          <a:p>
+            <a:r>
+              <a:rPr lang="en-US" dirty="0" smtClean="0"/>
+              <a:t>Team Management and Teamwork</a:t>
+            </a:r>
+          </a:p>
+          <a:p>
+            <a:r>
+              <a:rPr lang="en-US" dirty="0" smtClean="0"/>
+              <a:t>Concerns</a:t>
+            </a:r>
+          </a:p>
+          <a:p>
+            <a:r>
+              <a:rPr lang="en-US" dirty="0" smtClean="0"/>
+              <a:t>Final Product</a:t>
+            </a:r>
+          </a:p>
+          <a:p>
+            <a:endParaRPr lang="en-US" dirty="0" smtClean="0"/>
+          </a:p>
+          <a:p>
+            <a:endParaRPr lang="en-US" dirty="0" smtClean="0"/>
+          </a:p>
+          <a:p>
+            <a:endParaRPr lang="en-US" dirty="0"/>
           </a:p>
         </p:txBody>
       </p:sp>
@@ -5907,7 +5965,55 @@
           <a:bodyPr/>
           <a:lstStyle/>
           <a:p>
-            <a:endParaRPr lang="en-US"/>
+            <a:r>
+              <a:rPr lang="en-US" dirty="0" smtClean="0"/>
+              <a:t>Background</a:t>
+            </a:r>
+          </a:p>
+          <a:p>
+            <a:r>
+              <a:rPr lang="en-US" dirty="0" smtClean="0"/>
+              <a:t>Requirements</a:t>
+            </a:r>
+          </a:p>
+          <a:p>
+            <a:r>
+              <a:rPr lang="en-US" dirty="0" smtClean="0"/>
+              <a:t>Design</a:t>
+            </a:r>
+          </a:p>
+          <a:p>
+            <a:r>
+              <a:rPr lang="en-US" dirty="0" smtClean="0"/>
+              <a:t>System</a:t>
+            </a:r>
+          </a:p>
+          <a:p>
+            <a:r>
+              <a:rPr lang="en-US" dirty="0" smtClean="0"/>
+              <a:t>Demonstration</a:t>
+            </a:r>
+          </a:p>
+          <a:p>
+            <a:r>
+              <a:rPr lang="en-US" dirty="0" smtClean="0"/>
+              <a:t>Team Management and Teamwork</a:t>
+            </a:r>
+          </a:p>
+          <a:p>
+            <a:r>
+              <a:rPr lang="en-US" dirty="0" smtClean="0"/>
+              <a:t>Concerns</a:t>
+            </a:r>
+          </a:p>
+          <a:p>
+            <a:r>
+              <a:rPr lang="en-US" dirty="0" smtClean="0"/>
+              <a:t>Final Product</a:t>
+            </a:r>
+          </a:p>
+          <a:p>
+            <a:endParaRPr lang="en-US" dirty="0"/>
           </a:p>
         </p:txBody>
       </p:sp>
@@ -6675,6 +6781,30 @@
           </a:p>
         </p:txBody>
       </p:sp>
+      <p:pic>
+        <p:nvPicPr>
+          <p:cNvPr id="4" name="Picture 3" descr="IMG_5556.jpg"/>
+          <p:cNvPicPr>
+            <a:picLocks noChangeAspect="1"/>
+          </p:cNvPicPr>
+          <p:nvPr/>
+        </p:nvPicPr>
+        <p:blipFill>
+          <a:blip r:embed="rId2" cstate="print"/>
+          <a:stretch>
+            <a:fillRect/>
+          </a:stretch>
+        </p:blipFill>
+        <p:spPr>
+          <a:xfrm>
+            <a:off x="1981200" y="2743200"/>
+            <a:ext cx="5181600" cy="3886200"/>
+          </a:xfrm>
+          <a:prstGeom prst="rect">
+            <a:avLst/>
+          </a:prstGeom>
+        </p:spPr>
+      </p:pic>
     </p:spTree>
   </p:cSld>
   <p:clrMapOvr>

--- a/trunk/MISC/Final Presentation.pptx
+++ b/trunk/MISC/Final Presentation.pptx
@@ -25,8 +25,9 @@
     <p:sldId id="275" r:id="rId19"/>
     <p:sldId id="277" r:id="rId20"/>
     <p:sldId id="285" r:id="rId21"/>
-    <p:sldId id="279" r:id="rId22"/>
-    <p:sldId id="280" r:id="rId23"/>
+    <p:sldId id="286" r:id="rId22"/>
+    <p:sldId id="279" r:id="rId23"/>
+    <p:sldId id="280" r:id="rId24"/>
   </p:sldIdLst>
   <p:sldSz cx="9144000" cy="6858000" type="screen4x3"/>
   <p:notesSz cx="6858000" cy="9144000"/>
@@ -126,6 +127,188 @@
     </a:lvl9pPr>
   </p:defaultTextStyle>
 </p:presentation>
+</file>
+
+<file path=ppt/charts/chart1.xml><?xml version="1.0" encoding="utf-8"?>
+<c:chartSpace xmlns:c="http://schemas.openxmlformats.org/drawingml/2006/chart" xmlns:a="http://schemas.openxmlformats.org/drawingml/2006/main" xmlns:r="http://schemas.openxmlformats.org/officeDocument/2006/relationships">
+  <c:lang val="en-US"/>
+  <c:chart>
+    <c:title>
+      <c:tx>
+        <c:rich>
+          <a:bodyPr/>
+          <a:lstStyle/>
+          <a:p>
+            <a:pPr>
+              <a:defRPr/>
+            </a:pPr>
+            <a:r>
+              <a:rPr lang="en-US"/>
+              <a:t>Distance</a:t>
+            </a:r>
+            <a:r>
+              <a:rPr lang="en-US" baseline="0"/>
+              <a:t> from Halo Point</a:t>
+            </a:r>
+            <a:endParaRPr lang="en-US"/>
+          </a:p>
+        </c:rich>
+      </c:tx>
+      <c:layout/>
+    </c:title>
+    <c:plotArea>
+      <c:layout/>
+      <c:lineChart>
+        <c:grouping val="standard"/>
+        <c:ser>
+          <c:idx val="0"/>
+          <c:order val="0"/>
+          <c:val>
+            <c:numRef>
+              <c:f>Sheet1!$B$1:$B$20</c:f>
+              <c:numCache>
+                <c:formatCode>General</c:formatCode>
+                <c:ptCount val="20"/>
+                <c:pt idx="0">
+                  <c:v>46.911999999999999</c:v>
+                </c:pt>
+                <c:pt idx="1">
+                  <c:v>46.673000000000002</c:v>
+                </c:pt>
+                <c:pt idx="2">
+                  <c:v>47.823</c:v>
+                </c:pt>
+                <c:pt idx="3">
+                  <c:v>46.820999999999998</c:v>
+                </c:pt>
+                <c:pt idx="4">
+                  <c:v>49.13</c:v>
+                </c:pt>
+                <c:pt idx="5">
+                  <c:v>51.326999999999998</c:v>
+                </c:pt>
+                <c:pt idx="6">
+                  <c:v>44.484000000000002</c:v>
+                </c:pt>
+                <c:pt idx="7">
+                  <c:v>46.098999999999997</c:v>
+                </c:pt>
+                <c:pt idx="8">
+                  <c:v>47.295999999999999</c:v>
+                </c:pt>
+                <c:pt idx="9">
+                  <c:v>43.08</c:v>
+                </c:pt>
+                <c:pt idx="10">
+                  <c:v>44.033000000000001</c:v>
+                </c:pt>
+                <c:pt idx="11">
+                  <c:v>44.497999999999998</c:v>
+                </c:pt>
+                <c:pt idx="12">
+                  <c:v>43.616999999999997</c:v>
+                </c:pt>
+                <c:pt idx="13">
+                  <c:v>44.718000000000004</c:v>
+                </c:pt>
+                <c:pt idx="14">
+                  <c:v>45.618000000000002</c:v>
+                </c:pt>
+                <c:pt idx="15">
+                  <c:v>46.252000000000002</c:v>
+                </c:pt>
+                <c:pt idx="16">
+                  <c:v>45.232999999999997</c:v>
+                </c:pt>
+                <c:pt idx="17">
+                  <c:v>46.421999999999997</c:v>
+                </c:pt>
+                <c:pt idx="18">
+                  <c:v>45.868000000000002</c:v>
+                </c:pt>
+                <c:pt idx="19">
+                  <c:v>45.627000000000002</c:v>
+                </c:pt>
+              </c:numCache>
+            </c:numRef>
+          </c:val>
+        </c:ser>
+        <c:marker val="1"/>
+        <c:axId val="46446464"/>
+        <c:axId val="47693184"/>
+      </c:lineChart>
+      <c:catAx>
+        <c:axId val="46446464"/>
+        <c:scaling>
+          <c:orientation val="minMax"/>
+        </c:scaling>
+        <c:axPos val="b"/>
+        <c:title>
+          <c:tx>
+            <c:rich>
+              <a:bodyPr/>
+              <a:lstStyle/>
+              <a:p>
+                <a:pPr>
+                  <a:defRPr/>
+                </a:pPr>
+                <a:r>
+                  <a:rPr lang="en-US"/>
+                  <a:t>Point</a:t>
+                </a:r>
+              </a:p>
+            </c:rich>
+          </c:tx>
+          <c:layout/>
+        </c:title>
+        <c:tickLblPos val="nextTo"/>
+        <c:crossAx val="47693184"/>
+        <c:crosses val="autoZero"/>
+        <c:auto val="1"/>
+        <c:lblAlgn val="ctr"/>
+        <c:lblOffset val="100"/>
+      </c:catAx>
+      <c:valAx>
+        <c:axId val="47693184"/>
+        <c:scaling>
+          <c:orientation val="minMax"/>
+        </c:scaling>
+        <c:axPos val="l"/>
+        <c:majorGridlines/>
+        <c:title>
+          <c:tx>
+            <c:rich>
+              <a:bodyPr rot="-5400000" vert="horz"/>
+              <a:lstStyle/>
+              <a:p>
+                <a:pPr>
+                  <a:defRPr/>
+                </a:pPr>
+                <a:r>
+                  <a:rPr lang="en-US"/>
+                  <a:t>Distanc</a:t>
+                </a:r>
+                <a:r>
+                  <a:rPr lang="en-US" baseline="0"/>
+                  <a:t>e (m)</a:t>
+                </a:r>
+                <a:endParaRPr lang="en-US"/>
+              </a:p>
+            </c:rich>
+          </c:tx>
+          <c:layout/>
+        </c:title>
+        <c:numFmt formatCode="General" sourceLinked="1"/>
+        <c:tickLblPos val="nextTo"/>
+        <c:crossAx val="46446464"/>
+        <c:crosses val="autoZero"/>
+        <c:crossBetween val="between"/>
+      </c:valAx>
+    </c:plotArea>
+    <c:plotVisOnly val="1"/>
+  </c:chart>
+  <c:externalData r:id="rId1"/>
+</c:chartSpace>
 </file>
 
 <file path=ppt/slideLayouts/slideLayout1.xml><?xml version="1.0" encoding="utf-8"?>
@@ -5622,8 +5805,9 @@
             <a:pPr lvl="1"/>
             <a:r>
               <a:rPr lang="en-US" dirty="0" smtClean="0"/>
-              <a:t>CMUcam3 $239.00</a:t>
-            </a:r>
+              <a:t>CMUcam3					$239.00</a:t>
+            </a:r>
+            <a:endParaRPr lang="en-US" dirty="0" smtClean="0"/>
           </a:p>
           <a:p>
             <a:pPr lvl="1"/>
@@ -5637,56 +5821,87 @@
             </a:r>
             <a:r>
               <a:rPr lang="en-US" dirty="0" smtClean="0"/>
-              <a:t> III GPS Unit $88.24</a:t>
-            </a:r>
+              <a:t> III GPS </a:t>
+            </a:r>
+            <a:r>
+              <a:rPr lang="en-US" dirty="0" smtClean="0"/>
+              <a:t>Unit			$88.24</a:t>
+            </a:r>
+            <a:endParaRPr lang="en-US" dirty="0" smtClean="0"/>
           </a:p>
           <a:p>
             <a:pPr lvl="1"/>
             <a:r>
               <a:rPr lang="en-US" dirty="0" smtClean="0"/>
-              <a:t>Enclosure $3.69</a:t>
-            </a:r>
+              <a:t>Enclosure					$3.69</a:t>
+            </a:r>
+            <a:endParaRPr lang="en-US" dirty="0" smtClean="0"/>
           </a:p>
           <a:p>
             <a:pPr lvl="1"/>
             <a:r>
               <a:rPr lang="en-US" dirty="0" smtClean="0"/>
-              <a:t>Battery Pack $1.99</a:t>
-            </a:r>
+              <a:t>Battery </a:t>
+            </a:r>
+            <a:r>
+              <a:rPr lang="en-US" dirty="0" smtClean="0"/>
+              <a:t>Pack					$1.99</a:t>
+            </a:r>
+            <a:endParaRPr lang="en-US" dirty="0" smtClean="0"/>
           </a:p>
           <a:p>
             <a:pPr lvl="1"/>
             <a:r>
               <a:rPr lang="en-US" dirty="0" smtClean="0"/>
-              <a:t>4x AA Rechargeable Batteries $10.00</a:t>
-            </a:r>
+              <a:t>4x AA Rechargeable </a:t>
+            </a:r>
+            <a:r>
+              <a:rPr lang="en-US" dirty="0" smtClean="0"/>
+              <a:t>Batteries			$10.00</a:t>
+            </a:r>
+            <a:endParaRPr lang="en-US" dirty="0" smtClean="0"/>
           </a:p>
           <a:p>
             <a:pPr lvl="1"/>
             <a:r>
               <a:rPr lang="en-US" dirty="0" smtClean="0"/>
-              <a:t>Epoxy $3.00</a:t>
-            </a:r>
+              <a:t>Epoxy						$3.00</a:t>
+            </a:r>
+            <a:endParaRPr lang="en-US" dirty="0" smtClean="0"/>
           </a:p>
           <a:p>
             <a:pPr lvl="1"/>
             <a:r>
               <a:rPr lang="en-US" dirty="0" smtClean="0"/>
-              <a:t>Various Connectors $6.00</a:t>
-            </a:r>
+              <a:t>Various </a:t>
+            </a:r>
+            <a:r>
+              <a:rPr lang="en-US" dirty="0" smtClean="0"/>
+              <a:t>Connectors				$6.00</a:t>
+            </a:r>
+            <a:endParaRPr lang="en-US" dirty="0" smtClean="0"/>
           </a:p>
           <a:p>
             <a:pPr lvl="1"/>
             <a:r>
               <a:rPr lang="en-US" dirty="0" smtClean="0"/>
-              <a:t>1Gb SD Card $15.00</a:t>
-            </a:r>
+              <a:t>1Gb SD </a:t>
+            </a:r>
+            <a:r>
+              <a:rPr lang="en-US" dirty="0" smtClean="0"/>
+              <a:t>Card					$15.00</a:t>
+            </a:r>
+            <a:endParaRPr lang="en-US" dirty="0" smtClean="0"/>
           </a:p>
           <a:p>
             <a:pPr lvl="1"/>
             <a:r>
               <a:rPr lang="en-US" b="1" dirty="0" smtClean="0"/>
-              <a:t>Total for Unit $366.92</a:t>
+              <a:t>Total for </a:t>
+            </a:r>
+            <a:r>
+              <a:rPr lang="en-US" b="1" dirty="0" smtClean="0"/>
+              <a:t>Unit					$366.92</a:t>
             </a:r>
             <a:endParaRPr lang="en-US" dirty="0"/>
           </a:p>
@@ -5884,13 +6099,11 @@
           <a:p>
             <a:r>
               <a:rPr lang="en-US" dirty="0" smtClean="0"/>
-              <a:t>Accuracy Test</a:t>
-            </a:r>
-          </a:p>
-          <a:p>
-            <a:r>
-              <a:rPr lang="en-US" dirty="0" smtClean="0"/>
-              <a:t>Battery Life</a:t>
+              <a:t>Battery </a:t>
+            </a:r>
+            <a:r>
+              <a:rPr lang="en-US" dirty="0" smtClean="0"/>
+              <a:t>Life</a:t>
             </a:r>
           </a:p>
           <a:p>
@@ -5898,7 +6111,6 @@
               <a:rPr lang="en-US" dirty="0" smtClean="0"/>
               <a:t>Usability</a:t>
             </a:r>
-            <a:endParaRPr lang="en-US" dirty="0"/>
           </a:p>
         </p:txBody>
       </p:sp>
@@ -5929,7 +6141,7 @@
       </p:grpSpPr>
       <p:sp>
         <p:nvSpPr>
-          <p:cNvPr id="2" name="Title 1"/>
+          <p:cNvPr id="5" name="Title 4"/>
           <p:cNvSpPr>
             <a:spLocks noGrp="1"/>
           </p:cNvSpPr>
@@ -5944,7 +6156,7 @@
           <a:p>
             <a:r>
               <a:rPr lang="en-US" dirty="0" smtClean="0"/>
-              <a:t>Overview</a:t>
+              <a:t>Evaluation Results</a:t>
             </a:r>
             <a:endParaRPr lang="en-US" dirty="0"/>
           </a:p>
@@ -5952,7 +6164,7 @@
       </p:sp>
       <p:sp>
         <p:nvSpPr>
-          <p:cNvPr id="3" name="Content Placeholder 2"/>
+          <p:cNvPr id="6" name="Content Placeholder 5"/>
           <p:cNvSpPr>
             <a:spLocks noGrp="1"/>
           </p:cNvSpPr>
@@ -5967,56 +6179,368 @@
           <a:p>
             <a:r>
               <a:rPr lang="en-US" dirty="0" smtClean="0"/>
-              <a:t>Background</a:t>
-            </a:r>
-          </a:p>
-          <a:p>
-            <a:r>
-              <a:rPr lang="en-US" dirty="0" smtClean="0"/>
-              <a:t>Requirements</a:t>
-            </a:r>
-          </a:p>
-          <a:p>
-            <a:r>
-              <a:rPr lang="en-US" dirty="0" smtClean="0"/>
-              <a:t>Design</a:t>
-            </a:r>
-          </a:p>
-          <a:p>
-            <a:r>
-              <a:rPr lang="en-US" dirty="0" smtClean="0"/>
-              <a:t>System</a:t>
-            </a:r>
-          </a:p>
-          <a:p>
-            <a:r>
-              <a:rPr lang="en-US" dirty="0" smtClean="0"/>
-              <a:t>Demonstration</a:t>
-            </a:r>
-          </a:p>
-          <a:p>
-            <a:r>
-              <a:rPr lang="en-US" dirty="0" smtClean="0"/>
-              <a:t>Team Management and Teamwork</a:t>
-            </a:r>
-          </a:p>
-          <a:p>
-            <a:r>
-              <a:rPr lang="en-US" dirty="0" smtClean="0"/>
-              <a:t>Concerns</a:t>
-            </a:r>
-          </a:p>
-          <a:p>
-            <a:r>
-              <a:rPr lang="en-US" dirty="0" smtClean="0"/>
-              <a:t>Final Product</a:t>
-            </a:r>
-          </a:p>
-          <a:p>
+              <a:t>Accuracy Test</a:t>
+            </a:r>
             <a:endParaRPr lang="en-US" dirty="0"/>
           </a:p>
         </p:txBody>
       </p:sp>
+      <p:graphicFrame>
+        <p:nvGraphicFramePr>
+          <p:cNvPr id="7" name="Table 6"/>
+          <p:cNvGraphicFramePr>
+            <a:graphicFrameLocks noGrp="1"/>
+          </p:cNvGraphicFramePr>
+          <p:nvPr/>
+        </p:nvGraphicFramePr>
+        <p:xfrm>
+          <a:off x="5867400" y="3048000"/>
+          <a:ext cx="2667000" cy="2514600"/>
+        </p:xfrm>
+        <a:graphic>
+          <a:graphicData uri="http://schemas.openxmlformats.org/drawingml/2006/table">
+            <a:tbl>
+              <a:tblPr firstRow="1" bandRow="1">
+                <a:tableStyleId>{5C22544A-7EE6-4342-B048-85BDC9FD1C3A}</a:tableStyleId>
+              </a:tblPr>
+              <a:tblGrid>
+                <a:gridCol w="1333500"/>
+                <a:gridCol w="1333500"/>
+              </a:tblGrid>
+              <a:tr h="314325">
+                <a:tc>
+                  <a:txBody>
+                    <a:bodyPr/>
+                    <a:lstStyle/>
+                    <a:p>
+                      <a:pPr algn="l" fontAlgn="b"/>
+                      <a:r>
+                        <a:rPr lang="en-US" sz="1800" b="0" i="0" u="none" strike="noStrike" dirty="0">
+                          <a:solidFill>
+                            <a:srgbClr val="000000"/>
+                          </a:solidFill>
+                          <a:latin typeface="Calibri"/>
+                        </a:rPr>
+                        <a:t>MAX</a:t>
+                      </a:r>
+                    </a:p>
+                  </a:txBody>
+                  <a:tcPr marL="0" marR="0" marT="0" marB="0" anchor="b"/>
+                </a:tc>
+                <a:tc>
+                  <a:txBody>
+                    <a:bodyPr/>
+                    <a:lstStyle/>
+                    <a:p>
+                      <a:pPr algn="r" fontAlgn="b"/>
+                      <a:r>
+                        <a:rPr lang="en-US" sz="1800" b="0" i="0" u="none" strike="noStrike">
+                          <a:solidFill>
+                            <a:srgbClr val="000000"/>
+                          </a:solidFill>
+                          <a:latin typeface="Calibri"/>
+                        </a:rPr>
+                        <a:t>51.327</a:t>
+                      </a:r>
+                    </a:p>
+                  </a:txBody>
+                  <a:tcPr marL="0" marR="0" marT="0" marB="0" anchor="b"/>
+                </a:tc>
+              </a:tr>
+              <a:tr h="314325">
+                <a:tc>
+                  <a:txBody>
+                    <a:bodyPr/>
+                    <a:lstStyle/>
+                    <a:p>
+                      <a:pPr algn="l" fontAlgn="b"/>
+                      <a:r>
+                        <a:rPr lang="en-US" sz="1800" b="0" i="0" u="none" strike="noStrike">
+                          <a:solidFill>
+                            <a:srgbClr val="000000"/>
+                          </a:solidFill>
+                          <a:latin typeface="Calibri"/>
+                        </a:rPr>
+                        <a:t>MIN</a:t>
+                      </a:r>
+                    </a:p>
+                  </a:txBody>
+                  <a:tcPr marL="0" marR="0" marT="0" marB="0" anchor="b"/>
+                </a:tc>
+                <a:tc>
+                  <a:txBody>
+                    <a:bodyPr/>
+                    <a:lstStyle/>
+                    <a:p>
+                      <a:pPr algn="r" fontAlgn="b"/>
+                      <a:r>
+                        <a:rPr lang="en-US" sz="1800" b="0" i="0" u="none" strike="noStrike">
+                          <a:solidFill>
+                            <a:srgbClr val="000000"/>
+                          </a:solidFill>
+                          <a:latin typeface="Calibri"/>
+                        </a:rPr>
+                        <a:t>43.08</a:t>
+                      </a:r>
+                    </a:p>
+                  </a:txBody>
+                  <a:tcPr marL="0" marR="0" marT="0" marB="0" anchor="b"/>
+                </a:tc>
+              </a:tr>
+              <a:tr h="314325">
+                <a:tc>
+                  <a:txBody>
+                    <a:bodyPr/>
+                    <a:lstStyle/>
+                    <a:p>
+                      <a:pPr algn="l" fontAlgn="b"/>
+                      <a:r>
+                        <a:rPr lang="en-US" sz="1800" b="0" i="0" u="none" strike="noStrike">
+                          <a:solidFill>
+                            <a:srgbClr val="000000"/>
+                          </a:solidFill>
+                          <a:latin typeface="Calibri"/>
+                        </a:rPr>
+                        <a:t>MEDIAN</a:t>
+                      </a:r>
+                    </a:p>
+                  </a:txBody>
+                  <a:tcPr marL="0" marR="0" marT="0" marB="0" anchor="b"/>
+                </a:tc>
+                <a:tc>
+                  <a:txBody>
+                    <a:bodyPr/>
+                    <a:lstStyle/>
+                    <a:p>
+                      <a:pPr algn="r" fontAlgn="b"/>
+                      <a:r>
+                        <a:rPr lang="en-US" sz="1800" b="0" i="0" u="none" strike="noStrike">
+                          <a:solidFill>
+                            <a:srgbClr val="000000"/>
+                          </a:solidFill>
+                          <a:latin typeface="Calibri"/>
+                        </a:rPr>
+                        <a:t>45.9835</a:t>
+                      </a:r>
+                    </a:p>
+                  </a:txBody>
+                  <a:tcPr marL="0" marR="0" marT="0" marB="0" anchor="b"/>
+                </a:tc>
+              </a:tr>
+              <a:tr h="314325">
+                <a:tc>
+                  <a:txBody>
+                    <a:bodyPr/>
+                    <a:lstStyle/>
+                    <a:p>
+                      <a:pPr algn="l" fontAlgn="b"/>
+                      <a:r>
+                        <a:rPr lang="en-US" sz="1800" b="0" i="0" u="none" strike="noStrike">
+                          <a:solidFill>
+                            <a:srgbClr val="000000"/>
+                          </a:solidFill>
+                          <a:latin typeface="Calibri"/>
+                        </a:rPr>
+                        <a:t>MEAN</a:t>
+                      </a:r>
+                    </a:p>
+                  </a:txBody>
+                  <a:tcPr marL="0" marR="0" marT="0" marB="0" anchor="b"/>
+                </a:tc>
+                <a:tc>
+                  <a:txBody>
+                    <a:bodyPr/>
+                    <a:lstStyle/>
+                    <a:p>
+                      <a:pPr algn="r" fontAlgn="b"/>
+                      <a:r>
+                        <a:rPr lang="en-US" sz="1800" b="0" i="0" u="none" strike="noStrike">
+                          <a:solidFill>
+                            <a:srgbClr val="000000"/>
+                          </a:solidFill>
+                          <a:latin typeface="Calibri"/>
+                        </a:rPr>
+                        <a:t>46.07655</a:t>
+                      </a:r>
+                    </a:p>
+                  </a:txBody>
+                  <a:tcPr marL="0" marR="0" marT="0" marB="0" anchor="b"/>
+                </a:tc>
+              </a:tr>
+              <a:tr h="314325">
+                <a:tc>
+                  <a:txBody>
+                    <a:bodyPr/>
+                    <a:lstStyle/>
+                    <a:p>
+                      <a:pPr algn="l" fontAlgn="b"/>
+                      <a:endParaRPr lang="en-US" sz="1800" b="0" i="0" u="none" strike="noStrike">
+                        <a:solidFill>
+                          <a:srgbClr val="000000"/>
+                        </a:solidFill>
+                        <a:latin typeface="Calibri"/>
+                      </a:endParaRPr>
+                    </a:p>
+                  </a:txBody>
+                  <a:tcPr marL="0" marR="0" marT="0" marB="0" anchor="b"/>
+                </a:tc>
+                <a:tc>
+                  <a:txBody>
+                    <a:bodyPr/>
+                    <a:lstStyle/>
+                    <a:p>
+                      <a:pPr algn="l" fontAlgn="b"/>
+                      <a:endParaRPr lang="en-US" sz="1800" b="0" i="0" u="none" strike="noStrike" dirty="0">
+                        <a:solidFill>
+                          <a:srgbClr val="000000"/>
+                        </a:solidFill>
+                        <a:latin typeface="Calibri"/>
+                      </a:endParaRPr>
+                    </a:p>
+                  </a:txBody>
+                  <a:tcPr marL="0" marR="0" marT="0" marB="0" anchor="b"/>
+                </a:tc>
+              </a:tr>
+              <a:tr h="314325">
+                <a:tc>
+                  <a:txBody>
+                    <a:bodyPr/>
+                    <a:lstStyle/>
+                    <a:p>
+                      <a:pPr algn="l" fontAlgn="b"/>
+                      <a:r>
+                        <a:rPr lang="en-US" sz="1800" b="0" i="0" u="none" strike="noStrike">
+                          <a:solidFill>
+                            <a:srgbClr val="000000"/>
+                          </a:solidFill>
+                          <a:latin typeface="Calibri"/>
+                        </a:rPr>
+                        <a:t>Max - Min</a:t>
+                      </a:r>
+                    </a:p>
+                  </a:txBody>
+                  <a:tcPr marL="0" marR="0" marT="0" marB="0" anchor="b"/>
+                </a:tc>
+                <a:tc>
+                  <a:txBody>
+                    <a:bodyPr/>
+                    <a:lstStyle/>
+                    <a:p>
+                      <a:pPr algn="r" fontAlgn="b"/>
+                      <a:r>
+                        <a:rPr lang="en-US" sz="1800" b="0" i="0" u="none" strike="noStrike" dirty="0">
+                          <a:solidFill>
+                            <a:srgbClr val="000000"/>
+                          </a:solidFill>
+                          <a:latin typeface="Calibri"/>
+                        </a:rPr>
+                        <a:t>8.247</a:t>
+                      </a:r>
+                    </a:p>
+                  </a:txBody>
+                  <a:tcPr marL="0" marR="0" marT="0" marB="0" anchor="b"/>
+                </a:tc>
+              </a:tr>
+              <a:tr h="314325">
+                <a:tc>
+                  <a:txBody>
+                    <a:bodyPr/>
+                    <a:lstStyle/>
+                    <a:p>
+                      <a:pPr algn="l" fontAlgn="b"/>
+                      <a:r>
+                        <a:rPr lang="en-US" sz="1800" b="0" i="0" u="none" strike="noStrike">
+                          <a:solidFill>
+                            <a:srgbClr val="000000"/>
+                          </a:solidFill>
+                          <a:latin typeface="Calibri"/>
+                        </a:rPr>
+                        <a:t>Max - Mean</a:t>
+                      </a:r>
+                    </a:p>
+                  </a:txBody>
+                  <a:tcPr marL="0" marR="0" marT="0" marB="0" anchor="b"/>
+                </a:tc>
+                <a:tc>
+                  <a:txBody>
+                    <a:bodyPr/>
+                    <a:lstStyle/>
+                    <a:p>
+                      <a:pPr algn="r" fontAlgn="b"/>
+                      <a:r>
+                        <a:rPr lang="en-US" sz="1800" b="0" i="0" u="none" strike="noStrike">
+                          <a:solidFill>
+                            <a:srgbClr val="000000"/>
+                          </a:solidFill>
+                          <a:latin typeface="Calibri"/>
+                        </a:rPr>
+                        <a:t>5.25045</a:t>
+                      </a:r>
+                    </a:p>
+                  </a:txBody>
+                  <a:tcPr marL="0" marR="0" marT="0" marB="0" anchor="b"/>
+                </a:tc>
+              </a:tr>
+              <a:tr h="314325">
+                <a:tc>
+                  <a:txBody>
+                    <a:bodyPr/>
+                    <a:lstStyle/>
+                    <a:p>
+                      <a:pPr algn="l" fontAlgn="b"/>
+                      <a:r>
+                        <a:rPr lang="en-US" sz="1800" b="0" i="0" u="none" strike="noStrike">
+                          <a:solidFill>
+                            <a:srgbClr val="000000"/>
+                          </a:solidFill>
+                          <a:latin typeface="Calibri"/>
+                        </a:rPr>
+                        <a:t>Mean - Min</a:t>
+                      </a:r>
+                    </a:p>
+                  </a:txBody>
+                  <a:tcPr marL="0" marR="0" marT="0" marB="0" anchor="b"/>
+                </a:tc>
+                <a:tc>
+                  <a:txBody>
+                    <a:bodyPr/>
+                    <a:lstStyle/>
+                    <a:p>
+                      <a:pPr algn="r" fontAlgn="b"/>
+                      <a:r>
+                        <a:rPr lang="en-US" sz="1800" b="0" i="0" u="none" strike="noStrike" dirty="0">
+                          <a:solidFill>
+                            <a:srgbClr val="000000"/>
+                          </a:solidFill>
+                          <a:latin typeface="Calibri"/>
+                        </a:rPr>
+                        <a:t>2.99655</a:t>
+                      </a:r>
+                    </a:p>
+                  </a:txBody>
+                  <a:tcPr marL="0" marR="0" marT="0" marB="0" anchor="b"/>
+                </a:tc>
+              </a:tr>
+            </a:tbl>
+          </a:graphicData>
+        </a:graphic>
+      </p:graphicFrame>
+      <p:graphicFrame>
+        <p:nvGraphicFramePr>
+          <p:cNvPr id="8" name="Chart 7"/>
+          <p:cNvGraphicFramePr/>
+          <p:nvPr/>
+        </p:nvGraphicFramePr>
+        <p:xfrm>
+          <a:off x="762000" y="2590800"/>
+          <a:ext cx="4953000" cy="3581400"/>
+        </p:xfrm>
+        <a:graphic>
+          <a:graphicData uri="http://schemas.openxmlformats.org/drawingml/2006/chart">
+            <c:chart xmlns:c="http://schemas.openxmlformats.org/drawingml/2006/chart" xmlns:r="http://schemas.openxmlformats.org/officeDocument/2006/relationships" r:id="rId2"/>
+          </a:graphicData>
+        </a:graphic>
+      </p:graphicFrame>
     </p:spTree>
   </p:cSld>
   <p:clrMapOvr>
@@ -6026,6 +6550,121 @@
 </file>
 
 <file path=ppt/slides/slide22.xml><?xml version="1.0" encoding="utf-8"?>
+<p:sld xmlns:a="http://schemas.openxmlformats.org/drawingml/2006/main" xmlns:r="http://schemas.openxmlformats.org/officeDocument/2006/relationships" xmlns:p="http://schemas.openxmlformats.org/presentationml/2006/main">
+  <p:cSld>
+    <p:spTree>
+      <p:nvGrpSpPr>
+        <p:cNvPr id="1" name=""/>
+        <p:cNvGrpSpPr/>
+        <p:nvPr/>
+      </p:nvGrpSpPr>
+      <p:grpSpPr>
+        <a:xfrm>
+          <a:off x="0" y="0"/>
+          <a:ext cx="0" cy="0"/>
+          <a:chOff x="0" y="0"/>
+          <a:chExt cx="0" cy="0"/>
+        </a:xfrm>
+      </p:grpSpPr>
+      <p:sp>
+        <p:nvSpPr>
+          <p:cNvPr id="2" name="Title 1"/>
+          <p:cNvSpPr>
+            <a:spLocks noGrp="1"/>
+          </p:cNvSpPr>
+          <p:nvPr>
+            <p:ph type="title"/>
+          </p:nvPr>
+        </p:nvSpPr>
+        <p:spPr/>
+        <p:txBody>
+          <a:bodyPr/>
+          <a:lstStyle/>
+          <a:p>
+            <a:r>
+              <a:rPr lang="en-US" dirty="0" smtClean="0"/>
+              <a:t>Overview</a:t>
+            </a:r>
+            <a:endParaRPr lang="en-US" dirty="0"/>
+          </a:p>
+        </p:txBody>
+      </p:sp>
+      <p:sp>
+        <p:nvSpPr>
+          <p:cNvPr id="3" name="Content Placeholder 2"/>
+          <p:cNvSpPr>
+            <a:spLocks noGrp="1"/>
+          </p:cNvSpPr>
+          <p:nvPr>
+            <p:ph idx="1"/>
+          </p:nvPr>
+        </p:nvSpPr>
+        <p:spPr/>
+        <p:txBody>
+          <a:bodyPr/>
+          <a:lstStyle/>
+          <a:p>
+            <a:r>
+              <a:rPr lang="en-US" dirty="0" smtClean="0"/>
+              <a:t>Background</a:t>
+            </a:r>
+          </a:p>
+          <a:p>
+            <a:r>
+              <a:rPr lang="en-US" dirty="0" smtClean="0"/>
+              <a:t>Requirements</a:t>
+            </a:r>
+          </a:p>
+          <a:p>
+            <a:r>
+              <a:rPr lang="en-US" dirty="0" smtClean="0"/>
+              <a:t>Design</a:t>
+            </a:r>
+          </a:p>
+          <a:p>
+            <a:r>
+              <a:rPr lang="en-US" dirty="0" smtClean="0"/>
+              <a:t>System</a:t>
+            </a:r>
+          </a:p>
+          <a:p>
+            <a:r>
+              <a:rPr lang="en-US" dirty="0" smtClean="0"/>
+              <a:t>Demonstration</a:t>
+            </a:r>
+          </a:p>
+          <a:p>
+            <a:r>
+              <a:rPr lang="en-US" dirty="0" smtClean="0"/>
+              <a:t>Team Management and Teamwork</a:t>
+            </a:r>
+          </a:p>
+          <a:p>
+            <a:r>
+              <a:rPr lang="en-US" dirty="0" smtClean="0"/>
+              <a:t>Concerns</a:t>
+            </a:r>
+          </a:p>
+          <a:p>
+            <a:r>
+              <a:rPr lang="en-US" dirty="0" smtClean="0"/>
+              <a:t>Final Product</a:t>
+            </a:r>
+          </a:p>
+          <a:p>
+            <a:endParaRPr lang="en-US" dirty="0"/>
+          </a:p>
+        </p:txBody>
+      </p:sp>
+    </p:spTree>
+  </p:cSld>
+  <p:clrMapOvr>
+    <a:masterClrMapping/>
+  </p:clrMapOvr>
+</p:sld>
+</file>
+
+<file path=ppt/slides/slide23.xml><?xml version="1.0" encoding="utf-8"?>
 <p:sld xmlns:a="http://schemas.openxmlformats.org/drawingml/2006/main" xmlns:r="http://schemas.openxmlformats.org/officeDocument/2006/relationships" xmlns:p="http://schemas.openxmlformats.org/presentationml/2006/main">
   <p:cSld>
     <p:spTree>

--- a/trunk/MISC/Final Presentation.pptx
+++ b/trunk/MISC/Final Presentation.pptx
@@ -131,6 +131,7 @@
 
 <file path=ppt/charts/chart1.xml><?xml version="1.0" encoding="utf-8"?>
 <c:chartSpace xmlns:c="http://schemas.openxmlformats.org/drawingml/2006/chart" xmlns:a="http://schemas.openxmlformats.org/drawingml/2006/main" xmlns:r="http://schemas.openxmlformats.org/officeDocument/2006/relationships">
+  <c:date1904 val="1"/>
   <c:lang val="en-US"/>
   <c:chart>
     <c:title>
@@ -179,22 +180,22 @@
                   <c:v>47.823</c:v>
                 </c:pt>
                 <c:pt idx="3">
-                  <c:v>46.820999999999998</c:v>
+                  <c:v>46.821000000000005</c:v>
                 </c:pt>
                 <c:pt idx="4">
                   <c:v>49.13</c:v>
                 </c:pt>
                 <c:pt idx="5">
-                  <c:v>51.326999999999998</c:v>
+                  <c:v>51.327000000000005</c:v>
                 </c:pt>
                 <c:pt idx="6">
-                  <c:v>44.484000000000002</c:v>
+                  <c:v>44.483999999999995</c:v>
                 </c:pt>
                 <c:pt idx="7">
-                  <c:v>46.098999999999997</c:v>
+                  <c:v>46.099000000000011</c:v>
                 </c:pt>
                 <c:pt idx="8">
-                  <c:v>47.295999999999999</c:v>
+                  <c:v>47.296000000000014</c:v>
                 </c:pt>
                 <c:pt idx="9">
                   <c:v>43.08</c:v>
@@ -203,13 +204,13 @@
                   <c:v>44.033000000000001</c:v>
                 </c:pt>
                 <c:pt idx="11">
-                  <c:v>44.497999999999998</c:v>
+                  <c:v>44.498000000000005</c:v>
                 </c:pt>
                 <c:pt idx="12">
-                  <c:v>43.616999999999997</c:v>
+                  <c:v>43.617000000000004</c:v>
                 </c:pt>
                 <c:pt idx="13">
-                  <c:v>44.718000000000004</c:v>
+                  <c:v>44.718000000000011</c:v>
                 </c:pt>
                 <c:pt idx="14">
                   <c:v>45.618000000000002</c:v>
@@ -218,10 +219,10 @@
                   <c:v>46.252000000000002</c:v>
                 </c:pt>
                 <c:pt idx="16">
-                  <c:v>45.232999999999997</c:v>
+                  <c:v>45.233000000000011</c:v>
                 </c:pt>
                 <c:pt idx="17">
-                  <c:v>46.421999999999997</c:v>
+                  <c:v>46.422000000000004</c:v>
                 </c:pt>
                 <c:pt idx="18">
                   <c:v>45.868000000000002</c:v>
@@ -234,11 +235,11 @@
           </c:val>
         </c:ser>
         <c:marker val="1"/>
-        <c:axId val="46446464"/>
-        <c:axId val="47693184"/>
+        <c:axId val="36988800"/>
+        <c:axId val="36990976"/>
       </c:lineChart>
       <c:catAx>
-        <c:axId val="46446464"/>
+        <c:axId val="36988800"/>
         <c:scaling>
           <c:orientation val="minMax"/>
         </c:scaling>
@@ -262,14 +263,14 @@
           <c:layout/>
         </c:title>
         <c:tickLblPos val="nextTo"/>
-        <c:crossAx val="47693184"/>
+        <c:crossAx val="36990976"/>
         <c:crosses val="autoZero"/>
         <c:auto val="1"/>
         <c:lblAlgn val="ctr"/>
         <c:lblOffset val="100"/>
       </c:catAx>
       <c:valAx>
-        <c:axId val="47693184"/>
+        <c:axId val="36990976"/>
         <c:scaling>
           <c:orientation val="minMax"/>
         </c:scaling>
@@ -300,7 +301,7 @@
         </c:title>
         <c:numFmt formatCode="General" sourceLinked="1"/>
         <c:tickLblPos val="nextTo"/>
-        <c:crossAx val="46446464"/>
+        <c:crossAx val="36988800"/>
         <c:crosses val="autoZero"/>
         <c:crossBetween val="between"/>
       </c:valAx>
@@ -4267,6 +4268,44 @@
           <a:noFill/>
         </p:spPr>
       </p:pic>
+      <p:sp>
+        <p:nvSpPr>
+          <p:cNvPr id="6" name="TextBox 5"/>
+          <p:cNvSpPr txBox="1"/>
+          <p:nvPr/>
+        </p:nvSpPr>
+        <p:spPr>
+          <a:xfrm>
+            <a:off x="2667000" y="2209800"/>
+            <a:ext cx="6172200" cy="707886"/>
+          </a:xfrm>
+          <a:prstGeom prst="rect">
+            <a:avLst/>
+          </a:prstGeom>
+          <a:noFill/>
+        </p:spPr>
+        <p:txBody>
+          <a:bodyPr wrap="square" rtlCol="0">
+            <a:spAutoFit/>
+          </a:bodyPr>
+          <a:lstStyle/>
+          <a:p>
+            <a:r>
+              <a:rPr lang="en-US" sz="4000" b="1" dirty="0" smtClean="0">
+                <a:solidFill>
+                  <a:schemeClr val="tx2"/>
+                </a:solidFill>
+              </a:rPr>
+              <a:t>reImagine Technologies</a:t>
+            </a:r>
+            <a:endParaRPr lang="en-US" sz="4000" b="1" dirty="0">
+              <a:solidFill>
+                <a:schemeClr val="tx2"/>
+              </a:solidFill>
+            </a:endParaRPr>
+          </a:p>
+        </p:txBody>
+      </p:sp>
     </p:spTree>
   </p:cSld>
   <p:clrMapOvr>
@@ -4387,6 +4426,32 @@
           </a:xfrm>
         </p:spPr>
       </p:pic>
+      <p:pic>
+        <p:nvPicPr>
+          <p:cNvPr id="5" name="Picture 4" descr="reLiveSolo"/>
+          <p:cNvPicPr>
+            <a:picLocks noChangeAspect="1" noChangeArrowheads="1"/>
+          </p:cNvPicPr>
+          <p:nvPr/>
+        </p:nvPicPr>
+        <p:blipFill>
+          <a:blip r:embed="rId3"/>
+          <a:srcRect/>
+          <a:stretch>
+            <a:fillRect/>
+          </a:stretch>
+        </p:blipFill>
+        <p:spPr bwMode="auto">
+          <a:xfrm>
+            <a:off x="7010400" y="152400"/>
+            <a:ext cx="1981200" cy="1073150"/>
+          </a:xfrm>
+          <a:prstGeom prst="rect">
+            <a:avLst/>
+          </a:prstGeom>
+          <a:noFill/>
+        </p:spPr>
+      </p:pic>
     </p:spTree>
   </p:cSld>
   <p:clrMapOvr>
@@ -4439,7 +4504,7 @@
       </p:sp>
       <p:pic>
         <p:nvPicPr>
-          <p:cNvPr id="7" name="Content Placeholder 6" descr="Hardware_Code_Pic.jpg"/>
+          <p:cNvPr id="5" name="Content Placeholder 4" descr="Hardware_Code_Pic.jpg"/>
           <p:cNvPicPr>
             <a:picLocks noGrp="1" noChangeAspect="1"/>
           </p:cNvPicPr>
@@ -4449,16 +4514,42 @@
         </p:nvPicPr>
         <p:blipFill>
           <a:blip r:embed="rId2"/>
-          <a:srcRect l="7074" t="4521" r="5732" b="22568"/>
+          <a:srcRect l="7074" t="2785" r="5732" b="22568"/>
           <a:stretch>
             <a:fillRect/>
           </a:stretch>
         </p:blipFill>
         <p:spPr>
           <a:xfrm>
-            <a:off x="838200" y="1905000"/>
-            <a:ext cx="7467601" cy="4825219"/>
+            <a:off x="770861" y="1828800"/>
+            <a:ext cx="7602279" cy="5029200"/>
           </a:xfrm>
+        </p:spPr>
+      </p:pic>
+      <p:pic>
+        <p:nvPicPr>
+          <p:cNvPr id="6" name="Picture 5" descr="reLiveSolo"/>
+          <p:cNvPicPr>
+            <a:picLocks noChangeAspect="1" noChangeArrowheads="1"/>
+          </p:cNvPicPr>
+          <p:nvPr/>
+        </p:nvPicPr>
+        <p:blipFill>
+          <a:blip r:embed="rId3"/>
+          <a:srcRect/>
+          <a:stretch>
+            <a:fillRect/>
+          </a:stretch>
+        </p:blipFill>
+        <p:spPr bwMode="auto">
+          <a:xfrm>
+            <a:off x="7010400" y="152400"/>
+            <a:ext cx="1981200" cy="1073150"/>
+          </a:xfrm>
+          <a:prstGeom prst="rect">
+            <a:avLst/>
+          </a:prstGeom>
+          <a:noFill/>
         </p:spPr>
       </p:pic>
     </p:spTree>
@@ -4561,6 +4652,32 @@
           </a:p>
         </p:txBody>
       </p:sp>
+      <p:pic>
+        <p:nvPicPr>
+          <p:cNvPr id="4" name="Picture 3" descr="reLiveSolo"/>
+          <p:cNvPicPr>
+            <a:picLocks noChangeAspect="1" noChangeArrowheads="1"/>
+          </p:cNvPicPr>
+          <p:nvPr/>
+        </p:nvPicPr>
+        <p:blipFill>
+          <a:blip r:embed="rId2"/>
+          <a:srcRect/>
+          <a:stretch>
+            <a:fillRect/>
+          </a:stretch>
+        </p:blipFill>
+        <p:spPr bwMode="auto">
+          <a:xfrm>
+            <a:off x="7010400" y="152400"/>
+            <a:ext cx="1981200" cy="1073150"/>
+          </a:xfrm>
+          <a:prstGeom prst="rect">
+            <a:avLst/>
+          </a:prstGeom>
+          <a:noFill/>
+        </p:spPr>
+      </p:pic>
     </p:spTree>
   </p:cSld>
   <p:clrMapOvr>
@@ -4630,6 +4747,32 @@
             <a:off x="1264357" y="1935163"/>
             <a:ext cx="6615286" cy="4389437"/>
           </a:xfrm>
+        </p:spPr>
+      </p:pic>
+      <p:pic>
+        <p:nvPicPr>
+          <p:cNvPr id="5" name="Picture 4" descr="reLiveSolo"/>
+          <p:cNvPicPr>
+            <a:picLocks noChangeAspect="1" noChangeArrowheads="1"/>
+          </p:cNvPicPr>
+          <p:nvPr/>
+        </p:nvPicPr>
+        <p:blipFill>
+          <a:blip r:embed="rId3"/>
+          <a:srcRect/>
+          <a:stretch>
+            <a:fillRect/>
+          </a:stretch>
+        </p:blipFill>
+        <p:spPr bwMode="auto">
+          <a:xfrm>
+            <a:off x="7010400" y="152400"/>
+            <a:ext cx="1981200" cy="1073150"/>
+          </a:xfrm>
+          <a:prstGeom prst="rect">
+            <a:avLst/>
+          </a:prstGeom>
+          <a:noFill/>
         </p:spPr>
       </p:pic>
     </p:spTree>
@@ -4774,6 +4917,32 @@
           </a:p>
         </p:txBody>
       </p:sp>
+      <p:pic>
+        <p:nvPicPr>
+          <p:cNvPr id="4" name="Picture 3" descr="reLiveSolo"/>
+          <p:cNvPicPr>
+            <a:picLocks noChangeAspect="1" noChangeArrowheads="1"/>
+          </p:cNvPicPr>
+          <p:nvPr/>
+        </p:nvPicPr>
+        <p:blipFill>
+          <a:blip r:embed="rId2"/>
+          <a:srcRect/>
+          <a:stretch>
+            <a:fillRect/>
+          </a:stretch>
+        </p:blipFill>
+        <p:spPr bwMode="auto">
+          <a:xfrm>
+            <a:off x="7010400" y="152400"/>
+            <a:ext cx="1981200" cy="1073150"/>
+          </a:xfrm>
+          <a:prstGeom prst="rect">
+            <a:avLst/>
+          </a:prstGeom>
+          <a:noFill/>
+        </p:spPr>
+      </p:pic>
     </p:spTree>
   </p:cSld>
   <p:clrMapOvr>
@@ -5731,6 +5900,32 @@
           </a:p>
         </p:txBody>
       </p:sp>
+      <p:pic>
+        <p:nvPicPr>
+          <p:cNvPr id="5" name="Picture 4" descr="reLiveSolo"/>
+          <p:cNvPicPr>
+            <a:picLocks noChangeAspect="1" noChangeArrowheads="1"/>
+          </p:cNvPicPr>
+          <p:nvPr/>
+        </p:nvPicPr>
+        <p:blipFill>
+          <a:blip r:embed="rId2"/>
+          <a:srcRect/>
+          <a:stretch>
+            <a:fillRect/>
+          </a:stretch>
+        </p:blipFill>
+        <p:spPr bwMode="auto">
+          <a:xfrm>
+            <a:off x="6934200" y="5556250"/>
+            <a:ext cx="1981200" cy="1073150"/>
+          </a:xfrm>
+          <a:prstGeom prst="rect">
+            <a:avLst/>
+          </a:prstGeom>
+          <a:noFill/>
+        </p:spPr>
+      </p:pic>
     </p:spTree>
   </p:cSld>
   <p:clrMapOvr>
@@ -5807,7 +6002,6 @@
               <a:rPr lang="en-US" dirty="0" smtClean="0"/>
               <a:t>CMUcam3					$239.00</a:t>
             </a:r>
-            <a:endParaRPr lang="en-US" dirty="0" smtClean="0"/>
           </a:p>
           <a:p>
             <a:pPr lvl="1"/>
@@ -5821,13 +6015,8 @@
             </a:r>
             <a:r>
               <a:rPr lang="en-US" dirty="0" smtClean="0"/>
-              <a:t> III GPS </a:t>
-            </a:r>
-            <a:r>
-              <a:rPr lang="en-US" dirty="0" smtClean="0"/>
-              <a:t>Unit			$88.24</a:t>
-            </a:r>
-            <a:endParaRPr lang="en-US" dirty="0" smtClean="0"/>
+              <a:t> III GPS Unit			$88.24</a:t>
+            </a:r>
           </a:p>
           <a:p>
             <a:pPr lvl="1"/>
@@ -5835,31 +6024,20 @@
               <a:rPr lang="en-US" dirty="0" smtClean="0"/>
               <a:t>Enclosure					$3.69</a:t>
             </a:r>
-            <a:endParaRPr lang="en-US" dirty="0" smtClean="0"/>
           </a:p>
           <a:p>
             <a:pPr lvl="1"/>
             <a:r>
               <a:rPr lang="en-US" dirty="0" smtClean="0"/>
-              <a:t>Battery </a:t>
-            </a:r>
-            <a:r>
-              <a:rPr lang="en-US" dirty="0" smtClean="0"/>
-              <a:t>Pack					$1.99</a:t>
-            </a:r>
-            <a:endParaRPr lang="en-US" dirty="0" smtClean="0"/>
+              <a:t>Battery Pack					$1.99</a:t>
+            </a:r>
           </a:p>
           <a:p>
             <a:pPr lvl="1"/>
             <a:r>
               <a:rPr lang="en-US" dirty="0" smtClean="0"/>
-              <a:t>4x AA Rechargeable </a:t>
-            </a:r>
-            <a:r>
-              <a:rPr lang="en-US" dirty="0" smtClean="0"/>
-              <a:t>Batteries			$10.00</a:t>
-            </a:r>
-            <a:endParaRPr lang="en-US" dirty="0" smtClean="0"/>
+              <a:t>4x AA Rechargeable Batteries			$10.00</a:t>
+            </a:r>
           </a:p>
           <a:p>
             <a:pPr lvl="1"/>
@@ -5867,46 +6045,57 @@
               <a:rPr lang="en-US" dirty="0" smtClean="0"/>
               <a:t>Epoxy						$3.00</a:t>
             </a:r>
-            <a:endParaRPr lang="en-US" dirty="0" smtClean="0"/>
           </a:p>
           <a:p>
             <a:pPr lvl="1"/>
             <a:r>
               <a:rPr lang="en-US" dirty="0" smtClean="0"/>
-              <a:t>Various </a:t>
-            </a:r>
-            <a:r>
-              <a:rPr lang="en-US" dirty="0" smtClean="0"/>
-              <a:t>Connectors				$6.00</a:t>
-            </a:r>
-            <a:endParaRPr lang="en-US" dirty="0" smtClean="0"/>
+              <a:t>Various Connectors				$6.00</a:t>
+            </a:r>
           </a:p>
           <a:p>
             <a:pPr lvl="1"/>
             <a:r>
               <a:rPr lang="en-US" dirty="0" smtClean="0"/>
-              <a:t>1Gb SD </a:t>
-            </a:r>
-            <a:r>
-              <a:rPr lang="en-US" dirty="0" smtClean="0"/>
-              <a:t>Card					$15.00</a:t>
-            </a:r>
-            <a:endParaRPr lang="en-US" dirty="0" smtClean="0"/>
+              <a:t>1Gb SD Card					$15.00</a:t>
+            </a:r>
           </a:p>
           <a:p>
             <a:pPr lvl="1"/>
             <a:r>
               <a:rPr lang="en-US" b="1" dirty="0" smtClean="0"/>
-              <a:t>Total for </a:t>
-            </a:r>
-            <a:r>
-              <a:rPr lang="en-US" b="1" dirty="0" smtClean="0"/>
-              <a:t>Unit					$366.92</a:t>
+              <a:t>Total for Unit					$366.92</a:t>
             </a:r>
             <a:endParaRPr lang="en-US" dirty="0"/>
           </a:p>
         </p:txBody>
       </p:sp>
+      <p:pic>
+        <p:nvPicPr>
+          <p:cNvPr id="4" name="Picture 3" descr="reLiveSolo"/>
+          <p:cNvPicPr>
+            <a:picLocks noChangeAspect="1" noChangeArrowheads="1"/>
+          </p:cNvPicPr>
+          <p:nvPr/>
+        </p:nvPicPr>
+        <p:blipFill>
+          <a:blip r:embed="rId2"/>
+          <a:srcRect/>
+          <a:stretch>
+            <a:fillRect/>
+          </a:stretch>
+        </p:blipFill>
+        <p:spPr bwMode="auto">
+          <a:xfrm>
+            <a:off x="7010400" y="152400"/>
+            <a:ext cx="1981200" cy="1073150"/>
+          </a:xfrm>
+          <a:prstGeom prst="rect">
+            <a:avLst/>
+          </a:prstGeom>
+          <a:noFill/>
+        </p:spPr>
+      </p:pic>
     </p:spTree>
   </p:cSld>
   <p:clrMapOvr>
@@ -6028,6 +6217,32 @@
           </a:p>
         </p:txBody>
       </p:sp>
+      <p:pic>
+        <p:nvPicPr>
+          <p:cNvPr id="4" name="Picture 3" descr="reLiveSolo"/>
+          <p:cNvPicPr>
+            <a:picLocks noChangeAspect="1" noChangeArrowheads="1"/>
+          </p:cNvPicPr>
+          <p:nvPr/>
+        </p:nvPicPr>
+        <p:blipFill>
+          <a:blip r:embed="rId2"/>
+          <a:srcRect/>
+          <a:stretch>
+            <a:fillRect/>
+          </a:stretch>
+        </p:blipFill>
+        <p:spPr bwMode="auto">
+          <a:xfrm>
+            <a:off x="7010400" y="152400"/>
+            <a:ext cx="1981200" cy="1073150"/>
+          </a:xfrm>
+          <a:prstGeom prst="rect">
+            <a:avLst/>
+          </a:prstGeom>
+          <a:noFill/>
+        </p:spPr>
+      </p:pic>
     </p:spTree>
   </p:cSld>
   <p:clrMapOvr>
@@ -6093,8 +6308,20 @@
           <a:p>
             <a:r>
               <a:rPr lang="en-US" dirty="0" smtClean="0"/>
-              <a:t>Test Runs</a:t>
-            </a:r>
+              <a:t>Test </a:t>
+            </a:r>
+            <a:r>
+              <a:rPr lang="en-US" dirty="0" smtClean="0"/>
+              <a:t>Runs</a:t>
+            </a:r>
+          </a:p>
+          <a:p>
+            <a:pPr lvl="1"/>
+            <a:r>
+              <a:rPr lang="en-US" dirty="0" smtClean="0"/>
+              <a:t>Tested Halo, Distance, Schedule in different runs.</a:t>
+            </a:r>
+            <a:endParaRPr lang="en-US" dirty="0" smtClean="0"/>
           </a:p>
           <a:p>
             <a:r>
@@ -6107,13 +6334,55 @@
             </a:r>
           </a:p>
           <a:p>
+            <a:pPr lvl="1"/>
+            <a:r>
+              <a:rPr lang="en-US" dirty="0" smtClean="0"/>
+              <a:t>The battery lasted 15 hrs when configured to take a picture every 1 min and 30 sec.</a:t>
+            </a:r>
+            <a:endParaRPr lang="en-US" dirty="0" smtClean="0"/>
+          </a:p>
+          <a:p>
             <a:r>
               <a:rPr lang="en-US" dirty="0" smtClean="0"/>
               <a:t>Usability</a:t>
             </a:r>
           </a:p>
-        </p:txBody>
-      </p:sp>
+          <a:p>
+            <a:pPr lvl="1"/>
+            <a:r>
+              <a:rPr lang="en-US" dirty="0" smtClean="0"/>
+              <a:t>Had unfamiliar users test program</a:t>
+            </a:r>
+            <a:endParaRPr lang="en-US" dirty="0" smtClean="0"/>
+          </a:p>
+        </p:txBody>
+      </p:sp>
+      <p:pic>
+        <p:nvPicPr>
+          <p:cNvPr id="4" name="Picture 3" descr="reLiveSolo"/>
+          <p:cNvPicPr>
+            <a:picLocks noChangeAspect="1" noChangeArrowheads="1"/>
+          </p:cNvPicPr>
+          <p:nvPr/>
+        </p:nvPicPr>
+        <p:blipFill>
+          <a:blip r:embed="rId2"/>
+          <a:srcRect/>
+          <a:stretch>
+            <a:fillRect/>
+          </a:stretch>
+        </p:blipFill>
+        <p:spPr bwMode="auto">
+          <a:xfrm>
+            <a:off x="7010400" y="152400"/>
+            <a:ext cx="1981200" cy="1073150"/>
+          </a:xfrm>
+          <a:prstGeom prst="rect">
+            <a:avLst/>
+          </a:prstGeom>
+          <a:noFill/>
+        </p:spPr>
+      </p:pic>
     </p:spTree>
   </p:cSld>
   <p:clrMapOvr>
@@ -6541,6 +6810,32 @@
           </a:graphicData>
         </a:graphic>
       </p:graphicFrame>
+      <p:pic>
+        <p:nvPicPr>
+          <p:cNvPr id="9" name="Picture 8" descr="reLiveSolo"/>
+          <p:cNvPicPr>
+            <a:picLocks noChangeAspect="1" noChangeArrowheads="1"/>
+          </p:cNvPicPr>
+          <p:nvPr/>
+        </p:nvPicPr>
+        <p:blipFill>
+          <a:blip r:embed="rId3"/>
+          <a:srcRect/>
+          <a:stretch>
+            <a:fillRect/>
+          </a:stretch>
+        </p:blipFill>
+        <p:spPr bwMode="auto">
+          <a:xfrm>
+            <a:off x="7010400" y="152400"/>
+            <a:ext cx="1981200" cy="1073150"/>
+          </a:xfrm>
+          <a:prstGeom prst="rect">
+            <a:avLst/>
+          </a:prstGeom>
+          <a:noFill/>
+        </p:spPr>
+      </p:pic>
     </p:spTree>
   </p:cSld>
   <p:clrMapOvr>
@@ -6656,6 +6951,32 @@
           </a:p>
         </p:txBody>
       </p:sp>
+      <p:pic>
+        <p:nvPicPr>
+          <p:cNvPr id="4" name="Picture 3" descr="reLiveSolo"/>
+          <p:cNvPicPr>
+            <a:picLocks noChangeAspect="1" noChangeArrowheads="1"/>
+          </p:cNvPicPr>
+          <p:nvPr/>
+        </p:nvPicPr>
+        <p:blipFill>
+          <a:blip r:embed="rId2"/>
+          <a:srcRect/>
+          <a:stretch>
+            <a:fillRect/>
+          </a:stretch>
+        </p:blipFill>
+        <p:spPr bwMode="auto">
+          <a:xfrm>
+            <a:off x="7010400" y="152400"/>
+            <a:ext cx="1981200" cy="1073150"/>
+          </a:xfrm>
+          <a:prstGeom prst="rect">
+            <a:avLst/>
+          </a:prstGeom>
+          <a:noFill/>
+        </p:spPr>
+      </p:pic>
     </p:spTree>
   </p:cSld>
   <p:clrMapOvr>
@@ -6862,6 +7183,32 @@
           </a:p>
         </p:txBody>
       </p:sp>
+      <p:pic>
+        <p:nvPicPr>
+          <p:cNvPr id="4" name="Picture 3" descr="reLiveSolo"/>
+          <p:cNvPicPr>
+            <a:picLocks noChangeAspect="1" noChangeArrowheads="1"/>
+          </p:cNvPicPr>
+          <p:nvPr/>
+        </p:nvPicPr>
+        <p:blipFill>
+          <a:blip r:embed="rId2"/>
+          <a:srcRect/>
+          <a:stretch>
+            <a:fillRect/>
+          </a:stretch>
+        </p:blipFill>
+        <p:spPr bwMode="auto">
+          <a:xfrm>
+            <a:off x="7010400" y="152400"/>
+            <a:ext cx="1981200" cy="1073150"/>
+          </a:xfrm>
+          <a:prstGeom prst="rect">
+            <a:avLst/>
+          </a:prstGeom>
+          <a:noFill/>
+        </p:spPr>
+      </p:pic>
     </p:spTree>
   </p:cSld>
   <p:clrMapOvr>
@@ -6964,6 +7311,32 @@
           </a:p>
         </p:txBody>
       </p:sp>
+      <p:pic>
+        <p:nvPicPr>
+          <p:cNvPr id="4" name="Picture 3" descr="reLiveSolo"/>
+          <p:cNvPicPr>
+            <a:picLocks noChangeAspect="1" noChangeArrowheads="1"/>
+          </p:cNvPicPr>
+          <p:nvPr/>
+        </p:nvPicPr>
+        <p:blipFill>
+          <a:blip r:embed="rId2"/>
+          <a:srcRect/>
+          <a:stretch>
+            <a:fillRect/>
+          </a:stretch>
+        </p:blipFill>
+        <p:spPr bwMode="auto">
+          <a:xfrm>
+            <a:off x="7010400" y="152400"/>
+            <a:ext cx="1981200" cy="1073150"/>
+          </a:xfrm>
+          <a:prstGeom prst="rect">
+            <a:avLst/>
+          </a:prstGeom>
+          <a:noFill/>
+        </p:spPr>
+      </p:pic>
     </p:spTree>
   </p:cSld>
   <p:clrMapOvr>
@@ -7067,6 +7440,32 @@
           </a:p>
         </p:txBody>
       </p:sp>
+      <p:pic>
+        <p:nvPicPr>
+          <p:cNvPr id="4" name="Picture 3" descr="reLiveSolo"/>
+          <p:cNvPicPr>
+            <a:picLocks noChangeAspect="1" noChangeArrowheads="1"/>
+          </p:cNvPicPr>
+          <p:nvPr/>
+        </p:nvPicPr>
+        <p:blipFill>
+          <a:blip r:embed="rId2"/>
+          <a:srcRect/>
+          <a:stretch>
+            <a:fillRect/>
+          </a:stretch>
+        </p:blipFill>
+        <p:spPr bwMode="auto">
+          <a:xfrm>
+            <a:off x="7010400" y="152400"/>
+            <a:ext cx="1981200" cy="1073150"/>
+          </a:xfrm>
+          <a:prstGeom prst="rect">
+            <a:avLst/>
+          </a:prstGeom>
+          <a:noFill/>
+        </p:spPr>
+      </p:pic>
     </p:spTree>
   </p:cSld>
   <p:clrMapOvr>
@@ -7212,6 +7611,32 @@
           </a:prstGeom>
         </p:spPr>
       </p:pic>
+      <p:pic>
+        <p:nvPicPr>
+          <p:cNvPr id="6" name="Picture 5" descr="reLiveSolo"/>
+          <p:cNvPicPr>
+            <a:picLocks noChangeAspect="1" noChangeArrowheads="1"/>
+          </p:cNvPicPr>
+          <p:nvPr/>
+        </p:nvPicPr>
+        <p:blipFill>
+          <a:blip r:embed="rId4"/>
+          <a:srcRect/>
+          <a:stretch>
+            <a:fillRect/>
+          </a:stretch>
+        </p:blipFill>
+        <p:spPr bwMode="auto">
+          <a:xfrm>
+            <a:off x="7010400" y="152400"/>
+            <a:ext cx="1981200" cy="1073150"/>
+          </a:xfrm>
+          <a:prstGeom prst="rect">
+            <a:avLst/>
+          </a:prstGeom>
+          <a:noFill/>
+        </p:spPr>
+      </p:pic>
     </p:spTree>
   </p:cSld>
   <p:clrMapOvr>
@@ -7350,6 +7775,32 @@
           </a:prstGeom>
         </p:spPr>
       </p:pic>
+      <p:pic>
+        <p:nvPicPr>
+          <p:cNvPr id="7" name="Picture 6" descr="reLiveSolo"/>
+          <p:cNvPicPr>
+            <a:picLocks noChangeAspect="1" noChangeArrowheads="1"/>
+          </p:cNvPicPr>
+          <p:nvPr/>
+        </p:nvPicPr>
+        <p:blipFill>
+          <a:blip r:embed="rId4"/>
+          <a:srcRect/>
+          <a:stretch>
+            <a:fillRect/>
+          </a:stretch>
+        </p:blipFill>
+        <p:spPr bwMode="auto">
+          <a:xfrm>
+            <a:off x="7010400" y="152400"/>
+            <a:ext cx="1981200" cy="1073150"/>
+          </a:xfrm>
+          <a:prstGeom prst="rect">
+            <a:avLst/>
+          </a:prstGeom>
+          <a:noFill/>
+        </p:spPr>
+      </p:pic>
     </p:spTree>
   </p:cSld>
   <p:clrMapOvr>
@@ -7442,6 +7893,32 @@
           <a:prstGeom prst="rect">
             <a:avLst/>
           </a:prstGeom>
+        </p:spPr>
+      </p:pic>
+      <p:pic>
+        <p:nvPicPr>
+          <p:cNvPr id="5" name="Picture 4" descr="reLiveSolo"/>
+          <p:cNvPicPr>
+            <a:picLocks noChangeAspect="1" noChangeArrowheads="1"/>
+          </p:cNvPicPr>
+          <p:nvPr/>
+        </p:nvPicPr>
+        <p:blipFill>
+          <a:blip r:embed="rId3"/>
+          <a:srcRect/>
+          <a:stretch>
+            <a:fillRect/>
+          </a:stretch>
+        </p:blipFill>
+        <p:spPr bwMode="auto">
+          <a:xfrm>
+            <a:off x="7010400" y="152400"/>
+            <a:ext cx="1981200" cy="1073150"/>
+          </a:xfrm>
+          <a:prstGeom prst="rect">
+            <a:avLst/>
+          </a:prstGeom>
+          <a:noFill/>
         </p:spPr>
       </p:pic>
     </p:spTree>
@@ -7505,7 +7982,7 @@
         <p:spPr/>
         <p:txBody>
           <a:bodyPr>
-            <a:normAutofit lnSpcReduction="10000"/>
+            <a:normAutofit fontScale="92500" lnSpcReduction="10000"/>
           </a:bodyPr>
           <a:lstStyle/>
           <a:p>
@@ -7523,6 +8000,14 @@
             <a:endParaRPr lang="en-US" dirty="0" smtClean="0"/>
           </a:p>
           <a:p>
+            <a:pPr lvl="1"/>
+            <a:r>
+              <a:rPr lang="en-US" dirty="0" smtClean="0"/>
+              <a:t>CMUCam2</a:t>
+            </a:r>
+            <a:endParaRPr lang="en-US" dirty="0" smtClean="0"/>
+          </a:p>
+          <a:p>
             <a:r>
               <a:rPr lang="en-US" dirty="0" smtClean="0"/>
               <a:t>GPS</a:t>
@@ -7591,6 +8076,122 @@
           </a:p>
         </p:txBody>
       </p:sp>
+      <p:pic>
+        <p:nvPicPr>
+          <p:cNvPr id="4" name="Picture 3" descr="04302008.jpg"/>
+          <p:cNvPicPr>
+            <a:picLocks noChangeAspect="1"/>
+          </p:cNvPicPr>
+          <p:nvPr/>
+        </p:nvPicPr>
+        <p:blipFill>
+          <a:blip r:embed="rId2" cstate="print"/>
+          <a:stretch>
+            <a:fillRect/>
+          </a:stretch>
+        </p:blipFill>
+        <p:spPr>
+          <a:xfrm>
+            <a:off x="5943600" y="3505200"/>
+            <a:ext cx="2235200" cy="1676400"/>
+          </a:xfrm>
+          <a:prstGeom prst="rect">
+            <a:avLst/>
+          </a:prstGeom>
+        </p:spPr>
+      </p:pic>
+      <p:pic>
+        <p:nvPicPr>
+          <p:cNvPr id="1026" name="Picture 2"/>
+          <p:cNvPicPr>
+            <a:picLocks noChangeAspect="1" noChangeArrowheads="1"/>
+          </p:cNvPicPr>
+          <p:nvPr/>
+        </p:nvPicPr>
+        <p:blipFill>
+          <a:blip r:embed="rId3"/>
+          <a:srcRect/>
+          <a:stretch>
+            <a:fillRect/>
+          </a:stretch>
+        </p:blipFill>
+        <p:spPr bwMode="auto">
+          <a:xfrm>
+            <a:off x="5943600" y="1600200"/>
+            <a:ext cx="2189481" cy="1600200"/>
+          </a:xfrm>
+          <a:prstGeom prst="rect">
+            <a:avLst/>
+          </a:prstGeom>
+          <a:noFill/>
+          <a:ln w="9525">
+            <a:noFill/>
+            <a:miter lim="800000"/>
+            <a:headEnd/>
+            <a:tailEnd/>
+          </a:ln>
+          <a:effectLst/>
+        </p:spPr>
+      </p:pic>
+      <p:pic>
+        <p:nvPicPr>
+          <p:cNvPr id="1027" name="Picture 3"/>
+          <p:cNvPicPr>
+            <a:picLocks noChangeAspect="1" noChangeArrowheads="1"/>
+          </p:cNvPicPr>
+          <p:nvPr/>
+        </p:nvPicPr>
+        <p:blipFill>
+          <a:blip r:embed="rId4"/>
+          <a:srcRect t="12308" r="-3067"/>
+          <a:stretch>
+            <a:fillRect/>
+          </a:stretch>
+        </p:blipFill>
+        <p:spPr bwMode="auto">
+          <a:xfrm>
+            <a:off x="6477000" y="5638800"/>
+            <a:ext cx="1600200" cy="542925"/>
+          </a:xfrm>
+          <a:prstGeom prst="rect">
+            <a:avLst/>
+          </a:prstGeom>
+          <a:noFill/>
+          <a:ln w="9525">
+            <a:noFill/>
+            <a:miter lim="800000"/>
+            <a:headEnd/>
+            <a:tailEnd/>
+          </a:ln>
+          <a:effectLst/>
+        </p:spPr>
+      </p:pic>
+      <p:pic>
+        <p:nvPicPr>
+          <p:cNvPr id="7" name="Picture 6" descr="reLiveSolo"/>
+          <p:cNvPicPr>
+            <a:picLocks noChangeAspect="1" noChangeArrowheads="1"/>
+          </p:cNvPicPr>
+          <p:nvPr/>
+        </p:nvPicPr>
+        <p:blipFill>
+          <a:blip r:embed="rId5"/>
+          <a:srcRect/>
+          <a:stretch>
+            <a:fillRect/>
+          </a:stretch>
+        </p:blipFill>
+        <p:spPr bwMode="auto">
+          <a:xfrm>
+            <a:off x="7010400" y="152400"/>
+            <a:ext cx="1981200" cy="1073150"/>
+          </a:xfrm>
+          <a:prstGeom prst="rect">
+            <a:avLst/>
+          </a:prstGeom>
+          <a:noFill/>
+        </p:spPr>
+      </p:pic>
     </p:spTree>
   </p:cSld>
   <p:clrMapOvr>

--- a/trunk/MISC/Final Presentation.pptx
+++ b/trunk/MISC/Final Presentation.pptx
@@ -189,13 +189,13 @@
                   <c:v>51.327000000000005</c:v>
                 </c:pt>
                 <c:pt idx="6">
-                  <c:v>44.483999999999995</c:v>
+                  <c:v>44.484000000000002</c:v>
                 </c:pt>
                 <c:pt idx="7">
                   <c:v>46.099000000000011</c:v>
                 </c:pt>
                 <c:pt idx="8">
-                  <c:v>47.296000000000014</c:v>
+                  <c:v>47.296000000000021</c:v>
                 </c:pt>
                 <c:pt idx="9">
                   <c:v>43.08</c:v>
@@ -204,7 +204,7 @@
                   <c:v>44.033000000000001</c:v>
                 </c:pt>
                 <c:pt idx="11">
-                  <c:v>44.498000000000005</c:v>
+                  <c:v>44.498000000000012</c:v>
                 </c:pt>
                 <c:pt idx="12">
                   <c:v>43.617000000000004</c:v>
@@ -222,7 +222,7 @@
                   <c:v>45.233000000000011</c:v>
                 </c:pt>
                 <c:pt idx="17">
-                  <c:v>46.422000000000004</c:v>
+                  <c:v>46.422000000000011</c:v>
                 </c:pt>
                 <c:pt idx="18">
                   <c:v>45.868000000000002</c:v>
@@ -235,11 +235,11 @@
           </c:val>
         </c:ser>
         <c:marker val="1"/>
-        <c:axId val="36988800"/>
-        <c:axId val="36990976"/>
+        <c:axId val="36013952"/>
+        <c:axId val="36016128"/>
       </c:lineChart>
       <c:catAx>
-        <c:axId val="36988800"/>
+        <c:axId val="36013952"/>
         <c:scaling>
           <c:orientation val="minMax"/>
         </c:scaling>
@@ -254,23 +254,24 @@
                   <a:defRPr/>
                 </a:pPr>
                 <a:r>
-                  <a:rPr lang="en-US"/>
-                  <a:t>Point</a:t>
+                  <a:rPr lang="en-US" dirty="0" smtClean="0"/>
+                  <a:t>Time</a:t>
                 </a:r>
+                <a:endParaRPr lang="en-US" dirty="0"/>
               </a:p>
             </c:rich>
           </c:tx>
           <c:layout/>
         </c:title>
         <c:tickLblPos val="nextTo"/>
-        <c:crossAx val="36990976"/>
+        <c:crossAx val="36016128"/>
         <c:crosses val="autoZero"/>
         <c:auto val="1"/>
         <c:lblAlgn val="ctr"/>
         <c:lblOffset val="100"/>
       </c:catAx>
       <c:valAx>
-        <c:axId val="36990976"/>
+        <c:axId val="36016128"/>
         <c:scaling>
           <c:orientation val="minMax"/>
         </c:scaling>
@@ -301,7 +302,7 @@
         </c:title>
         <c:numFmt formatCode="General" sourceLinked="1"/>
         <c:tickLblPos val="nextTo"/>
-        <c:crossAx val="36988800"/>
+        <c:crossAx val="36013952"/>
         <c:crosses val="autoZero"/>
         <c:crossBetween val="between"/>
       </c:valAx>
@@ -6308,11 +6309,7 @@
           <a:p>
             <a:r>
               <a:rPr lang="en-US" dirty="0" smtClean="0"/>
-              <a:t>Test </a:t>
-            </a:r>
-            <a:r>
-              <a:rPr lang="en-US" dirty="0" smtClean="0"/>
-              <a:t>Runs</a:t>
+              <a:t>Test Runs</a:t>
             </a:r>
           </a:p>
           <a:p>
@@ -6321,16 +6318,11 @@
               <a:rPr lang="en-US" dirty="0" smtClean="0"/>
               <a:t>Tested Halo, Distance, Schedule in different runs.</a:t>
             </a:r>
-            <a:endParaRPr lang="en-US" dirty="0" smtClean="0"/>
-          </a:p>
-          <a:p>
-            <a:r>
-              <a:rPr lang="en-US" dirty="0" smtClean="0"/>
-              <a:t>Battery </a:t>
-            </a:r>
-            <a:r>
-              <a:rPr lang="en-US" dirty="0" smtClean="0"/>
-              <a:t>Life</a:t>
+          </a:p>
+          <a:p>
+            <a:r>
+              <a:rPr lang="en-US" dirty="0" smtClean="0"/>
+              <a:t>Battery Life</a:t>
             </a:r>
           </a:p>
           <a:p>
@@ -6339,7 +6331,6 @@
               <a:rPr lang="en-US" dirty="0" smtClean="0"/>
               <a:t>The battery lasted 15 hrs when configured to take a picture every 1 min and 30 sec.</a:t>
             </a:r>
-            <a:endParaRPr lang="en-US" dirty="0" smtClean="0"/>
           </a:p>
           <a:p>
             <a:r>
@@ -6353,7 +6344,6 @@
               <a:rPr lang="en-US" dirty="0" smtClean="0"/>
               <a:t>Had unfamiliar users test program</a:t>
             </a:r>
-            <a:endParaRPr lang="en-US" dirty="0" smtClean="0"/>
           </a:p>
         </p:txBody>
       </p:sp>
@@ -6678,7 +6668,7 @@
                     <a:p>
                       <a:pPr algn="l" fontAlgn="b"/>
                       <a:r>
-                        <a:rPr lang="en-US" sz="1800" b="0" i="0" u="none" strike="noStrike">
+                        <a:rPr lang="en-US" sz="1800" b="0" i="0" u="none" strike="noStrike" dirty="0">
                           <a:solidFill>
                             <a:srgbClr val="000000"/>
                           </a:solidFill>
@@ -6737,7 +6727,7 @@
                     <a:p>
                       <a:pPr algn="r" fontAlgn="b"/>
                       <a:r>
-                        <a:rPr lang="en-US" sz="1800" b="0" i="0" u="none" strike="noStrike">
+                        <a:rPr lang="en-US" sz="1800" b="0" i="0" u="none" strike="noStrike" dirty="0">
                           <a:solidFill>
                             <a:srgbClr val="000000"/>
                           </a:solidFill>
@@ -7123,8 +7113,22 @@
           <a:p>
             <a:r>
               <a:rPr lang="en-US" dirty="0" smtClean="0"/>
+              <a:t>Needs</a:t>
+            </a:r>
+          </a:p>
+          <a:p>
+            <a:pPr lvl="1"/>
+            <a:r>
+              <a:rPr lang="en-US" dirty="0" smtClean="0"/>
+              <a:t>There is a need for users to autonomously create and explore daily photo life logs for both a fun and interesting experience.</a:t>
+            </a:r>
+          </a:p>
+          <a:p>
+            <a:r>
+              <a:rPr lang="en-US" dirty="0" smtClean="0"/>
               <a:t>Problem</a:t>
             </a:r>
+            <a:endParaRPr lang="en-US" dirty="0" smtClean="0"/>
           </a:p>
           <a:p>
             <a:pPr lvl="1"/>
@@ -7143,21 +7147,9 @@
           <a:p>
             <a:r>
               <a:rPr lang="en-US" dirty="0" smtClean="0"/>
-              <a:t>Needs</a:t>
-            </a:r>
-          </a:p>
-          <a:p>
-            <a:pPr lvl="1"/>
-            <a:r>
-              <a:rPr lang="en-US" dirty="0" smtClean="0"/>
-              <a:t>There is a need for users to autonomously create and explore daily photo life logs for both a fun and interesting experience.</a:t>
-            </a:r>
-          </a:p>
-          <a:p>
-            <a:r>
-              <a:rPr lang="en-US" dirty="0" smtClean="0"/>
               <a:t>Goal</a:t>
             </a:r>
+            <a:endParaRPr lang="en-US" dirty="0" smtClean="0"/>
           </a:p>
           <a:p>
             <a:pPr lvl="1"/>
@@ -8005,7 +7997,6 @@
               <a:rPr lang="en-US" dirty="0" smtClean="0"/>
               <a:t>CMUCam2</a:t>
             </a:r>
-            <a:endParaRPr lang="en-US" dirty="0" smtClean="0"/>
           </a:p>
           <a:p>
             <a:r>
